--- a/etc/Final Presentation.pptx
+++ b/etc/Final Presentation.pptx
@@ -2,10 +2,10 @@
 <file path=ppt/presentation.xml><?xml version="1.0" encoding="utf-8"?>
 <p:presentation xmlns:a="http://schemas.openxmlformats.org/drawingml/2006/main" xmlns:r="http://schemas.openxmlformats.org/officeDocument/2006/relationships" xmlns:p="http://schemas.openxmlformats.org/presentationml/2006/main" saveSubsetFonts="1">
   <p:sldMasterIdLst>
-    <p:sldMasterId id="2147483648" r:id="rId1"/>
+    <p:sldMasterId id="2147483730" r:id="rId1"/>
   </p:sldMasterIdLst>
   <p:notesMasterIdLst>
-    <p:notesMasterId r:id="rId22"/>
+    <p:notesMasterId r:id="rId20"/>
   </p:notesMasterIdLst>
   <p:sldIdLst>
     <p:sldId id="256" r:id="rId2"/>
@@ -16,18 +16,16 @@
     <p:sldId id="260" r:id="rId7"/>
     <p:sldId id="261" r:id="rId8"/>
     <p:sldId id="278" r:id="rId9"/>
-    <p:sldId id="262" r:id="rId10"/>
-    <p:sldId id="281" r:id="rId11"/>
-    <p:sldId id="263" r:id="rId12"/>
-    <p:sldId id="279" r:id="rId13"/>
-    <p:sldId id="265" r:id="rId14"/>
-    <p:sldId id="264" r:id="rId15"/>
-    <p:sldId id="266" r:id="rId16"/>
-    <p:sldId id="267" r:id="rId17"/>
-    <p:sldId id="269" r:id="rId18"/>
-    <p:sldId id="270" r:id="rId19"/>
-    <p:sldId id="271" r:id="rId20"/>
-    <p:sldId id="268" r:id="rId21"/>
+    <p:sldId id="282" r:id="rId10"/>
+    <p:sldId id="262" r:id="rId11"/>
+    <p:sldId id="283" r:id="rId12"/>
+    <p:sldId id="281" r:id="rId13"/>
+    <p:sldId id="263" r:id="rId14"/>
+    <p:sldId id="279" r:id="rId15"/>
+    <p:sldId id="265" r:id="rId16"/>
+    <p:sldId id="284" r:id="rId17"/>
+    <p:sldId id="264" r:id="rId18"/>
+    <p:sldId id="266" r:id="rId19"/>
   </p:sldIdLst>
   <p:sldSz cx="9144000" cy="6858000" type="screen4x3"/>
   <p:notesSz cx="6858000" cy="9144000"/>
@@ -653,7 +651,7 @@
     </p:spTree>
     <p:extLst>
       <p:ext uri="{BB962C8B-B14F-4D97-AF65-F5344CB8AC3E}">
-        <p14:creationId xmlns:p14="http://schemas.microsoft.com/office/powerpoint/2010/main" val="2709892746"/>
+        <p14:creationId xmlns:p14="http://schemas.microsoft.com/office/powerpoint/2010/main" val="2924816314"/>
       </p:ext>
     </p:extLst>
   </p:cSld>
@@ -821,7 +819,7 @@
     </p:spTree>
     <p:extLst>
       <p:ext uri="{BB962C8B-B14F-4D97-AF65-F5344CB8AC3E}">
-        <p14:creationId xmlns:p14="http://schemas.microsoft.com/office/powerpoint/2010/main" val="2924816314"/>
+        <p14:creationId xmlns:p14="http://schemas.microsoft.com/office/powerpoint/2010/main" val="2709892746"/>
       </p:ext>
     </p:extLst>
   </p:cSld>
@@ -989,7 +987,7 @@
     </p:spTree>
     <p:extLst>
       <p:ext uri="{BB962C8B-B14F-4D97-AF65-F5344CB8AC3E}">
-        <p14:creationId xmlns:p14="http://schemas.microsoft.com/office/powerpoint/2010/main" val="2924816314"/>
+        <p14:creationId xmlns:p14="http://schemas.microsoft.com/office/powerpoint/2010/main" val="3760027873"/>
       </p:ext>
     </p:extLst>
   </p:cSld>
@@ -1167,174 +1165,6 @@
 </p:notes>
 </file>
 
-<file path=ppt/notesSlides/notesSlide17.xml><?xml version="1.0" encoding="utf-8"?>
-<p:notes xmlns:a="http://schemas.openxmlformats.org/drawingml/2006/main" xmlns:r="http://schemas.openxmlformats.org/officeDocument/2006/relationships" xmlns:p="http://schemas.openxmlformats.org/presentationml/2006/main">
-  <p:cSld>
-    <p:spTree>
-      <p:nvGrpSpPr>
-        <p:cNvPr id="1" name=""/>
-        <p:cNvGrpSpPr/>
-        <p:nvPr/>
-      </p:nvGrpSpPr>
-      <p:grpSpPr>
-        <a:xfrm>
-          <a:off x="0" y="0"/>
-          <a:ext cx="0" cy="0"/>
-          <a:chOff x="0" y="0"/>
-          <a:chExt cx="0" cy="0"/>
-        </a:xfrm>
-      </p:grpSpPr>
-      <p:sp>
-        <p:nvSpPr>
-          <p:cNvPr id="2" name="Slide Image Placeholder 1"/>
-          <p:cNvSpPr>
-            <a:spLocks noGrp="1" noRot="1" noChangeAspect="1"/>
-          </p:cNvSpPr>
-          <p:nvPr>
-            <p:ph type="sldImg"/>
-          </p:nvPr>
-        </p:nvSpPr>
-        <p:spPr/>
-      </p:sp>
-      <p:sp>
-        <p:nvSpPr>
-          <p:cNvPr id="3" name="Notes Placeholder 2"/>
-          <p:cNvSpPr>
-            <a:spLocks noGrp="1"/>
-          </p:cNvSpPr>
-          <p:nvPr>
-            <p:ph type="body" idx="1"/>
-          </p:nvPr>
-        </p:nvSpPr>
-        <p:spPr/>
-        <p:txBody>
-          <a:bodyPr/>
-          <a:lstStyle/>
-          <a:p>
-            <a:endParaRPr lang="en-US" dirty="0"/>
-          </a:p>
-        </p:txBody>
-      </p:sp>
-      <p:sp>
-        <p:nvSpPr>
-          <p:cNvPr id="4" name="Slide Number Placeholder 3"/>
-          <p:cNvSpPr>
-            <a:spLocks noGrp="1"/>
-          </p:cNvSpPr>
-          <p:nvPr>
-            <p:ph type="sldNum" sz="quarter" idx="10"/>
-          </p:nvPr>
-        </p:nvSpPr>
-        <p:spPr/>
-        <p:txBody>
-          <a:bodyPr/>
-          <a:lstStyle/>
-          <a:p>
-            <a:fld id="{ADB9CD00-A32E-463D-A58E-D1E7B880AA22}" type="slidenum">
-              <a:rPr lang="en-US" smtClean="0"/>
-              <a:t>19</a:t>
-            </a:fld>
-            <a:endParaRPr lang="en-US"/>
-          </a:p>
-        </p:txBody>
-      </p:sp>
-    </p:spTree>
-    <p:extLst>
-      <p:ext uri="{BB962C8B-B14F-4D97-AF65-F5344CB8AC3E}">
-        <p14:creationId xmlns:p14="http://schemas.microsoft.com/office/powerpoint/2010/main" val="2924816314"/>
-      </p:ext>
-    </p:extLst>
-  </p:cSld>
-  <p:clrMapOvr>
-    <a:masterClrMapping/>
-  </p:clrMapOvr>
-</p:notes>
-</file>
-
-<file path=ppt/notesSlides/notesSlide18.xml><?xml version="1.0" encoding="utf-8"?>
-<p:notes xmlns:a="http://schemas.openxmlformats.org/drawingml/2006/main" xmlns:r="http://schemas.openxmlformats.org/officeDocument/2006/relationships" xmlns:p="http://schemas.openxmlformats.org/presentationml/2006/main">
-  <p:cSld>
-    <p:spTree>
-      <p:nvGrpSpPr>
-        <p:cNvPr id="1" name=""/>
-        <p:cNvGrpSpPr/>
-        <p:nvPr/>
-      </p:nvGrpSpPr>
-      <p:grpSpPr>
-        <a:xfrm>
-          <a:off x="0" y="0"/>
-          <a:ext cx="0" cy="0"/>
-          <a:chOff x="0" y="0"/>
-          <a:chExt cx="0" cy="0"/>
-        </a:xfrm>
-      </p:grpSpPr>
-      <p:sp>
-        <p:nvSpPr>
-          <p:cNvPr id="2" name="Slide Image Placeholder 1"/>
-          <p:cNvSpPr>
-            <a:spLocks noGrp="1" noRot="1" noChangeAspect="1"/>
-          </p:cNvSpPr>
-          <p:nvPr>
-            <p:ph type="sldImg"/>
-          </p:nvPr>
-        </p:nvSpPr>
-        <p:spPr/>
-      </p:sp>
-      <p:sp>
-        <p:nvSpPr>
-          <p:cNvPr id="3" name="Notes Placeholder 2"/>
-          <p:cNvSpPr>
-            <a:spLocks noGrp="1"/>
-          </p:cNvSpPr>
-          <p:nvPr>
-            <p:ph type="body" idx="1"/>
-          </p:nvPr>
-        </p:nvSpPr>
-        <p:spPr/>
-        <p:txBody>
-          <a:bodyPr/>
-          <a:lstStyle/>
-          <a:p>
-            <a:endParaRPr lang="en-US" dirty="0"/>
-          </a:p>
-        </p:txBody>
-      </p:sp>
-      <p:sp>
-        <p:nvSpPr>
-          <p:cNvPr id="4" name="Slide Number Placeholder 3"/>
-          <p:cNvSpPr>
-            <a:spLocks noGrp="1"/>
-          </p:cNvSpPr>
-          <p:nvPr>
-            <p:ph type="sldNum" sz="quarter" idx="10"/>
-          </p:nvPr>
-        </p:nvSpPr>
-        <p:spPr/>
-        <p:txBody>
-          <a:bodyPr/>
-          <a:lstStyle/>
-          <a:p>
-            <a:fld id="{ADB9CD00-A32E-463D-A58E-D1E7B880AA22}" type="slidenum">
-              <a:rPr lang="en-US" smtClean="0"/>
-              <a:t>20</a:t>
-            </a:fld>
-            <a:endParaRPr lang="en-US"/>
-          </a:p>
-        </p:txBody>
-      </p:sp>
-    </p:spTree>
-    <p:extLst>
-      <p:ext uri="{BB962C8B-B14F-4D97-AF65-F5344CB8AC3E}">
-        <p14:creationId xmlns:p14="http://schemas.microsoft.com/office/powerpoint/2010/main" val="2924816314"/>
-      </p:ext>
-    </p:extLst>
-  </p:cSld>
-  <p:clrMapOvr>
-    <a:masterClrMapping/>
-  </p:clrMapOvr>
-</p:notes>
-</file>
-
 <file path=ppt/notesSlides/notesSlide2.xml><?xml version="1.0" encoding="utf-8"?>
 <p:notes xmlns:a="http://schemas.openxmlformats.org/drawingml/2006/main" xmlns:r="http://schemas.openxmlformats.org/officeDocument/2006/relationships" xmlns:p="http://schemas.openxmlformats.org/presentationml/2006/main">
   <p:cSld>
@@ -1799,23 +1629,6 @@
           <a:bodyPr/>
           <a:lstStyle/>
           <a:p>
-            <a:pPr marL="0" marR="0" indent="0" algn="l" defTabSz="914400" rtl="0" eaLnBrk="1" fontAlgn="auto" latinLnBrk="0" hangingPunct="1">
-              <a:lnSpc>
-                <a:spcPct val="100000"/>
-              </a:lnSpc>
-              <a:spcBef>
-                <a:spcPts val="0"/>
-              </a:spcBef>
-              <a:spcAft>
-                <a:spcPts val="0"/>
-              </a:spcAft>
-              <a:buClrTx/>
-              <a:buSzTx/>
-              <a:buFontTx/>
-              <a:buNone/>
-              <a:tabLst/>
-              <a:defRPr/>
-            </a:pPr>
             <a:endParaRPr lang="en-US" dirty="0"/>
           </a:p>
         </p:txBody>
@@ -1846,7 +1659,7 @@
     </p:spTree>
     <p:extLst>
       <p:ext uri="{BB962C8B-B14F-4D97-AF65-F5344CB8AC3E}">
-        <p14:creationId xmlns:p14="http://schemas.microsoft.com/office/powerpoint/2010/main" val="2924816314"/>
+        <p14:creationId xmlns:p14="http://schemas.microsoft.com/office/powerpoint/2010/main" val="3078060577"/>
       </p:ext>
     </p:extLst>
   </p:cSld>
@@ -1900,6 +1713,23 @@
           <a:bodyPr/>
           <a:lstStyle/>
           <a:p>
+            <a:pPr marL="0" marR="0" indent="0" algn="l" defTabSz="914400" rtl="0" eaLnBrk="1" fontAlgn="auto" latinLnBrk="0" hangingPunct="1">
+              <a:lnSpc>
+                <a:spcPct val="100000"/>
+              </a:lnSpc>
+              <a:spcBef>
+                <a:spcPts val="0"/>
+              </a:spcBef>
+              <a:spcAft>
+                <a:spcPts val="0"/>
+              </a:spcAft>
+              <a:buClrTx/>
+              <a:buSzTx/>
+              <a:buFontTx/>
+              <a:buNone/>
+              <a:tabLst/>
+              <a:defRPr/>
+            </a:pPr>
             <a:endParaRPr lang="en-US" dirty="0"/>
           </a:p>
         </p:txBody>
@@ -1984,6 +1814,23 @@
           <a:bodyPr/>
           <a:lstStyle/>
           <a:p>
+            <a:pPr marL="0" marR="0" indent="0" algn="l" defTabSz="914400" rtl="0" eaLnBrk="1" fontAlgn="auto" latinLnBrk="0" hangingPunct="1">
+              <a:lnSpc>
+                <a:spcPct val="100000"/>
+              </a:lnSpc>
+              <a:spcBef>
+                <a:spcPts val="0"/>
+              </a:spcBef>
+              <a:spcAft>
+                <a:spcPts val="0"/>
+              </a:spcAft>
+              <a:buClrTx/>
+              <a:buSzTx/>
+              <a:buFontTx/>
+              <a:buNone/>
+              <a:tabLst/>
+              <a:defRPr/>
+            </a:pPr>
             <a:endParaRPr lang="en-US" dirty="0"/>
           </a:p>
         </p:txBody>
@@ -2014,7 +1861,7 @@
     </p:spTree>
     <p:extLst>
       <p:ext uri="{BB962C8B-B14F-4D97-AF65-F5344CB8AC3E}">
-        <p14:creationId xmlns:p14="http://schemas.microsoft.com/office/powerpoint/2010/main" val="2924816314"/>
+        <p14:creationId xmlns:p14="http://schemas.microsoft.com/office/powerpoint/2010/main" val="1614286486"/>
       </p:ext>
     </p:extLst>
   </p:cSld>
@@ -2025,7 +1872,7 @@
 </file>
 
 <file path=ppt/slideLayouts/slideLayout1.xml><?xml version="1.0" encoding="utf-8"?>
-<p:sldLayout xmlns:a="http://schemas.openxmlformats.org/drawingml/2006/main" xmlns:r="http://schemas.openxmlformats.org/officeDocument/2006/relationships" xmlns:p="http://schemas.openxmlformats.org/presentationml/2006/main" type="title" preserve="1">
+<p:sldLayout xmlns:a="http://schemas.openxmlformats.org/drawingml/2006/main" xmlns:r="http://schemas.openxmlformats.org/officeDocument/2006/relationships" xmlns:p="http://schemas.openxmlformats.org/presentationml/2006/main" showMasterSp="0" type="title" preserve="1">
   <p:cSld name="Title Slide">
     <p:spTree>
       <p:nvGrpSpPr>
@@ -2041,6 +1888,608 @@
           <a:chExt cx="0" cy="0"/>
         </a:xfrm>
       </p:grpSpPr>
+      <p:grpSp>
+        <p:nvGrpSpPr>
+          <p:cNvPr id="7" name="Group 6"/>
+          <p:cNvGrpSpPr/>
+          <p:nvPr/>
+        </p:nvGrpSpPr>
+        <p:grpSpPr>
+          <a:xfrm>
+            <a:off x="-8466" y="-8468"/>
+            <a:ext cx="9169804" cy="6874935"/>
+            <a:chOff x="-8466" y="-8468"/>
+            <a:chExt cx="9169804" cy="6874935"/>
+          </a:xfrm>
+        </p:grpSpPr>
+        <p:cxnSp>
+          <p:nvCxnSpPr>
+            <p:cNvPr id="17" name="Straight Connector 16"/>
+            <p:cNvCxnSpPr/>
+            <p:nvPr/>
+          </p:nvCxnSpPr>
+          <p:spPr>
+            <a:xfrm flipV="1">
+              <a:off x="5130830" y="4175605"/>
+              <a:ext cx="4022475" cy="2682396"/>
+            </a:xfrm>
+            <a:prstGeom prst="line">
+              <a:avLst/>
+            </a:prstGeom>
+            <a:ln w="9525">
+              <a:solidFill>
+                <a:schemeClr val="bg1">
+                  <a:lumMod val="85000"/>
+                </a:schemeClr>
+              </a:solidFill>
+            </a:ln>
+          </p:spPr>
+          <p:style>
+            <a:lnRef idx="2">
+              <a:schemeClr val="accent1"/>
+            </a:lnRef>
+            <a:fillRef idx="0">
+              <a:schemeClr val="accent1"/>
+            </a:fillRef>
+            <a:effectRef idx="1">
+              <a:schemeClr val="accent1"/>
+            </a:effectRef>
+            <a:fontRef idx="minor">
+              <a:schemeClr val="tx1"/>
+            </a:fontRef>
+          </p:style>
+        </p:cxnSp>
+        <p:cxnSp>
+          <p:nvCxnSpPr>
+            <p:cNvPr id="18" name="Straight Connector 17"/>
+            <p:cNvCxnSpPr/>
+            <p:nvPr/>
+          </p:nvCxnSpPr>
+          <p:spPr>
+            <a:xfrm>
+              <a:off x="7042707" y="0"/>
+              <a:ext cx="1219200" cy="6858000"/>
+            </a:xfrm>
+            <a:prstGeom prst="line">
+              <a:avLst/>
+            </a:prstGeom>
+            <a:ln w="9525">
+              <a:solidFill>
+                <a:schemeClr val="bg1">
+                  <a:lumMod val="75000"/>
+                </a:schemeClr>
+              </a:solidFill>
+            </a:ln>
+          </p:spPr>
+          <p:style>
+            <a:lnRef idx="2">
+              <a:schemeClr val="accent1"/>
+            </a:lnRef>
+            <a:fillRef idx="0">
+              <a:schemeClr val="accent1"/>
+            </a:fillRef>
+            <a:effectRef idx="1">
+              <a:schemeClr val="accent1"/>
+            </a:effectRef>
+            <a:fontRef idx="minor">
+              <a:schemeClr val="tx1"/>
+            </a:fontRef>
+          </p:style>
+        </p:cxnSp>
+        <p:sp>
+          <p:nvSpPr>
+            <p:cNvPr id="19" name="Freeform 18"/>
+            <p:cNvSpPr/>
+            <p:nvPr/>
+          </p:nvSpPr>
+          <p:spPr>
+            <a:xfrm>
+              <a:off x="6891896" y="1"/>
+              <a:ext cx="2269442" cy="6866466"/>
+            </a:xfrm>
+            <a:custGeom>
+              <a:avLst/>
+              <a:gdLst/>
+              <a:ahLst/>
+              <a:cxnLst/>
+              <a:rect l="l" t="t" r="r" b="b"/>
+              <a:pathLst>
+                <a:path w="2269442" h="6866466">
+                  <a:moveTo>
+                    <a:pt x="2023534" y="0"/>
+                  </a:moveTo>
+                  <a:lnTo>
+                    <a:pt x="0" y="6858000"/>
+                  </a:lnTo>
+                  <a:lnTo>
+                    <a:pt x="2269067" y="6866466"/>
+                  </a:lnTo>
+                  <a:cubicBezTo>
+                    <a:pt x="2271889" y="4580466"/>
+                    <a:pt x="2257778" y="2294466"/>
+                    <a:pt x="2260600" y="8466"/>
+                  </a:cubicBezTo>
+                  <a:lnTo>
+                    <a:pt x="2023534" y="0"/>
+                  </a:lnTo>
+                  <a:close/>
+                </a:path>
+              </a:pathLst>
+            </a:custGeom>
+            <a:solidFill>
+              <a:schemeClr val="accent1">
+                <a:alpha val="30000"/>
+              </a:schemeClr>
+            </a:solidFill>
+            <a:ln>
+              <a:noFill/>
+            </a:ln>
+            <a:effectLst/>
+          </p:spPr>
+          <p:style>
+            <a:lnRef idx="1">
+              <a:schemeClr val="accent1"/>
+            </a:lnRef>
+            <a:fillRef idx="3">
+              <a:schemeClr val="accent1"/>
+            </a:fillRef>
+            <a:effectRef idx="2">
+              <a:schemeClr val="accent1"/>
+            </a:effectRef>
+            <a:fontRef idx="minor">
+              <a:schemeClr val="lt1"/>
+            </a:fontRef>
+          </p:style>
+        </p:sp>
+        <p:sp>
+          <p:nvSpPr>
+            <p:cNvPr id="20" name="Freeform 19"/>
+            <p:cNvSpPr/>
+            <p:nvPr/>
+          </p:nvSpPr>
+          <p:spPr>
+            <a:xfrm>
+              <a:off x="7205158" y="-8467"/>
+              <a:ext cx="1948147" cy="6866467"/>
+            </a:xfrm>
+            <a:custGeom>
+              <a:avLst/>
+              <a:gdLst/>
+              <a:ahLst/>
+              <a:cxnLst/>
+              <a:rect l="l" t="t" r="r" b="b"/>
+              <a:pathLst>
+                <a:path w="1948147" h="6866467">
+                  <a:moveTo>
+                    <a:pt x="0" y="0"/>
+                  </a:moveTo>
+                  <a:lnTo>
+                    <a:pt x="1202267" y="6866467"/>
+                  </a:lnTo>
+                  <a:lnTo>
+                    <a:pt x="1947333" y="6866467"/>
+                  </a:lnTo>
+                  <a:cubicBezTo>
+                    <a:pt x="1944511" y="4577645"/>
+                    <a:pt x="1950155" y="2288822"/>
+                    <a:pt x="1947333" y="0"/>
+                  </a:cubicBezTo>
+                  <a:lnTo>
+                    <a:pt x="0" y="0"/>
+                  </a:lnTo>
+                  <a:close/>
+                </a:path>
+              </a:pathLst>
+            </a:custGeom>
+            <a:solidFill>
+              <a:schemeClr val="accent1">
+                <a:alpha val="20000"/>
+              </a:schemeClr>
+            </a:solidFill>
+            <a:ln>
+              <a:noFill/>
+            </a:ln>
+            <a:effectLst/>
+          </p:spPr>
+          <p:style>
+            <a:lnRef idx="1">
+              <a:schemeClr val="accent1"/>
+            </a:lnRef>
+            <a:fillRef idx="3">
+              <a:schemeClr val="accent1"/>
+            </a:fillRef>
+            <a:effectRef idx="2">
+              <a:schemeClr val="accent1"/>
+            </a:effectRef>
+            <a:fontRef idx="minor">
+              <a:schemeClr val="lt1"/>
+            </a:fontRef>
+          </p:style>
+        </p:sp>
+        <p:sp>
+          <p:nvSpPr>
+            <p:cNvPr id="21" name="Freeform 20"/>
+            <p:cNvSpPr/>
+            <p:nvPr/>
+          </p:nvSpPr>
+          <p:spPr>
+            <a:xfrm>
+              <a:off x="6637896" y="3920066"/>
+              <a:ext cx="2513565" cy="2937933"/>
+            </a:xfrm>
+            <a:custGeom>
+              <a:avLst/>
+              <a:gdLst/>
+              <a:ahLst/>
+              <a:cxnLst/>
+              <a:rect l="l" t="t" r="r" b="b"/>
+              <a:pathLst>
+                <a:path w="3259667" h="3810000">
+                  <a:moveTo>
+                    <a:pt x="0" y="3810000"/>
+                  </a:moveTo>
+                  <a:lnTo>
+                    <a:pt x="3251200" y="0"/>
+                  </a:lnTo>
+                  <a:cubicBezTo>
+                    <a:pt x="3254022" y="1270000"/>
+                    <a:pt x="3256845" y="2540000"/>
+                    <a:pt x="3259667" y="3810000"/>
+                  </a:cubicBezTo>
+                  <a:lnTo>
+                    <a:pt x="0" y="3810000"/>
+                  </a:lnTo>
+                  <a:close/>
+                </a:path>
+              </a:pathLst>
+            </a:custGeom>
+            <a:solidFill>
+              <a:schemeClr val="accent2">
+                <a:alpha val="72000"/>
+              </a:schemeClr>
+            </a:solidFill>
+            <a:ln>
+              <a:noFill/>
+            </a:ln>
+            <a:effectLst/>
+          </p:spPr>
+          <p:style>
+            <a:lnRef idx="1">
+              <a:schemeClr val="accent1"/>
+            </a:lnRef>
+            <a:fillRef idx="3">
+              <a:schemeClr val="accent1"/>
+            </a:fillRef>
+            <a:effectRef idx="2">
+              <a:schemeClr val="accent1"/>
+            </a:effectRef>
+            <a:fontRef idx="minor">
+              <a:schemeClr val="lt1"/>
+            </a:fontRef>
+          </p:style>
+        </p:sp>
+        <p:sp>
+          <p:nvSpPr>
+            <p:cNvPr id="22" name="Freeform 21"/>
+            <p:cNvSpPr/>
+            <p:nvPr/>
+          </p:nvSpPr>
+          <p:spPr>
+            <a:xfrm>
+              <a:off x="7010429" y="-8467"/>
+              <a:ext cx="2142876" cy="6866467"/>
+            </a:xfrm>
+            <a:custGeom>
+              <a:avLst/>
+              <a:gdLst/>
+              <a:ahLst/>
+              <a:cxnLst/>
+              <a:rect l="l" t="t" r="r" b="b"/>
+              <a:pathLst>
+                <a:path w="2853267" h="6866467">
+                  <a:moveTo>
+                    <a:pt x="0" y="0"/>
+                  </a:moveTo>
+                  <a:lnTo>
+                    <a:pt x="2472267" y="6866467"/>
+                  </a:lnTo>
+                  <a:lnTo>
+                    <a:pt x="2853267" y="6858000"/>
+                  </a:lnTo>
+                  <a:lnTo>
+                    <a:pt x="2853267" y="0"/>
+                  </a:lnTo>
+                  <a:lnTo>
+                    <a:pt x="0" y="0"/>
+                  </a:lnTo>
+                  <a:close/>
+                </a:path>
+              </a:pathLst>
+            </a:custGeom>
+            <a:solidFill>
+              <a:schemeClr val="accent2">
+                <a:lumMod val="75000"/>
+                <a:alpha val="70000"/>
+              </a:schemeClr>
+            </a:solidFill>
+            <a:ln>
+              <a:noFill/>
+            </a:ln>
+            <a:effectLst/>
+          </p:spPr>
+          <p:style>
+            <a:lnRef idx="1">
+              <a:schemeClr val="accent1"/>
+            </a:lnRef>
+            <a:fillRef idx="3">
+              <a:schemeClr val="accent1"/>
+            </a:fillRef>
+            <a:effectRef idx="2">
+              <a:schemeClr val="accent1"/>
+            </a:effectRef>
+            <a:fontRef idx="minor">
+              <a:schemeClr val="lt1"/>
+            </a:fontRef>
+          </p:style>
+        </p:sp>
+        <p:sp>
+          <p:nvSpPr>
+            <p:cNvPr id="23" name="Freeform 22"/>
+            <p:cNvSpPr/>
+            <p:nvPr/>
+          </p:nvSpPr>
+          <p:spPr>
+            <a:xfrm>
+              <a:off x="8295776" y="-8467"/>
+              <a:ext cx="857530" cy="6866467"/>
+            </a:xfrm>
+            <a:custGeom>
+              <a:avLst/>
+              <a:gdLst/>
+              <a:ahLst/>
+              <a:cxnLst/>
+              <a:rect l="l" t="t" r="r" b="b"/>
+              <a:pathLst>
+                <a:path w="1286933" h="6866467">
+                  <a:moveTo>
+                    <a:pt x="1016000" y="0"/>
+                  </a:moveTo>
+                  <a:lnTo>
+                    <a:pt x="0" y="6866467"/>
+                  </a:lnTo>
+                  <a:lnTo>
+                    <a:pt x="1286933" y="6866467"/>
+                  </a:lnTo>
+                  <a:cubicBezTo>
+                    <a:pt x="1284111" y="4577645"/>
+                    <a:pt x="1281288" y="2288822"/>
+                    <a:pt x="1278466" y="0"/>
+                  </a:cubicBezTo>
+                  <a:lnTo>
+                    <a:pt x="1016000" y="0"/>
+                  </a:lnTo>
+                  <a:close/>
+                </a:path>
+              </a:pathLst>
+            </a:custGeom>
+            <a:solidFill>
+              <a:schemeClr val="accent1">
+                <a:lumMod val="60000"/>
+                <a:lumOff val="40000"/>
+                <a:alpha val="70000"/>
+              </a:schemeClr>
+            </a:solidFill>
+            <a:ln>
+              <a:noFill/>
+            </a:ln>
+            <a:effectLst/>
+          </p:spPr>
+          <p:style>
+            <a:lnRef idx="1">
+              <a:schemeClr val="accent1"/>
+            </a:lnRef>
+            <a:fillRef idx="3">
+              <a:schemeClr val="accent1"/>
+            </a:fillRef>
+            <a:effectRef idx="2">
+              <a:schemeClr val="accent1"/>
+            </a:effectRef>
+            <a:fontRef idx="minor">
+              <a:schemeClr val="lt1"/>
+            </a:fontRef>
+          </p:style>
+        </p:sp>
+        <p:sp>
+          <p:nvSpPr>
+            <p:cNvPr id="24" name="Freeform 23"/>
+            <p:cNvSpPr/>
+            <p:nvPr/>
+          </p:nvSpPr>
+          <p:spPr>
+            <a:xfrm>
+              <a:off x="8077231" y="-8468"/>
+              <a:ext cx="1066770" cy="6866467"/>
+            </a:xfrm>
+            <a:custGeom>
+              <a:avLst/>
+              <a:gdLst/>
+              <a:ahLst/>
+              <a:cxnLst/>
+              <a:rect l="l" t="t" r="r" b="b"/>
+              <a:pathLst>
+                <a:path w="1270244" h="6866467">
+                  <a:moveTo>
+                    <a:pt x="0" y="0"/>
+                  </a:moveTo>
+                  <a:lnTo>
+                    <a:pt x="1117600" y="6866467"/>
+                  </a:lnTo>
+                  <a:lnTo>
+                    <a:pt x="1270000" y="6866467"/>
+                  </a:lnTo>
+                  <a:cubicBezTo>
+                    <a:pt x="1272822" y="4574822"/>
+                    <a:pt x="1250245" y="2291645"/>
+                    <a:pt x="1253067" y="0"/>
+                  </a:cubicBezTo>
+                  <a:lnTo>
+                    <a:pt x="0" y="0"/>
+                  </a:lnTo>
+                  <a:close/>
+                </a:path>
+              </a:pathLst>
+            </a:custGeom>
+            <a:solidFill>
+              <a:schemeClr val="accent1">
+                <a:alpha val="65000"/>
+              </a:schemeClr>
+            </a:solidFill>
+            <a:ln>
+              <a:noFill/>
+            </a:ln>
+            <a:effectLst/>
+          </p:spPr>
+          <p:style>
+            <a:lnRef idx="1">
+              <a:schemeClr val="accent1"/>
+            </a:lnRef>
+            <a:fillRef idx="3">
+              <a:schemeClr val="accent1"/>
+            </a:fillRef>
+            <a:effectRef idx="2">
+              <a:schemeClr val="accent1"/>
+            </a:effectRef>
+            <a:fontRef idx="minor">
+              <a:schemeClr val="lt1"/>
+            </a:fontRef>
+          </p:style>
+        </p:sp>
+        <p:sp>
+          <p:nvSpPr>
+            <p:cNvPr id="25" name="Freeform 24"/>
+            <p:cNvSpPr/>
+            <p:nvPr/>
+          </p:nvSpPr>
+          <p:spPr>
+            <a:xfrm>
+              <a:off x="8060297" y="4893733"/>
+              <a:ext cx="1094086" cy="1964267"/>
+            </a:xfrm>
+            <a:custGeom>
+              <a:avLst/>
+              <a:gdLst/>
+              <a:ahLst/>
+              <a:cxnLst/>
+              <a:rect l="l" t="t" r="r" b="b"/>
+              <a:pathLst>
+                <a:path w="1820333" h="3268133">
+                  <a:moveTo>
+                    <a:pt x="0" y="3268133"/>
+                  </a:moveTo>
+                  <a:lnTo>
+                    <a:pt x="1811866" y="0"/>
+                  </a:lnTo>
+                  <a:cubicBezTo>
+                    <a:pt x="1814688" y="1086555"/>
+                    <a:pt x="1817511" y="2173111"/>
+                    <a:pt x="1820333" y="3259666"/>
+                  </a:cubicBezTo>
+                  <a:lnTo>
+                    <a:pt x="0" y="3268133"/>
+                  </a:lnTo>
+                  <a:close/>
+                </a:path>
+              </a:pathLst>
+            </a:custGeom>
+            <a:solidFill>
+              <a:schemeClr val="accent1">
+                <a:alpha val="80000"/>
+              </a:schemeClr>
+            </a:solidFill>
+            <a:ln>
+              <a:noFill/>
+            </a:ln>
+            <a:effectLst/>
+          </p:spPr>
+          <p:style>
+            <a:lnRef idx="1">
+              <a:schemeClr val="accent1"/>
+            </a:lnRef>
+            <a:fillRef idx="3">
+              <a:schemeClr val="accent1"/>
+            </a:fillRef>
+            <a:effectRef idx="2">
+              <a:schemeClr val="accent1"/>
+            </a:effectRef>
+            <a:fontRef idx="minor">
+              <a:schemeClr val="lt1"/>
+            </a:fontRef>
+          </p:style>
+        </p:sp>
+        <p:sp>
+          <p:nvSpPr>
+            <p:cNvPr id="28" name="Freeform 27"/>
+            <p:cNvSpPr/>
+            <p:nvPr/>
+          </p:nvSpPr>
+          <p:spPr>
+            <a:xfrm>
+              <a:off x="-8466" y="-8468"/>
+              <a:ext cx="863600" cy="5698067"/>
+            </a:xfrm>
+            <a:custGeom>
+              <a:avLst/>
+              <a:gdLst/>
+              <a:ahLst/>
+              <a:cxnLst/>
+              <a:rect l="l" t="t" r="r" b="b"/>
+              <a:pathLst>
+                <a:path w="863600" h="5698067">
+                  <a:moveTo>
+                    <a:pt x="0" y="8467"/>
+                  </a:moveTo>
+                  <a:lnTo>
+                    <a:pt x="863600" y="0"/>
+                  </a:lnTo>
+                  <a:lnTo>
+                    <a:pt x="863600" y="16934"/>
+                  </a:lnTo>
+                  <a:lnTo>
+                    <a:pt x="0" y="5698067"/>
+                  </a:lnTo>
+                  <a:lnTo>
+                    <a:pt x="0" y="8467"/>
+                  </a:lnTo>
+                  <a:close/>
+                </a:path>
+              </a:pathLst>
+            </a:custGeom>
+            <a:solidFill>
+              <a:schemeClr val="accent1">
+                <a:alpha val="85000"/>
+              </a:schemeClr>
+            </a:solidFill>
+            <a:ln>
+              <a:noFill/>
+            </a:ln>
+            <a:effectLst/>
+          </p:spPr>
+          <p:style>
+            <a:lnRef idx="1">
+              <a:schemeClr val="accent1"/>
+            </a:lnRef>
+            <a:fillRef idx="3">
+              <a:schemeClr val="accent1"/>
+            </a:fillRef>
+            <a:effectRef idx="2">
+              <a:schemeClr val="accent1"/>
+            </a:effectRef>
+            <a:fontRef idx="minor">
+              <a:schemeClr val="lt1"/>
+            </a:fontRef>
+          </p:style>
+        </p:sp>
+      </p:grpSp>
       <p:sp>
         <p:nvSpPr>
           <p:cNvPr id="2" name="Title 1"/>
@@ -2053,19 +2502,29 @@
         </p:nvSpPr>
         <p:spPr>
           <a:xfrm>
-            <a:off x="685800" y="2130425"/>
-            <a:ext cx="7772400" cy="1470025"/>
+            <a:off x="1130595" y="2404534"/>
+            <a:ext cx="5826719" cy="1646302"/>
           </a:xfrm>
         </p:spPr>
         <p:txBody>
-          <a:bodyPr/>
-          <a:lstStyle/>
+          <a:bodyPr anchor="b">
+            <a:noAutofit/>
+          </a:bodyPr>
+          <a:lstStyle>
+            <a:lvl1pPr algn="r">
+              <a:defRPr sz="5400">
+                <a:solidFill>
+                  <a:schemeClr val="accent1"/>
+                </a:solidFill>
+              </a:defRPr>
+            </a:lvl1pPr>
+          </a:lstStyle>
           <a:p>
             <a:r>
               <a:rPr lang="en-US" smtClean="0"/>
               <a:t>Click to edit Master title style</a:t>
             </a:r>
-            <a:endParaRPr lang="en-US"/>
+            <a:endParaRPr lang="en-US" dirty="0"/>
           </a:p>
         </p:txBody>
       </p:sp>
@@ -2081,19 +2540,20 @@
         </p:nvSpPr>
         <p:spPr>
           <a:xfrm>
-            <a:off x="1371600" y="3886200"/>
-            <a:ext cx="6400800" cy="1752600"/>
+            <a:off x="1130595" y="4050834"/>
+            <a:ext cx="5826719" cy="1096899"/>
           </a:xfrm>
         </p:spPr>
         <p:txBody>
-          <a:bodyPr/>
+          <a:bodyPr anchor="t"/>
           <a:lstStyle>
-            <a:lvl1pPr marL="0" indent="0" algn="ctr">
+            <a:lvl1pPr marL="0" indent="0" algn="r">
               <a:buNone/>
               <a:defRPr>
                 <a:solidFill>
                   <a:schemeClr val="tx1">
-                    <a:tint val="75000"/>
+                    <a:lumMod val="50000"/>
+                    <a:lumOff val="50000"/>
                   </a:schemeClr>
                 </a:solidFill>
               </a:defRPr>
@@ -2184,7 +2644,7 @@
               <a:rPr lang="en-US" smtClean="0"/>
               <a:t>Click to edit Master subtitle style</a:t>
             </a:r>
-            <a:endParaRPr lang="en-US"/>
+            <a:endParaRPr lang="en-US" dirty="0"/>
           </a:p>
         </p:txBody>
       </p:sp>
@@ -2256,7 +2716,7 @@
     </p:spTree>
     <p:extLst>
       <p:ext uri="{BB962C8B-B14F-4D97-AF65-F5344CB8AC3E}">
-        <p14:creationId xmlns:p14="http://schemas.microsoft.com/office/powerpoint/2010/main" val="4121388144"/>
+        <p14:creationId xmlns:p14="http://schemas.microsoft.com/office/powerpoint/2010/main" val="2071907888"/>
       </p:ext>
     </p:extLst>
   </p:cSld>
@@ -2267,8 +2727,8 @@
 </file>
 
 <file path=ppt/slideLayouts/slideLayout10.xml><?xml version="1.0" encoding="utf-8"?>
-<p:sldLayout xmlns:a="http://schemas.openxmlformats.org/drawingml/2006/main" xmlns:r="http://schemas.openxmlformats.org/officeDocument/2006/relationships" xmlns:p="http://schemas.openxmlformats.org/presentationml/2006/main" type="vertTx" preserve="1">
-  <p:cSld name="Title and Vertical Text">
+<p:sldLayout xmlns:a="http://schemas.openxmlformats.org/drawingml/2006/main" xmlns:r="http://schemas.openxmlformats.org/officeDocument/2006/relationships" xmlns:p="http://schemas.openxmlformats.org/presentationml/2006/main" preserve="1">
+  <p:cSld name="Title and Caption">
     <p:spTree>
       <p:nvGrpSpPr>
         <p:cNvPr id="1" name=""/>
@@ -2293,573 +2753,58 @@
             <p:ph type="title"/>
           </p:nvPr>
         </p:nvSpPr>
-        <p:spPr/>
-        <p:txBody>
-          <a:bodyPr/>
-          <a:lstStyle/>
-          <a:p>
-            <a:r>
-              <a:rPr lang="en-US" smtClean="0"/>
-              <a:t>Click to edit Master title style</a:t>
-            </a:r>
-            <a:endParaRPr lang="en-US"/>
-          </a:p>
-        </p:txBody>
-      </p:sp>
-      <p:sp>
-        <p:nvSpPr>
-          <p:cNvPr id="3" name="Vertical Text Placeholder 2"/>
-          <p:cNvSpPr>
-            <a:spLocks noGrp="1"/>
-          </p:cNvSpPr>
-          <p:nvPr>
-            <p:ph type="body" orient="vert" idx="1"/>
-          </p:nvPr>
-        </p:nvSpPr>
-        <p:spPr/>
-        <p:txBody>
-          <a:bodyPr vert="eaVert"/>
-          <a:lstStyle/>
-          <a:p>
-            <a:pPr lvl="0"/>
-            <a:r>
-              <a:rPr lang="en-US" smtClean="0"/>
-              <a:t>Click to edit Master text styles</a:t>
-            </a:r>
-          </a:p>
-          <a:p>
-            <a:pPr lvl="1"/>
-            <a:r>
-              <a:rPr lang="en-US" smtClean="0"/>
-              <a:t>Second level</a:t>
-            </a:r>
-          </a:p>
-          <a:p>
-            <a:pPr lvl="2"/>
-            <a:r>
-              <a:rPr lang="en-US" smtClean="0"/>
-              <a:t>Third level</a:t>
-            </a:r>
-          </a:p>
-          <a:p>
-            <a:pPr lvl="3"/>
-            <a:r>
-              <a:rPr lang="en-US" smtClean="0"/>
-              <a:t>Fourth level</a:t>
-            </a:r>
-          </a:p>
-          <a:p>
-            <a:pPr lvl="4"/>
-            <a:r>
-              <a:rPr lang="en-US" smtClean="0"/>
-              <a:t>Fifth level</a:t>
-            </a:r>
-            <a:endParaRPr lang="en-US"/>
-          </a:p>
-        </p:txBody>
-      </p:sp>
-      <p:sp>
-        <p:nvSpPr>
-          <p:cNvPr id="4" name="Date Placeholder 3"/>
-          <p:cNvSpPr>
-            <a:spLocks noGrp="1"/>
-          </p:cNvSpPr>
-          <p:nvPr>
-            <p:ph type="dt" sz="half" idx="10"/>
-          </p:nvPr>
-        </p:nvSpPr>
-        <p:spPr/>
-        <p:txBody>
-          <a:bodyPr/>
-          <a:lstStyle/>
-          <a:p>
-            <a:fld id="{D80F15CD-07AA-4BE5-9799-99D1952EFDC8}" type="datetimeFigureOut">
-              <a:rPr lang="en-US" smtClean="0"/>
-              <a:t>12/12/2013</a:t>
-            </a:fld>
-            <a:endParaRPr lang="en-US"/>
-          </a:p>
-        </p:txBody>
-      </p:sp>
-      <p:sp>
-        <p:nvSpPr>
-          <p:cNvPr id="5" name="Footer Placeholder 4"/>
-          <p:cNvSpPr>
-            <a:spLocks noGrp="1"/>
-          </p:cNvSpPr>
-          <p:nvPr>
-            <p:ph type="ftr" sz="quarter" idx="11"/>
-          </p:nvPr>
-        </p:nvSpPr>
-        <p:spPr/>
-        <p:txBody>
-          <a:bodyPr/>
-          <a:lstStyle/>
-          <a:p>
-            <a:endParaRPr lang="en-US"/>
-          </a:p>
-        </p:txBody>
-      </p:sp>
-      <p:sp>
-        <p:nvSpPr>
-          <p:cNvPr id="6" name="Slide Number Placeholder 5"/>
-          <p:cNvSpPr>
-            <a:spLocks noGrp="1"/>
-          </p:cNvSpPr>
-          <p:nvPr>
-            <p:ph type="sldNum" sz="quarter" idx="12"/>
-          </p:nvPr>
-        </p:nvSpPr>
-        <p:spPr/>
-        <p:txBody>
-          <a:bodyPr/>
-          <a:lstStyle/>
-          <a:p>
-            <a:fld id="{A54C03E4-6899-4A0B-AE81-7CBF51046422}" type="slidenum">
-              <a:rPr lang="en-US" smtClean="0"/>
-              <a:t>‹#›</a:t>
-            </a:fld>
-            <a:endParaRPr lang="en-US"/>
-          </a:p>
-        </p:txBody>
-      </p:sp>
-    </p:spTree>
-    <p:extLst>
-      <p:ext uri="{BB962C8B-B14F-4D97-AF65-F5344CB8AC3E}">
-        <p14:creationId xmlns:p14="http://schemas.microsoft.com/office/powerpoint/2010/main" val="389809422"/>
-      </p:ext>
-    </p:extLst>
-  </p:cSld>
-  <p:clrMapOvr>
-    <a:masterClrMapping/>
-  </p:clrMapOvr>
-</p:sldLayout>
-</file>
-
-<file path=ppt/slideLayouts/slideLayout11.xml><?xml version="1.0" encoding="utf-8"?>
-<p:sldLayout xmlns:a="http://schemas.openxmlformats.org/drawingml/2006/main" xmlns:r="http://schemas.openxmlformats.org/officeDocument/2006/relationships" xmlns:p="http://schemas.openxmlformats.org/presentationml/2006/main" type="vertTitleAndTx" preserve="1">
-  <p:cSld name="Vertical Title and Text">
-    <p:spTree>
-      <p:nvGrpSpPr>
-        <p:cNvPr id="1" name=""/>
-        <p:cNvGrpSpPr/>
-        <p:nvPr/>
-      </p:nvGrpSpPr>
-      <p:grpSpPr>
-        <a:xfrm>
-          <a:off x="0" y="0"/>
-          <a:ext cx="0" cy="0"/>
-          <a:chOff x="0" y="0"/>
-          <a:chExt cx="0" cy="0"/>
-        </a:xfrm>
-      </p:grpSpPr>
-      <p:sp>
-        <p:nvSpPr>
-          <p:cNvPr id="2" name="Vertical Title 1"/>
-          <p:cNvSpPr>
-            <a:spLocks noGrp="1"/>
-          </p:cNvSpPr>
-          <p:nvPr>
-            <p:ph type="title" orient="vert"/>
-          </p:nvPr>
-        </p:nvSpPr>
         <p:spPr>
           <a:xfrm>
-            <a:off x="6629400" y="274638"/>
-            <a:ext cx="2057400" cy="5851525"/>
+            <a:off x="609600" y="609600"/>
+            <a:ext cx="6347714" cy="3403600"/>
           </a:xfrm>
         </p:spPr>
         <p:txBody>
-          <a:bodyPr vert="eaVert"/>
-          <a:lstStyle/>
+          <a:bodyPr anchor="ctr">
+            <a:normAutofit/>
+          </a:bodyPr>
+          <a:lstStyle>
+            <a:lvl1pPr algn="l">
+              <a:defRPr sz="4400" b="0" cap="none"/>
+            </a:lvl1pPr>
+          </a:lstStyle>
           <a:p>
             <a:r>
               <a:rPr lang="en-US" smtClean="0"/>
               <a:t>Click to edit Master title style</a:t>
             </a:r>
-            <a:endParaRPr lang="en-US"/>
-          </a:p>
-        </p:txBody>
-      </p:sp>
-      <p:sp>
-        <p:nvSpPr>
-          <p:cNvPr id="3" name="Vertical Text Placeholder 2"/>
-          <p:cNvSpPr>
-            <a:spLocks noGrp="1"/>
-          </p:cNvSpPr>
-          <p:nvPr>
-            <p:ph type="body" orient="vert" idx="1"/>
+            <a:endParaRPr lang="en-US" dirty="0"/>
+          </a:p>
+        </p:txBody>
+      </p:sp>
+      <p:sp>
+        <p:nvSpPr>
+          <p:cNvPr id="3" name="Text Placeholder 2"/>
+          <p:cNvSpPr>
+            <a:spLocks noGrp="1"/>
+          </p:cNvSpPr>
+          <p:nvPr>
+            <p:ph type="body" idx="1"/>
           </p:nvPr>
         </p:nvSpPr>
         <p:spPr>
           <a:xfrm>
-            <a:off x="457200" y="274638"/>
-            <a:ext cx="6019800" cy="5851525"/>
+            <a:off x="609600" y="4470400"/>
+            <a:ext cx="6347714" cy="1570962"/>
           </a:xfrm>
         </p:spPr>
         <p:txBody>
-          <a:bodyPr vert="eaVert"/>
-          <a:lstStyle/>
-          <a:p>
-            <a:pPr lvl="0"/>
-            <a:r>
-              <a:rPr lang="en-US" smtClean="0"/>
-              <a:t>Click to edit Master text styles</a:t>
-            </a:r>
-          </a:p>
-          <a:p>
-            <a:pPr lvl="1"/>
-            <a:r>
-              <a:rPr lang="en-US" smtClean="0"/>
-              <a:t>Second level</a:t>
-            </a:r>
-          </a:p>
-          <a:p>
-            <a:pPr lvl="2"/>
-            <a:r>
-              <a:rPr lang="en-US" smtClean="0"/>
-              <a:t>Third level</a:t>
-            </a:r>
-          </a:p>
-          <a:p>
-            <a:pPr lvl="3"/>
-            <a:r>
-              <a:rPr lang="en-US" smtClean="0"/>
-              <a:t>Fourth level</a:t>
-            </a:r>
-          </a:p>
-          <a:p>
-            <a:pPr lvl="4"/>
-            <a:r>
-              <a:rPr lang="en-US" smtClean="0"/>
-              <a:t>Fifth level</a:t>
-            </a:r>
-            <a:endParaRPr lang="en-US"/>
-          </a:p>
-        </p:txBody>
-      </p:sp>
-      <p:sp>
-        <p:nvSpPr>
-          <p:cNvPr id="4" name="Date Placeholder 3"/>
-          <p:cNvSpPr>
-            <a:spLocks noGrp="1"/>
-          </p:cNvSpPr>
-          <p:nvPr>
-            <p:ph type="dt" sz="half" idx="10"/>
-          </p:nvPr>
-        </p:nvSpPr>
-        <p:spPr/>
-        <p:txBody>
-          <a:bodyPr/>
-          <a:lstStyle/>
-          <a:p>
-            <a:fld id="{D80F15CD-07AA-4BE5-9799-99D1952EFDC8}" type="datetimeFigureOut">
-              <a:rPr lang="en-US" smtClean="0"/>
-              <a:t>12/12/2013</a:t>
-            </a:fld>
-            <a:endParaRPr lang="en-US"/>
-          </a:p>
-        </p:txBody>
-      </p:sp>
-      <p:sp>
-        <p:nvSpPr>
-          <p:cNvPr id="5" name="Footer Placeholder 4"/>
-          <p:cNvSpPr>
-            <a:spLocks noGrp="1"/>
-          </p:cNvSpPr>
-          <p:nvPr>
-            <p:ph type="ftr" sz="quarter" idx="11"/>
-          </p:nvPr>
-        </p:nvSpPr>
-        <p:spPr/>
-        <p:txBody>
-          <a:bodyPr/>
-          <a:lstStyle/>
-          <a:p>
-            <a:endParaRPr lang="en-US"/>
-          </a:p>
-        </p:txBody>
-      </p:sp>
-      <p:sp>
-        <p:nvSpPr>
-          <p:cNvPr id="6" name="Slide Number Placeholder 5"/>
-          <p:cNvSpPr>
-            <a:spLocks noGrp="1"/>
-          </p:cNvSpPr>
-          <p:nvPr>
-            <p:ph type="sldNum" sz="quarter" idx="12"/>
-          </p:nvPr>
-        </p:nvSpPr>
-        <p:spPr/>
-        <p:txBody>
-          <a:bodyPr/>
-          <a:lstStyle/>
-          <a:p>
-            <a:fld id="{A54C03E4-6899-4A0B-AE81-7CBF51046422}" type="slidenum">
-              <a:rPr lang="en-US" smtClean="0"/>
-              <a:t>‹#›</a:t>
-            </a:fld>
-            <a:endParaRPr lang="en-US"/>
-          </a:p>
-        </p:txBody>
-      </p:sp>
-    </p:spTree>
-    <p:extLst>
-      <p:ext uri="{BB962C8B-B14F-4D97-AF65-F5344CB8AC3E}">
-        <p14:creationId xmlns:p14="http://schemas.microsoft.com/office/powerpoint/2010/main" val="396886795"/>
-      </p:ext>
-    </p:extLst>
-  </p:cSld>
-  <p:clrMapOvr>
-    <a:masterClrMapping/>
-  </p:clrMapOvr>
-</p:sldLayout>
-</file>
-
-<file path=ppt/slideLayouts/slideLayout2.xml><?xml version="1.0" encoding="utf-8"?>
-<p:sldLayout xmlns:a="http://schemas.openxmlformats.org/drawingml/2006/main" xmlns:r="http://schemas.openxmlformats.org/officeDocument/2006/relationships" xmlns:p="http://schemas.openxmlformats.org/presentationml/2006/main" type="obj" preserve="1">
-  <p:cSld name="Title and Content">
-    <p:spTree>
-      <p:nvGrpSpPr>
-        <p:cNvPr id="1" name=""/>
-        <p:cNvGrpSpPr/>
-        <p:nvPr/>
-      </p:nvGrpSpPr>
-      <p:grpSpPr>
-        <a:xfrm>
-          <a:off x="0" y="0"/>
-          <a:ext cx="0" cy="0"/>
-          <a:chOff x="0" y="0"/>
-          <a:chExt cx="0" cy="0"/>
-        </a:xfrm>
-      </p:grpSpPr>
-      <p:sp>
-        <p:nvSpPr>
-          <p:cNvPr id="2" name="Title 1"/>
-          <p:cNvSpPr>
-            <a:spLocks noGrp="1"/>
-          </p:cNvSpPr>
-          <p:nvPr>
-            <p:ph type="title"/>
-          </p:nvPr>
-        </p:nvSpPr>
-        <p:spPr/>
-        <p:txBody>
-          <a:bodyPr/>
-          <a:lstStyle/>
-          <a:p>
-            <a:r>
-              <a:rPr lang="en-US" smtClean="0"/>
-              <a:t>Click to edit Master title style</a:t>
-            </a:r>
-            <a:endParaRPr lang="en-US"/>
-          </a:p>
-        </p:txBody>
-      </p:sp>
-      <p:sp>
-        <p:nvSpPr>
-          <p:cNvPr id="3" name="Content Placeholder 2"/>
-          <p:cNvSpPr>
-            <a:spLocks noGrp="1"/>
-          </p:cNvSpPr>
-          <p:nvPr>
-            <p:ph idx="1"/>
-          </p:nvPr>
-        </p:nvSpPr>
-        <p:spPr/>
-        <p:txBody>
-          <a:bodyPr/>
-          <a:lstStyle/>
-          <a:p>
-            <a:pPr lvl="0"/>
-            <a:r>
-              <a:rPr lang="en-US" smtClean="0"/>
-              <a:t>Click to edit Master text styles</a:t>
-            </a:r>
-          </a:p>
-          <a:p>
-            <a:pPr lvl="1"/>
-            <a:r>
-              <a:rPr lang="en-US" smtClean="0"/>
-              <a:t>Second level</a:t>
-            </a:r>
-          </a:p>
-          <a:p>
-            <a:pPr lvl="2"/>
-            <a:r>
-              <a:rPr lang="en-US" smtClean="0"/>
-              <a:t>Third level</a:t>
-            </a:r>
-          </a:p>
-          <a:p>
-            <a:pPr lvl="3"/>
-            <a:r>
-              <a:rPr lang="en-US" smtClean="0"/>
-              <a:t>Fourth level</a:t>
-            </a:r>
-          </a:p>
-          <a:p>
-            <a:pPr lvl="4"/>
-            <a:r>
-              <a:rPr lang="en-US" smtClean="0"/>
-              <a:t>Fifth level</a:t>
-            </a:r>
-            <a:endParaRPr lang="en-US"/>
-          </a:p>
-        </p:txBody>
-      </p:sp>
-      <p:sp>
-        <p:nvSpPr>
-          <p:cNvPr id="4" name="Date Placeholder 3"/>
-          <p:cNvSpPr>
-            <a:spLocks noGrp="1"/>
-          </p:cNvSpPr>
-          <p:nvPr>
-            <p:ph type="dt" sz="half" idx="10"/>
-          </p:nvPr>
-        </p:nvSpPr>
-        <p:spPr/>
-        <p:txBody>
-          <a:bodyPr/>
-          <a:lstStyle/>
-          <a:p>
-            <a:fld id="{D80F15CD-07AA-4BE5-9799-99D1952EFDC8}" type="datetimeFigureOut">
-              <a:rPr lang="en-US" smtClean="0"/>
-              <a:t>12/12/2013</a:t>
-            </a:fld>
-            <a:endParaRPr lang="en-US"/>
-          </a:p>
-        </p:txBody>
-      </p:sp>
-      <p:sp>
-        <p:nvSpPr>
-          <p:cNvPr id="5" name="Footer Placeholder 4"/>
-          <p:cNvSpPr>
-            <a:spLocks noGrp="1"/>
-          </p:cNvSpPr>
-          <p:nvPr>
-            <p:ph type="ftr" sz="quarter" idx="11"/>
-          </p:nvPr>
-        </p:nvSpPr>
-        <p:spPr/>
-        <p:txBody>
-          <a:bodyPr/>
-          <a:lstStyle/>
-          <a:p>
-            <a:endParaRPr lang="en-US"/>
-          </a:p>
-        </p:txBody>
-      </p:sp>
-      <p:sp>
-        <p:nvSpPr>
-          <p:cNvPr id="6" name="Slide Number Placeholder 5"/>
-          <p:cNvSpPr>
-            <a:spLocks noGrp="1"/>
-          </p:cNvSpPr>
-          <p:nvPr>
-            <p:ph type="sldNum" sz="quarter" idx="12"/>
-          </p:nvPr>
-        </p:nvSpPr>
-        <p:spPr/>
-        <p:txBody>
-          <a:bodyPr/>
-          <a:lstStyle/>
-          <a:p>
-            <a:fld id="{A54C03E4-6899-4A0B-AE81-7CBF51046422}" type="slidenum">
-              <a:rPr lang="en-US" smtClean="0"/>
-              <a:t>‹#›</a:t>
-            </a:fld>
-            <a:endParaRPr lang="en-US"/>
-          </a:p>
-        </p:txBody>
-      </p:sp>
-    </p:spTree>
-    <p:extLst>
-      <p:ext uri="{BB962C8B-B14F-4D97-AF65-F5344CB8AC3E}">
-        <p14:creationId xmlns:p14="http://schemas.microsoft.com/office/powerpoint/2010/main" val="3114178890"/>
-      </p:ext>
-    </p:extLst>
-  </p:cSld>
-  <p:clrMapOvr>
-    <a:masterClrMapping/>
-  </p:clrMapOvr>
-</p:sldLayout>
-</file>
-
-<file path=ppt/slideLayouts/slideLayout3.xml><?xml version="1.0" encoding="utf-8"?>
-<p:sldLayout xmlns:a="http://schemas.openxmlformats.org/drawingml/2006/main" xmlns:r="http://schemas.openxmlformats.org/officeDocument/2006/relationships" xmlns:p="http://schemas.openxmlformats.org/presentationml/2006/main" type="secHead" preserve="1">
-  <p:cSld name="Section Header">
-    <p:spTree>
-      <p:nvGrpSpPr>
-        <p:cNvPr id="1" name=""/>
-        <p:cNvGrpSpPr/>
-        <p:nvPr/>
-      </p:nvGrpSpPr>
-      <p:grpSpPr>
-        <a:xfrm>
-          <a:off x="0" y="0"/>
-          <a:ext cx="0" cy="0"/>
-          <a:chOff x="0" y="0"/>
-          <a:chExt cx="0" cy="0"/>
-        </a:xfrm>
-      </p:grpSpPr>
-      <p:sp>
-        <p:nvSpPr>
-          <p:cNvPr id="2" name="Title 1"/>
-          <p:cNvSpPr>
-            <a:spLocks noGrp="1"/>
-          </p:cNvSpPr>
-          <p:nvPr>
-            <p:ph type="title"/>
-          </p:nvPr>
-        </p:nvSpPr>
-        <p:spPr>
-          <a:xfrm>
-            <a:off x="722313" y="4406900"/>
-            <a:ext cx="7772400" cy="1362075"/>
-          </a:xfrm>
-        </p:spPr>
-        <p:txBody>
-          <a:bodyPr anchor="t"/>
+          <a:bodyPr anchor="ctr">
+            <a:normAutofit/>
+          </a:bodyPr>
           <a:lstStyle>
-            <a:lvl1pPr algn="l">
-              <a:defRPr sz="4000" b="1" cap="all"/>
-            </a:lvl1pPr>
-          </a:lstStyle>
-          <a:p>
-            <a:r>
-              <a:rPr lang="en-US" smtClean="0"/>
-              <a:t>Click to edit Master title style</a:t>
-            </a:r>
-            <a:endParaRPr lang="en-US"/>
-          </a:p>
-        </p:txBody>
-      </p:sp>
-      <p:sp>
-        <p:nvSpPr>
-          <p:cNvPr id="3" name="Text Placeholder 2"/>
-          <p:cNvSpPr>
-            <a:spLocks noGrp="1"/>
-          </p:cNvSpPr>
-          <p:nvPr>
-            <p:ph type="body" idx="1"/>
-          </p:nvPr>
-        </p:nvSpPr>
-        <p:spPr>
-          <a:xfrm>
-            <a:off x="722313" y="2906713"/>
-            <a:ext cx="7772400" cy="1500187"/>
-          </a:xfrm>
-        </p:spPr>
-        <p:txBody>
-          <a:bodyPr anchor="b"/>
-          <a:lstStyle>
-            <a:lvl1pPr marL="0" indent="0">
+            <a:lvl1pPr marL="0" indent="0" algn="l">
               <a:buNone/>
-              <a:defRPr sz="2000">
+              <a:defRPr sz="1800">
                 <a:solidFill>
                   <a:schemeClr val="tx1">
-                    <a:tint val="75000"/>
+                    <a:lumMod val="75000"/>
+                    <a:lumOff val="25000"/>
                   </a:schemeClr>
                 </a:solidFill>
               </a:defRPr>
@@ -3022,7 +2967,2128 @@
     </p:spTree>
     <p:extLst>
       <p:ext uri="{BB962C8B-B14F-4D97-AF65-F5344CB8AC3E}">
-        <p14:creationId xmlns:p14="http://schemas.microsoft.com/office/powerpoint/2010/main" val="555669731"/>
+        <p14:creationId xmlns:p14="http://schemas.microsoft.com/office/powerpoint/2010/main" val="4218264406"/>
+      </p:ext>
+    </p:extLst>
+  </p:cSld>
+  <p:clrMapOvr>
+    <a:masterClrMapping/>
+  </p:clrMapOvr>
+</p:sldLayout>
+</file>
+
+<file path=ppt/slideLayouts/slideLayout11.xml><?xml version="1.0" encoding="utf-8"?>
+<p:sldLayout xmlns:a="http://schemas.openxmlformats.org/drawingml/2006/main" xmlns:r="http://schemas.openxmlformats.org/officeDocument/2006/relationships" xmlns:p="http://schemas.openxmlformats.org/presentationml/2006/main" preserve="1">
+  <p:cSld name="Quote with Caption">
+    <p:spTree>
+      <p:nvGrpSpPr>
+        <p:cNvPr id="1" name=""/>
+        <p:cNvGrpSpPr/>
+        <p:nvPr/>
+      </p:nvGrpSpPr>
+      <p:grpSpPr>
+        <a:xfrm>
+          <a:off x="0" y="0"/>
+          <a:ext cx="0" cy="0"/>
+          <a:chOff x="0" y="0"/>
+          <a:chExt cx="0" cy="0"/>
+        </a:xfrm>
+      </p:grpSpPr>
+      <p:sp>
+        <p:nvSpPr>
+          <p:cNvPr id="2" name="Title 1"/>
+          <p:cNvSpPr>
+            <a:spLocks noGrp="1"/>
+          </p:cNvSpPr>
+          <p:nvPr>
+            <p:ph type="title"/>
+          </p:nvPr>
+        </p:nvSpPr>
+        <p:spPr>
+          <a:xfrm>
+            <a:off x="774885" y="609600"/>
+            <a:ext cx="6072182" cy="3022600"/>
+          </a:xfrm>
+        </p:spPr>
+        <p:txBody>
+          <a:bodyPr anchor="ctr">
+            <a:normAutofit/>
+          </a:bodyPr>
+          <a:lstStyle>
+            <a:lvl1pPr algn="l">
+              <a:defRPr sz="4400" b="0" cap="none"/>
+            </a:lvl1pPr>
+          </a:lstStyle>
+          <a:p>
+            <a:r>
+              <a:rPr lang="en-US" smtClean="0"/>
+              <a:t>Click to edit Master title style</a:t>
+            </a:r>
+            <a:endParaRPr lang="en-US" dirty="0"/>
+          </a:p>
+        </p:txBody>
+      </p:sp>
+      <p:sp>
+        <p:nvSpPr>
+          <p:cNvPr id="23" name="Text Placeholder 9"/>
+          <p:cNvSpPr>
+            <a:spLocks noGrp="1"/>
+          </p:cNvSpPr>
+          <p:nvPr>
+            <p:ph type="body" sz="quarter" idx="13"/>
+          </p:nvPr>
+        </p:nvSpPr>
+        <p:spPr>
+          <a:xfrm>
+            <a:off x="1101074" y="3632200"/>
+            <a:ext cx="5419804" cy="381000"/>
+          </a:xfrm>
+        </p:spPr>
+        <p:txBody>
+          <a:bodyPr anchor="ctr">
+            <a:noAutofit/>
+          </a:bodyPr>
+          <a:lstStyle>
+            <a:lvl1pPr marL="0" indent="0">
+              <a:buFontTx/>
+              <a:buNone/>
+              <a:defRPr sz="1600">
+                <a:solidFill>
+                  <a:schemeClr val="tx1">
+                    <a:lumMod val="50000"/>
+                    <a:lumOff val="50000"/>
+                  </a:schemeClr>
+                </a:solidFill>
+              </a:defRPr>
+            </a:lvl1pPr>
+            <a:lvl2pPr marL="457200" indent="0">
+              <a:buFontTx/>
+              <a:buNone/>
+              <a:defRPr/>
+            </a:lvl2pPr>
+            <a:lvl3pPr marL="914400" indent="0">
+              <a:buFontTx/>
+              <a:buNone/>
+              <a:defRPr/>
+            </a:lvl3pPr>
+            <a:lvl4pPr marL="1371600" indent="0">
+              <a:buFontTx/>
+              <a:buNone/>
+              <a:defRPr/>
+            </a:lvl4pPr>
+            <a:lvl5pPr marL="1828800" indent="0">
+              <a:buFontTx/>
+              <a:buNone/>
+              <a:defRPr/>
+            </a:lvl5pPr>
+          </a:lstStyle>
+          <a:p>
+            <a:pPr lvl="0"/>
+            <a:r>
+              <a:rPr lang="en-US" smtClean="0"/>
+              <a:t>Click to edit Master text styles</a:t>
+            </a:r>
+          </a:p>
+        </p:txBody>
+      </p:sp>
+      <p:sp>
+        <p:nvSpPr>
+          <p:cNvPr id="3" name="Text Placeholder 2"/>
+          <p:cNvSpPr>
+            <a:spLocks noGrp="1"/>
+          </p:cNvSpPr>
+          <p:nvPr>
+            <p:ph type="body" idx="1"/>
+          </p:nvPr>
+        </p:nvSpPr>
+        <p:spPr>
+          <a:xfrm>
+            <a:off x="609598" y="4470400"/>
+            <a:ext cx="6347715" cy="1570962"/>
+          </a:xfrm>
+        </p:spPr>
+        <p:txBody>
+          <a:bodyPr anchor="ctr">
+            <a:normAutofit/>
+          </a:bodyPr>
+          <a:lstStyle>
+            <a:lvl1pPr marL="0" indent="0" algn="l">
+              <a:buNone/>
+              <a:defRPr sz="1800">
+                <a:solidFill>
+                  <a:schemeClr val="tx1">
+                    <a:lumMod val="75000"/>
+                    <a:lumOff val="25000"/>
+                  </a:schemeClr>
+                </a:solidFill>
+              </a:defRPr>
+            </a:lvl1pPr>
+            <a:lvl2pPr marL="457200" indent="0">
+              <a:buNone/>
+              <a:defRPr sz="1800">
+                <a:solidFill>
+                  <a:schemeClr val="tx1">
+                    <a:tint val="75000"/>
+                  </a:schemeClr>
+                </a:solidFill>
+              </a:defRPr>
+            </a:lvl2pPr>
+            <a:lvl3pPr marL="914400" indent="0">
+              <a:buNone/>
+              <a:defRPr sz="1600">
+                <a:solidFill>
+                  <a:schemeClr val="tx1">
+                    <a:tint val="75000"/>
+                  </a:schemeClr>
+                </a:solidFill>
+              </a:defRPr>
+            </a:lvl3pPr>
+            <a:lvl4pPr marL="1371600" indent="0">
+              <a:buNone/>
+              <a:defRPr sz="1400">
+                <a:solidFill>
+                  <a:schemeClr val="tx1">
+                    <a:tint val="75000"/>
+                  </a:schemeClr>
+                </a:solidFill>
+              </a:defRPr>
+            </a:lvl4pPr>
+            <a:lvl5pPr marL="1828800" indent="0">
+              <a:buNone/>
+              <a:defRPr sz="1400">
+                <a:solidFill>
+                  <a:schemeClr val="tx1">
+                    <a:tint val="75000"/>
+                  </a:schemeClr>
+                </a:solidFill>
+              </a:defRPr>
+            </a:lvl5pPr>
+            <a:lvl6pPr marL="2286000" indent="0">
+              <a:buNone/>
+              <a:defRPr sz="1400">
+                <a:solidFill>
+                  <a:schemeClr val="tx1">
+                    <a:tint val="75000"/>
+                  </a:schemeClr>
+                </a:solidFill>
+              </a:defRPr>
+            </a:lvl6pPr>
+            <a:lvl7pPr marL="2743200" indent="0">
+              <a:buNone/>
+              <a:defRPr sz="1400">
+                <a:solidFill>
+                  <a:schemeClr val="tx1">
+                    <a:tint val="75000"/>
+                  </a:schemeClr>
+                </a:solidFill>
+              </a:defRPr>
+            </a:lvl7pPr>
+            <a:lvl8pPr marL="3200400" indent="0">
+              <a:buNone/>
+              <a:defRPr sz="1400">
+                <a:solidFill>
+                  <a:schemeClr val="tx1">
+                    <a:tint val="75000"/>
+                  </a:schemeClr>
+                </a:solidFill>
+              </a:defRPr>
+            </a:lvl8pPr>
+            <a:lvl9pPr marL="3657600" indent="0">
+              <a:buNone/>
+              <a:defRPr sz="1400">
+                <a:solidFill>
+                  <a:schemeClr val="tx1">
+                    <a:tint val="75000"/>
+                  </a:schemeClr>
+                </a:solidFill>
+              </a:defRPr>
+            </a:lvl9pPr>
+          </a:lstStyle>
+          <a:p>
+            <a:pPr lvl="0"/>
+            <a:r>
+              <a:rPr lang="en-US" smtClean="0"/>
+              <a:t>Click to edit Master text styles</a:t>
+            </a:r>
+          </a:p>
+        </p:txBody>
+      </p:sp>
+      <p:sp>
+        <p:nvSpPr>
+          <p:cNvPr id="4" name="Date Placeholder 3"/>
+          <p:cNvSpPr>
+            <a:spLocks noGrp="1"/>
+          </p:cNvSpPr>
+          <p:nvPr>
+            <p:ph type="dt" sz="half" idx="10"/>
+          </p:nvPr>
+        </p:nvSpPr>
+        <p:spPr/>
+        <p:txBody>
+          <a:bodyPr/>
+          <a:lstStyle/>
+          <a:p>
+            <a:fld id="{D80F15CD-07AA-4BE5-9799-99D1952EFDC8}" type="datetimeFigureOut">
+              <a:rPr lang="en-US" smtClean="0"/>
+              <a:t>12/12/2013</a:t>
+            </a:fld>
+            <a:endParaRPr lang="en-US"/>
+          </a:p>
+        </p:txBody>
+      </p:sp>
+      <p:sp>
+        <p:nvSpPr>
+          <p:cNvPr id="5" name="Footer Placeholder 4"/>
+          <p:cNvSpPr>
+            <a:spLocks noGrp="1"/>
+          </p:cNvSpPr>
+          <p:nvPr>
+            <p:ph type="ftr" sz="quarter" idx="11"/>
+          </p:nvPr>
+        </p:nvSpPr>
+        <p:spPr/>
+        <p:txBody>
+          <a:bodyPr/>
+          <a:lstStyle/>
+          <a:p>
+            <a:endParaRPr lang="en-US"/>
+          </a:p>
+        </p:txBody>
+      </p:sp>
+      <p:sp>
+        <p:nvSpPr>
+          <p:cNvPr id="6" name="Slide Number Placeholder 5"/>
+          <p:cNvSpPr>
+            <a:spLocks noGrp="1"/>
+          </p:cNvSpPr>
+          <p:nvPr>
+            <p:ph type="sldNum" sz="quarter" idx="12"/>
+          </p:nvPr>
+        </p:nvSpPr>
+        <p:spPr/>
+        <p:txBody>
+          <a:bodyPr/>
+          <a:lstStyle/>
+          <a:p>
+            <a:fld id="{A54C03E4-6899-4A0B-AE81-7CBF51046422}" type="slidenum">
+              <a:rPr lang="en-US" smtClean="0"/>
+              <a:t>‹#›</a:t>
+            </a:fld>
+            <a:endParaRPr lang="en-US"/>
+          </a:p>
+        </p:txBody>
+      </p:sp>
+      <p:sp>
+        <p:nvSpPr>
+          <p:cNvPr id="24" name="TextBox 23"/>
+          <p:cNvSpPr txBox="1"/>
+          <p:nvPr/>
+        </p:nvSpPr>
+        <p:spPr>
+          <a:xfrm>
+            <a:off x="482711" y="790378"/>
+            <a:ext cx="457319" cy="584776"/>
+          </a:xfrm>
+          <a:prstGeom prst="rect">
+            <a:avLst/>
+          </a:prstGeom>
+        </p:spPr>
+        <p:txBody>
+          <a:bodyPr vert="horz" lIns="91440" tIns="45720" rIns="91440" bIns="45720" rtlCol="0" anchor="ctr">
+            <a:noAutofit/>
+          </a:bodyPr>
+          <a:lstStyle/>
+          <a:p>
+            <a:pPr lvl="0"/>
+            <a:r>
+              <a:rPr lang="en-US" sz="8000" baseline="0" dirty="0">
+                <a:ln w="3175" cmpd="sng">
+                  <a:noFill/>
+                </a:ln>
+                <a:solidFill>
+                  <a:schemeClr val="accent1">
+                    <a:lumMod val="60000"/>
+                    <a:lumOff val="40000"/>
+                  </a:schemeClr>
+                </a:solidFill>
+                <a:effectLst/>
+                <a:latin typeface="Arial"/>
+              </a:rPr>
+              <a:t>“</a:t>
+            </a:r>
+          </a:p>
+        </p:txBody>
+      </p:sp>
+      <p:sp>
+        <p:nvSpPr>
+          <p:cNvPr id="25" name="TextBox 24"/>
+          <p:cNvSpPr txBox="1"/>
+          <p:nvPr/>
+        </p:nvSpPr>
+        <p:spPr>
+          <a:xfrm>
+            <a:off x="6747699" y="2886556"/>
+            <a:ext cx="457319" cy="584776"/>
+          </a:xfrm>
+          <a:prstGeom prst="rect">
+            <a:avLst/>
+          </a:prstGeom>
+        </p:spPr>
+        <p:txBody>
+          <a:bodyPr vert="horz" lIns="91440" tIns="45720" rIns="91440" bIns="45720" rtlCol="0" anchor="ctr">
+            <a:noAutofit/>
+          </a:bodyPr>
+          <a:lstStyle/>
+          <a:p>
+            <a:pPr lvl="0"/>
+            <a:r>
+              <a:rPr lang="en-US" sz="8000" baseline="0" dirty="0">
+                <a:ln w="3175" cmpd="sng">
+                  <a:noFill/>
+                </a:ln>
+                <a:solidFill>
+                  <a:schemeClr val="accent1">
+                    <a:lumMod val="60000"/>
+                    <a:lumOff val="40000"/>
+                  </a:schemeClr>
+                </a:solidFill>
+                <a:effectLst/>
+                <a:latin typeface="Arial"/>
+              </a:rPr>
+              <a:t>”</a:t>
+            </a:r>
+          </a:p>
+        </p:txBody>
+      </p:sp>
+    </p:spTree>
+    <p:extLst>
+      <p:ext uri="{BB962C8B-B14F-4D97-AF65-F5344CB8AC3E}">
+        <p14:creationId xmlns:p14="http://schemas.microsoft.com/office/powerpoint/2010/main" val="4235540728"/>
+      </p:ext>
+    </p:extLst>
+  </p:cSld>
+  <p:clrMapOvr>
+    <a:masterClrMapping/>
+  </p:clrMapOvr>
+</p:sldLayout>
+</file>
+
+<file path=ppt/slideLayouts/slideLayout12.xml><?xml version="1.0" encoding="utf-8"?>
+<p:sldLayout xmlns:a="http://schemas.openxmlformats.org/drawingml/2006/main" xmlns:r="http://schemas.openxmlformats.org/officeDocument/2006/relationships" xmlns:p="http://schemas.openxmlformats.org/presentationml/2006/main" preserve="1">
+  <p:cSld name="Name Card">
+    <p:spTree>
+      <p:nvGrpSpPr>
+        <p:cNvPr id="1" name=""/>
+        <p:cNvGrpSpPr/>
+        <p:nvPr/>
+      </p:nvGrpSpPr>
+      <p:grpSpPr>
+        <a:xfrm>
+          <a:off x="0" y="0"/>
+          <a:ext cx="0" cy="0"/>
+          <a:chOff x="0" y="0"/>
+          <a:chExt cx="0" cy="0"/>
+        </a:xfrm>
+      </p:grpSpPr>
+      <p:sp>
+        <p:nvSpPr>
+          <p:cNvPr id="2" name="Title 1"/>
+          <p:cNvSpPr>
+            <a:spLocks noGrp="1"/>
+          </p:cNvSpPr>
+          <p:nvPr>
+            <p:ph type="title"/>
+          </p:nvPr>
+        </p:nvSpPr>
+        <p:spPr>
+          <a:xfrm>
+            <a:off x="609598" y="1931988"/>
+            <a:ext cx="6347715" cy="2595460"/>
+          </a:xfrm>
+        </p:spPr>
+        <p:txBody>
+          <a:bodyPr anchor="b">
+            <a:normAutofit/>
+          </a:bodyPr>
+          <a:lstStyle>
+            <a:lvl1pPr algn="l">
+              <a:defRPr sz="4400" b="0" cap="none"/>
+            </a:lvl1pPr>
+          </a:lstStyle>
+          <a:p>
+            <a:r>
+              <a:rPr lang="en-US" smtClean="0"/>
+              <a:t>Click to edit Master title style</a:t>
+            </a:r>
+            <a:endParaRPr lang="en-US" dirty="0"/>
+          </a:p>
+        </p:txBody>
+      </p:sp>
+      <p:sp>
+        <p:nvSpPr>
+          <p:cNvPr id="3" name="Text Placeholder 2"/>
+          <p:cNvSpPr>
+            <a:spLocks noGrp="1"/>
+          </p:cNvSpPr>
+          <p:nvPr>
+            <p:ph type="body" idx="1"/>
+          </p:nvPr>
+        </p:nvSpPr>
+        <p:spPr>
+          <a:xfrm>
+            <a:off x="609598" y="4527448"/>
+            <a:ext cx="6347715" cy="1513914"/>
+          </a:xfrm>
+        </p:spPr>
+        <p:txBody>
+          <a:bodyPr anchor="t">
+            <a:normAutofit/>
+          </a:bodyPr>
+          <a:lstStyle>
+            <a:lvl1pPr marL="0" indent="0" algn="l">
+              <a:buNone/>
+              <a:defRPr sz="1800">
+                <a:solidFill>
+                  <a:schemeClr val="tx1">
+                    <a:lumMod val="75000"/>
+                    <a:lumOff val="25000"/>
+                  </a:schemeClr>
+                </a:solidFill>
+              </a:defRPr>
+            </a:lvl1pPr>
+            <a:lvl2pPr marL="457200" indent="0">
+              <a:buNone/>
+              <a:defRPr sz="1800">
+                <a:solidFill>
+                  <a:schemeClr val="tx1">
+                    <a:tint val="75000"/>
+                  </a:schemeClr>
+                </a:solidFill>
+              </a:defRPr>
+            </a:lvl2pPr>
+            <a:lvl3pPr marL="914400" indent="0">
+              <a:buNone/>
+              <a:defRPr sz="1600">
+                <a:solidFill>
+                  <a:schemeClr val="tx1">
+                    <a:tint val="75000"/>
+                  </a:schemeClr>
+                </a:solidFill>
+              </a:defRPr>
+            </a:lvl3pPr>
+            <a:lvl4pPr marL="1371600" indent="0">
+              <a:buNone/>
+              <a:defRPr sz="1400">
+                <a:solidFill>
+                  <a:schemeClr val="tx1">
+                    <a:tint val="75000"/>
+                  </a:schemeClr>
+                </a:solidFill>
+              </a:defRPr>
+            </a:lvl4pPr>
+            <a:lvl5pPr marL="1828800" indent="0">
+              <a:buNone/>
+              <a:defRPr sz="1400">
+                <a:solidFill>
+                  <a:schemeClr val="tx1">
+                    <a:tint val="75000"/>
+                  </a:schemeClr>
+                </a:solidFill>
+              </a:defRPr>
+            </a:lvl5pPr>
+            <a:lvl6pPr marL="2286000" indent="0">
+              <a:buNone/>
+              <a:defRPr sz="1400">
+                <a:solidFill>
+                  <a:schemeClr val="tx1">
+                    <a:tint val="75000"/>
+                  </a:schemeClr>
+                </a:solidFill>
+              </a:defRPr>
+            </a:lvl6pPr>
+            <a:lvl7pPr marL="2743200" indent="0">
+              <a:buNone/>
+              <a:defRPr sz="1400">
+                <a:solidFill>
+                  <a:schemeClr val="tx1">
+                    <a:tint val="75000"/>
+                  </a:schemeClr>
+                </a:solidFill>
+              </a:defRPr>
+            </a:lvl7pPr>
+            <a:lvl8pPr marL="3200400" indent="0">
+              <a:buNone/>
+              <a:defRPr sz="1400">
+                <a:solidFill>
+                  <a:schemeClr val="tx1">
+                    <a:tint val="75000"/>
+                  </a:schemeClr>
+                </a:solidFill>
+              </a:defRPr>
+            </a:lvl8pPr>
+            <a:lvl9pPr marL="3657600" indent="0">
+              <a:buNone/>
+              <a:defRPr sz="1400">
+                <a:solidFill>
+                  <a:schemeClr val="tx1">
+                    <a:tint val="75000"/>
+                  </a:schemeClr>
+                </a:solidFill>
+              </a:defRPr>
+            </a:lvl9pPr>
+          </a:lstStyle>
+          <a:p>
+            <a:pPr lvl="0"/>
+            <a:r>
+              <a:rPr lang="en-US" smtClean="0"/>
+              <a:t>Click to edit Master text styles</a:t>
+            </a:r>
+          </a:p>
+        </p:txBody>
+      </p:sp>
+      <p:sp>
+        <p:nvSpPr>
+          <p:cNvPr id="4" name="Date Placeholder 3"/>
+          <p:cNvSpPr>
+            <a:spLocks noGrp="1"/>
+          </p:cNvSpPr>
+          <p:nvPr>
+            <p:ph type="dt" sz="half" idx="10"/>
+          </p:nvPr>
+        </p:nvSpPr>
+        <p:spPr/>
+        <p:txBody>
+          <a:bodyPr/>
+          <a:lstStyle/>
+          <a:p>
+            <a:fld id="{D80F15CD-07AA-4BE5-9799-99D1952EFDC8}" type="datetimeFigureOut">
+              <a:rPr lang="en-US" smtClean="0"/>
+              <a:t>12/12/2013</a:t>
+            </a:fld>
+            <a:endParaRPr lang="en-US"/>
+          </a:p>
+        </p:txBody>
+      </p:sp>
+      <p:sp>
+        <p:nvSpPr>
+          <p:cNvPr id="5" name="Footer Placeholder 4"/>
+          <p:cNvSpPr>
+            <a:spLocks noGrp="1"/>
+          </p:cNvSpPr>
+          <p:nvPr>
+            <p:ph type="ftr" sz="quarter" idx="11"/>
+          </p:nvPr>
+        </p:nvSpPr>
+        <p:spPr/>
+        <p:txBody>
+          <a:bodyPr/>
+          <a:lstStyle/>
+          <a:p>
+            <a:endParaRPr lang="en-US"/>
+          </a:p>
+        </p:txBody>
+      </p:sp>
+      <p:sp>
+        <p:nvSpPr>
+          <p:cNvPr id="6" name="Slide Number Placeholder 5"/>
+          <p:cNvSpPr>
+            <a:spLocks noGrp="1"/>
+          </p:cNvSpPr>
+          <p:nvPr>
+            <p:ph type="sldNum" sz="quarter" idx="12"/>
+          </p:nvPr>
+        </p:nvSpPr>
+        <p:spPr/>
+        <p:txBody>
+          <a:bodyPr/>
+          <a:lstStyle/>
+          <a:p>
+            <a:fld id="{A54C03E4-6899-4A0B-AE81-7CBF51046422}" type="slidenum">
+              <a:rPr lang="en-US" smtClean="0"/>
+              <a:t>‹#›</a:t>
+            </a:fld>
+            <a:endParaRPr lang="en-US"/>
+          </a:p>
+        </p:txBody>
+      </p:sp>
+    </p:spTree>
+    <p:extLst>
+      <p:ext uri="{BB962C8B-B14F-4D97-AF65-F5344CB8AC3E}">
+        <p14:creationId xmlns:p14="http://schemas.microsoft.com/office/powerpoint/2010/main" val="374226737"/>
+      </p:ext>
+    </p:extLst>
+  </p:cSld>
+  <p:clrMapOvr>
+    <a:masterClrMapping/>
+  </p:clrMapOvr>
+</p:sldLayout>
+</file>
+
+<file path=ppt/slideLayouts/slideLayout13.xml><?xml version="1.0" encoding="utf-8"?>
+<p:sldLayout xmlns:a="http://schemas.openxmlformats.org/drawingml/2006/main" xmlns:r="http://schemas.openxmlformats.org/officeDocument/2006/relationships" xmlns:p="http://schemas.openxmlformats.org/presentationml/2006/main" preserve="1">
+  <p:cSld name="Quote Name Card">
+    <p:spTree>
+      <p:nvGrpSpPr>
+        <p:cNvPr id="1" name=""/>
+        <p:cNvGrpSpPr/>
+        <p:nvPr/>
+      </p:nvGrpSpPr>
+      <p:grpSpPr>
+        <a:xfrm>
+          <a:off x="0" y="0"/>
+          <a:ext cx="0" cy="0"/>
+          <a:chOff x="0" y="0"/>
+          <a:chExt cx="0" cy="0"/>
+        </a:xfrm>
+      </p:grpSpPr>
+      <p:sp>
+        <p:nvSpPr>
+          <p:cNvPr id="2" name="Title 1"/>
+          <p:cNvSpPr>
+            <a:spLocks noGrp="1"/>
+          </p:cNvSpPr>
+          <p:nvPr>
+            <p:ph type="title"/>
+          </p:nvPr>
+        </p:nvSpPr>
+        <p:spPr>
+          <a:xfrm>
+            <a:off x="774885" y="609600"/>
+            <a:ext cx="6072182" cy="3022600"/>
+          </a:xfrm>
+        </p:spPr>
+        <p:txBody>
+          <a:bodyPr anchor="ctr">
+            <a:normAutofit/>
+          </a:bodyPr>
+          <a:lstStyle>
+            <a:lvl1pPr algn="l">
+              <a:defRPr sz="4400" b="0" cap="none"/>
+            </a:lvl1pPr>
+          </a:lstStyle>
+          <a:p>
+            <a:r>
+              <a:rPr lang="en-US" smtClean="0"/>
+              <a:t>Click to edit Master title style</a:t>
+            </a:r>
+            <a:endParaRPr lang="en-US" dirty="0"/>
+          </a:p>
+        </p:txBody>
+      </p:sp>
+      <p:sp>
+        <p:nvSpPr>
+          <p:cNvPr id="23" name="Text Placeholder 9"/>
+          <p:cNvSpPr>
+            <a:spLocks noGrp="1"/>
+          </p:cNvSpPr>
+          <p:nvPr>
+            <p:ph type="body" sz="quarter" idx="13"/>
+          </p:nvPr>
+        </p:nvSpPr>
+        <p:spPr>
+          <a:xfrm>
+            <a:off x="609597" y="4013200"/>
+            <a:ext cx="6347716" cy="514248"/>
+          </a:xfrm>
+        </p:spPr>
+        <p:txBody>
+          <a:bodyPr anchor="b">
+            <a:noAutofit/>
+          </a:bodyPr>
+          <a:lstStyle>
+            <a:lvl1pPr marL="0" indent="0">
+              <a:buFontTx/>
+              <a:buNone/>
+              <a:defRPr sz="2400">
+                <a:solidFill>
+                  <a:schemeClr val="tx1">
+                    <a:lumMod val="75000"/>
+                    <a:lumOff val="25000"/>
+                  </a:schemeClr>
+                </a:solidFill>
+              </a:defRPr>
+            </a:lvl1pPr>
+            <a:lvl2pPr marL="457200" indent="0">
+              <a:buFontTx/>
+              <a:buNone/>
+              <a:defRPr/>
+            </a:lvl2pPr>
+            <a:lvl3pPr marL="914400" indent="0">
+              <a:buFontTx/>
+              <a:buNone/>
+              <a:defRPr/>
+            </a:lvl3pPr>
+            <a:lvl4pPr marL="1371600" indent="0">
+              <a:buFontTx/>
+              <a:buNone/>
+              <a:defRPr/>
+            </a:lvl4pPr>
+            <a:lvl5pPr marL="1828800" indent="0">
+              <a:buFontTx/>
+              <a:buNone/>
+              <a:defRPr/>
+            </a:lvl5pPr>
+          </a:lstStyle>
+          <a:p>
+            <a:pPr lvl="0"/>
+            <a:r>
+              <a:rPr lang="en-US" smtClean="0"/>
+              <a:t>Click to edit Master text styles</a:t>
+            </a:r>
+          </a:p>
+        </p:txBody>
+      </p:sp>
+      <p:sp>
+        <p:nvSpPr>
+          <p:cNvPr id="3" name="Text Placeholder 2"/>
+          <p:cNvSpPr>
+            <a:spLocks noGrp="1"/>
+          </p:cNvSpPr>
+          <p:nvPr>
+            <p:ph type="body" idx="1"/>
+          </p:nvPr>
+        </p:nvSpPr>
+        <p:spPr>
+          <a:xfrm>
+            <a:off x="609598" y="4527448"/>
+            <a:ext cx="6347715" cy="1513914"/>
+          </a:xfrm>
+        </p:spPr>
+        <p:txBody>
+          <a:bodyPr anchor="t">
+            <a:normAutofit/>
+          </a:bodyPr>
+          <a:lstStyle>
+            <a:lvl1pPr marL="0" indent="0" algn="l">
+              <a:buNone/>
+              <a:defRPr sz="1800">
+                <a:solidFill>
+                  <a:schemeClr val="tx1">
+                    <a:lumMod val="50000"/>
+                    <a:lumOff val="50000"/>
+                  </a:schemeClr>
+                </a:solidFill>
+              </a:defRPr>
+            </a:lvl1pPr>
+            <a:lvl2pPr marL="457200" indent="0">
+              <a:buNone/>
+              <a:defRPr sz="1800">
+                <a:solidFill>
+                  <a:schemeClr val="tx1">
+                    <a:tint val="75000"/>
+                  </a:schemeClr>
+                </a:solidFill>
+              </a:defRPr>
+            </a:lvl2pPr>
+            <a:lvl3pPr marL="914400" indent="0">
+              <a:buNone/>
+              <a:defRPr sz="1600">
+                <a:solidFill>
+                  <a:schemeClr val="tx1">
+                    <a:tint val="75000"/>
+                  </a:schemeClr>
+                </a:solidFill>
+              </a:defRPr>
+            </a:lvl3pPr>
+            <a:lvl4pPr marL="1371600" indent="0">
+              <a:buNone/>
+              <a:defRPr sz="1400">
+                <a:solidFill>
+                  <a:schemeClr val="tx1">
+                    <a:tint val="75000"/>
+                  </a:schemeClr>
+                </a:solidFill>
+              </a:defRPr>
+            </a:lvl4pPr>
+            <a:lvl5pPr marL="1828800" indent="0">
+              <a:buNone/>
+              <a:defRPr sz="1400">
+                <a:solidFill>
+                  <a:schemeClr val="tx1">
+                    <a:tint val="75000"/>
+                  </a:schemeClr>
+                </a:solidFill>
+              </a:defRPr>
+            </a:lvl5pPr>
+            <a:lvl6pPr marL="2286000" indent="0">
+              <a:buNone/>
+              <a:defRPr sz="1400">
+                <a:solidFill>
+                  <a:schemeClr val="tx1">
+                    <a:tint val="75000"/>
+                  </a:schemeClr>
+                </a:solidFill>
+              </a:defRPr>
+            </a:lvl6pPr>
+            <a:lvl7pPr marL="2743200" indent="0">
+              <a:buNone/>
+              <a:defRPr sz="1400">
+                <a:solidFill>
+                  <a:schemeClr val="tx1">
+                    <a:tint val="75000"/>
+                  </a:schemeClr>
+                </a:solidFill>
+              </a:defRPr>
+            </a:lvl7pPr>
+            <a:lvl8pPr marL="3200400" indent="0">
+              <a:buNone/>
+              <a:defRPr sz="1400">
+                <a:solidFill>
+                  <a:schemeClr val="tx1">
+                    <a:tint val="75000"/>
+                  </a:schemeClr>
+                </a:solidFill>
+              </a:defRPr>
+            </a:lvl8pPr>
+            <a:lvl9pPr marL="3657600" indent="0">
+              <a:buNone/>
+              <a:defRPr sz="1400">
+                <a:solidFill>
+                  <a:schemeClr val="tx1">
+                    <a:tint val="75000"/>
+                  </a:schemeClr>
+                </a:solidFill>
+              </a:defRPr>
+            </a:lvl9pPr>
+          </a:lstStyle>
+          <a:p>
+            <a:pPr lvl="0"/>
+            <a:r>
+              <a:rPr lang="en-US" smtClean="0"/>
+              <a:t>Click to edit Master text styles</a:t>
+            </a:r>
+          </a:p>
+        </p:txBody>
+      </p:sp>
+      <p:sp>
+        <p:nvSpPr>
+          <p:cNvPr id="4" name="Date Placeholder 3"/>
+          <p:cNvSpPr>
+            <a:spLocks noGrp="1"/>
+          </p:cNvSpPr>
+          <p:nvPr>
+            <p:ph type="dt" sz="half" idx="10"/>
+          </p:nvPr>
+        </p:nvSpPr>
+        <p:spPr/>
+        <p:txBody>
+          <a:bodyPr/>
+          <a:lstStyle/>
+          <a:p>
+            <a:fld id="{D80F15CD-07AA-4BE5-9799-99D1952EFDC8}" type="datetimeFigureOut">
+              <a:rPr lang="en-US" smtClean="0"/>
+              <a:t>12/12/2013</a:t>
+            </a:fld>
+            <a:endParaRPr lang="en-US"/>
+          </a:p>
+        </p:txBody>
+      </p:sp>
+      <p:sp>
+        <p:nvSpPr>
+          <p:cNvPr id="5" name="Footer Placeholder 4"/>
+          <p:cNvSpPr>
+            <a:spLocks noGrp="1"/>
+          </p:cNvSpPr>
+          <p:nvPr>
+            <p:ph type="ftr" sz="quarter" idx="11"/>
+          </p:nvPr>
+        </p:nvSpPr>
+        <p:spPr/>
+        <p:txBody>
+          <a:bodyPr/>
+          <a:lstStyle/>
+          <a:p>
+            <a:endParaRPr lang="en-US"/>
+          </a:p>
+        </p:txBody>
+      </p:sp>
+      <p:sp>
+        <p:nvSpPr>
+          <p:cNvPr id="6" name="Slide Number Placeholder 5"/>
+          <p:cNvSpPr>
+            <a:spLocks noGrp="1"/>
+          </p:cNvSpPr>
+          <p:nvPr>
+            <p:ph type="sldNum" sz="quarter" idx="12"/>
+          </p:nvPr>
+        </p:nvSpPr>
+        <p:spPr/>
+        <p:txBody>
+          <a:bodyPr/>
+          <a:lstStyle/>
+          <a:p>
+            <a:fld id="{A54C03E4-6899-4A0B-AE81-7CBF51046422}" type="slidenum">
+              <a:rPr lang="en-US" smtClean="0"/>
+              <a:t>‹#›</a:t>
+            </a:fld>
+            <a:endParaRPr lang="en-US"/>
+          </a:p>
+        </p:txBody>
+      </p:sp>
+      <p:sp>
+        <p:nvSpPr>
+          <p:cNvPr id="24" name="TextBox 23"/>
+          <p:cNvSpPr txBox="1"/>
+          <p:nvPr/>
+        </p:nvSpPr>
+        <p:spPr>
+          <a:xfrm>
+            <a:off x="482711" y="790378"/>
+            <a:ext cx="457319" cy="584776"/>
+          </a:xfrm>
+          <a:prstGeom prst="rect">
+            <a:avLst/>
+          </a:prstGeom>
+        </p:spPr>
+        <p:txBody>
+          <a:bodyPr vert="horz" lIns="91440" tIns="45720" rIns="91440" bIns="45720" rtlCol="0" anchor="ctr">
+            <a:noAutofit/>
+          </a:bodyPr>
+          <a:lstStyle/>
+          <a:p>
+            <a:pPr lvl="0"/>
+            <a:r>
+              <a:rPr lang="en-US" sz="8000" baseline="0" dirty="0">
+                <a:ln w="3175" cmpd="sng">
+                  <a:noFill/>
+                </a:ln>
+                <a:solidFill>
+                  <a:schemeClr val="accent1">
+                    <a:lumMod val="60000"/>
+                    <a:lumOff val="40000"/>
+                  </a:schemeClr>
+                </a:solidFill>
+                <a:effectLst/>
+                <a:latin typeface="Arial"/>
+              </a:rPr>
+              <a:t>“</a:t>
+            </a:r>
+          </a:p>
+        </p:txBody>
+      </p:sp>
+      <p:sp>
+        <p:nvSpPr>
+          <p:cNvPr id="25" name="TextBox 24"/>
+          <p:cNvSpPr txBox="1"/>
+          <p:nvPr/>
+        </p:nvSpPr>
+        <p:spPr>
+          <a:xfrm>
+            <a:off x="6747699" y="2886556"/>
+            <a:ext cx="457319" cy="584776"/>
+          </a:xfrm>
+          <a:prstGeom prst="rect">
+            <a:avLst/>
+          </a:prstGeom>
+        </p:spPr>
+        <p:txBody>
+          <a:bodyPr vert="horz" lIns="91440" tIns="45720" rIns="91440" bIns="45720" rtlCol="0" anchor="ctr">
+            <a:noAutofit/>
+          </a:bodyPr>
+          <a:lstStyle/>
+          <a:p>
+            <a:pPr lvl="0"/>
+            <a:r>
+              <a:rPr lang="en-US" sz="8000" baseline="0" dirty="0">
+                <a:ln w="3175" cmpd="sng">
+                  <a:noFill/>
+                </a:ln>
+                <a:solidFill>
+                  <a:schemeClr val="accent1">
+                    <a:lumMod val="60000"/>
+                    <a:lumOff val="40000"/>
+                  </a:schemeClr>
+                </a:solidFill>
+                <a:effectLst/>
+                <a:latin typeface="Arial"/>
+              </a:rPr>
+              <a:t>”</a:t>
+            </a:r>
+          </a:p>
+        </p:txBody>
+      </p:sp>
+    </p:spTree>
+    <p:extLst>
+      <p:ext uri="{BB962C8B-B14F-4D97-AF65-F5344CB8AC3E}">
+        <p14:creationId xmlns:p14="http://schemas.microsoft.com/office/powerpoint/2010/main" val="627736438"/>
+      </p:ext>
+    </p:extLst>
+  </p:cSld>
+  <p:clrMapOvr>
+    <a:masterClrMapping/>
+  </p:clrMapOvr>
+</p:sldLayout>
+</file>
+
+<file path=ppt/slideLayouts/slideLayout14.xml><?xml version="1.0" encoding="utf-8"?>
+<p:sldLayout xmlns:a="http://schemas.openxmlformats.org/drawingml/2006/main" xmlns:r="http://schemas.openxmlformats.org/officeDocument/2006/relationships" xmlns:p="http://schemas.openxmlformats.org/presentationml/2006/main" preserve="1">
+  <p:cSld name="True or False">
+    <p:spTree>
+      <p:nvGrpSpPr>
+        <p:cNvPr id="1" name=""/>
+        <p:cNvGrpSpPr/>
+        <p:nvPr/>
+      </p:nvGrpSpPr>
+      <p:grpSpPr>
+        <a:xfrm>
+          <a:off x="0" y="0"/>
+          <a:ext cx="0" cy="0"/>
+          <a:chOff x="0" y="0"/>
+          <a:chExt cx="0" cy="0"/>
+        </a:xfrm>
+      </p:grpSpPr>
+      <p:sp>
+        <p:nvSpPr>
+          <p:cNvPr id="2" name="Title 1"/>
+          <p:cNvSpPr>
+            <a:spLocks noGrp="1"/>
+          </p:cNvSpPr>
+          <p:nvPr>
+            <p:ph type="title"/>
+          </p:nvPr>
+        </p:nvSpPr>
+        <p:spPr>
+          <a:xfrm>
+            <a:off x="615848" y="609600"/>
+            <a:ext cx="6341465" cy="3022600"/>
+          </a:xfrm>
+        </p:spPr>
+        <p:txBody>
+          <a:bodyPr anchor="ctr">
+            <a:normAutofit/>
+          </a:bodyPr>
+          <a:lstStyle>
+            <a:lvl1pPr algn="l">
+              <a:defRPr sz="4400" b="0" cap="none"/>
+            </a:lvl1pPr>
+          </a:lstStyle>
+          <a:p>
+            <a:r>
+              <a:rPr lang="en-US" smtClean="0"/>
+              <a:t>Click to edit Master title style</a:t>
+            </a:r>
+            <a:endParaRPr lang="en-US" dirty="0"/>
+          </a:p>
+        </p:txBody>
+      </p:sp>
+      <p:sp>
+        <p:nvSpPr>
+          <p:cNvPr id="23" name="Text Placeholder 9"/>
+          <p:cNvSpPr>
+            <a:spLocks noGrp="1"/>
+          </p:cNvSpPr>
+          <p:nvPr>
+            <p:ph type="body" sz="quarter" idx="13"/>
+          </p:nvPr>
+        </p:nvSpPr>
+        <p:spPr>
+          <a:xfrm>
+            <a:off x="609597" y="4013200"/>
+            <a:ext cx="6347716" cy="514248"/>
+          </a:xfrm>
+        </p:spPr>
+        <p:txBody>
+          <a:bodyPr anchor="b">
+            <a:noAutofit/>
+          </a:bodyPr>
+          <a:lstStyle>
+            <a:lvl1pPr marL="0" indent="0">
+              <a:buFontTx/>
+              <a:buNone/>
+              <a:defRPr sz="2400">
+                <a:solidFill>
+                  <a:schemeClr val="accent1"/>
+                </a:solidFill>
+              </a:defRPr>
+            </a:lvl1pPr>
+            <a:lvl2pPr marL="457200" indent="0">
+              <a:buFontTx/>
+              <a:buNone/>
+              <a:defRPr/>
+            </a:lvl2pPr>
+            <a:lvl3pPr marL="914400" indent="0">
+              <a:buFontTx/>
+              <a:buNone/>
+              <a:defRPr/>
+            </a:lvl3pPr>
+            <a:lvl4pPr marL="1371600" indent="0">
+              <a:buFontTx/>
+              <a:buNone/>
+              <a:defRPr/>
+            </a:lvl4pPr>
+            <a:lvl5pPr marL="1828800" indent="0">
+              <a:buFontTx/>
+              <a:buNone/>
+              <a:defRPr/>
+            </a:lvl5pPr>
+          </a:lstStyle>
+          <a:p>
+            <a:pPr lvl="0"/>
+            <a:r>
+              <a:rPr lang="en-US" smtClean="0"/>
+              <a:t>Click to edit Master text styles</a:t>
+            </a:r>
+          </a:p>
+        </p:txBody>
+      </p:sp>
+      <p:sp>
+        <p:nvSpPr>
+          <p:cNvPr id="3" name="Text Placeholder 2"/>
+          <p:cNvSpPr>
+            <a:spLocks noGrp="1"/>
+          </p:cNvSpPr>
+          <p:nvPr>
+            <p:ph type="body" idx="1"/>
+          </p:nvPr>
+        </p:nvSpPr>
+        <p:spPr>
+          <a:xfrm>
+            <a:off x="609598" y="4527448"/>
+            <a:ext cx="6347715" cy="1513914"/>
+          </a:xfrm>
+        </p:spPr>
+        <p:txBody>
+          <a:bodyPr anchor="t">
+            <a:normAutofit/>
+          </a:bodyPr>
+          <a:lstStyle>
+            <a:lvl1pPr marL="0" indent="0" algn="l">
+              <a:buNone/>
+              <a:defRPr sz="1800">
+                <a:solidFill>
+                  <a:schemeClr val="tx1">
+                    <a:lumMod val="50000"/>
+                    <a:lumOff val="50000"/>
+                  </a:schemeClr>
+                </a:solidFill>
+              </a:defRPr>
+            </a:lvl1pPr>
+            <a:lvl2pPr marL="457200" indent="0">
+              <a:buNone/>
+              <a:defRPr sz="1800">
+                <a:solidFill>
+                  <a:schemeClr val="tx1">
+                    <a:tint val="75000"/>
+                  </a:schemeClr>
+                </a:solidFill>
+              </a:defRPr>
+            </a:lvl2pPr>
+            <a:lvl3pPr marL="914400" indent="0">
+              <a:buNone/>
+              <a:defRPr sz="1600">
+                <a:solidFill>
+                  <a:schemeClr val="tx1">
+                    <a:tint val="75000"/>
+                  </a:schemeClr>
+                </a:solidFill>
+              </a:defRPr>
+            </a:lvl3pPr>
+            <a:lvl4pPr marL="1371600" indent="0">
+              <a:buNone/>
+              <a:defRPr sz="1400">
+                <a:solidFill>
+                  <a:schemeClr val="tx1">
+                    <a:tint val="75000"/>
+                  </a:schemeClr>
+                </a:solidFill>
+              </a:defRPr>
+            </a:lvl4pPr>
+            <a:lvl5pPr marL="1828800" indent="0">
+              <a:buNone/>
+              <a:defRPr sz="1400">
+                <a:solidFill>
+                  <a:schemeClr val="tx1">
+                    <a:tint val="75000"/>
+                  </a:schemeClr>
+                </a:solidFill>
+              </a:defRPr>
+            </a:lvl5pPr>
+            <a:lvl6pPr marL="2286000" indent="0">
+              <a:buNone/>
+              <a:defRPr sz="1400">
+                <a:solidFill>
+                  <a:schemeClr val="tx1">
+                    <a:tint val="75000"/>
+                  </a:schemeClr>
+                </a:solidFill>
+              </a:defRPr>
+            </a:lvl6pPr>
+            <a:lvl7pPr marL="2743200" indent="0">
+              <a:buNone/>
+              <a:defRPr sz="1400">
+                <a:solidFill>
+                  <a:schemeClr val="tx1">
+                    <a:tint val="75000"/>
+                  </a:schemeClr>
+                </a:solidFill>
+              </a:defRPr>
+            </a:lvl7pPr>
+            <a:lvl8pPr marL="3200400" indent="0">
+              <a:buNone/>
+              <a:defRPr sz="1400">
+                <a:solidFill>
+                  <a:schemeClr val="tx1">
+                    <a:tint val="75000"/>
+                  </a:schemeClr>
+                </a:solidFill>
+              </a:defRPr>
+            </a:lvl8pPr>
+            <a:lvl9pPr marL="3657600" indent="0">
+              <a:buNone/>
+              <a:defRPr sz="1400">
+                <a:solidFill>
+                  <a:schemeClr val="tx1">
+                    <a:tint val="75000"/>
+                  </a:schemeClr>
+                </a:solidFill>
+              </a:defRPr>
+            </a:lvl9pPr>
+          </a:lstStyle>
+          <a:p>
+            <a:pPr lvl="0"/>
+            <a:r>
+              <a:rPr lang="en-US" smtClean="0"/>
+              <a:t>Click to edit Master text styles</a:t>
+            </a:r>
+          </a:p>
+        </p:txBody>
+      </p:sp>
+      <p:sp>
+        <p:nvSpPr>
+          <p:cNvPr id="4" name="Date Placeholder 3"/>
+          <p:cNvSpPr>
+            <a:spLocks noGrp="1"/>
+          </p:cNvSpPr>
+          <p:nvPr>
+            <p:ph type="dt" sz="half" idx="10"/>
+          </p:nvPr>
+        </p:nvSpPr>
+        <p:spPr/>
+        <p:txBody>
+          <a:bodyPr/>
+          <a:lstStyle/>
+          <a:p>
+            <a:fld id="{D80F15CD-07AA-4BE5-9799-99D1952EFDC8}" type="datetimeFigureOut">
+              <a:rPr lang="en-US" smtClean="0"/>
+              <a:t>12/12/2013</a:t>
+            </a:fld>
+            <a:endParaRPr lang="en-US"/>
+          </a:p>
+        </p:txBody>
+      </p:sp>
+      <p:sp>
+        <p:nvSpPr>
+          <p:cNvPr id="5" name="Footer Placeholder 4"/>
+          <p:cNvSpPr>
+            <a:spLocks noGrp="1"/>
+          </p:cNvSpPr>
+          <p:nvPr>
+            <p:ph type="ftr" sz="quarter" idx="11"/>
+          </p:nvPr>
+        </p:nvSpPr>
+        <p:spPr/>
+        <p:txBody>
+          <a:bodyPr/>
+          <a:lstStyle/>
+          <a:p>
+            <a:endParaRPr lang="en-US"/>
+          </a:p>
+        </p:txBody>
+      </p:sp>
+      <p:sp>
+        <p:nvSpPr>
+          <p:cNvPr id="6" name="Slide Number Placeholder 5"/>
+          <p:cNvSpPr>
+            <a:spLocks noGrp="1"/>
+          </p:cNvSpPr>
+          <p:nvPr>
+            <p:ph type="sldNum" sz="quarter" idx="12"/>
+          </p:nvPr>
+        </p:nvSpPr>
+        <p:spPr/>
+        <p:txBody>
+          <a:bodyPr/>
+          <a:lstStyle/>
+          <a:p>
+            <a:fld id="{A54C03E4-6899-4A0B-AE81-7CBF51046422}" type="slidenum">
+              <a:rPr lang="en-US" smtClean="0"/>
+              <a:t>‹#›</a:t>
+            </a:fld>
+            <a:endParaRPr lang="en-US"/>
+          </a:p>
+        </p:txBody>
+      </p:sp>
+    </p:spTree>
+    <p:extLst>
+      <p:ext uri="{BB962C8B-B14F-4D97-AF65-F5344CB8AC3E}">
+        <p14:creationId xmlns:p14="http://schemas.microsoft.com/office/powerpoint/2010/main" val="1325345483"/>
+      </p:ext>
+    </p:extLst>
+  </p:cSld>
+  <p:clrMapOvr>
+    <a:masterClrMapping/>
+  </p:clrMapOvr>
+</p:sldLayout>
+</file>
+
+<file path=ppt/slideLayouts/slideLayout15.xml><?xml version="1.0" encoding="utf-8"?>
+<p:sldLayout xmlns:a="http://schemas.openxmlformats.org/drawingml/2006/main" xmlns:r="http://schemas.openxmlformats.org/officeDocument/2006/relationships" xmlns:p="http://schemas.openxmlformats.org/presentationml/2006/main" type="vertTx" preserve="1">
+  <p:cSld name="Title and Vertical Text">
+    <p:spTree>
+      <p:nvGrpSpPr>
+        <p:cNvPr id="1" name=""/>
+        <p:cNvGrpSpPr/>
+        <p:nvPr/>
+      </p:nvGrpSpPr>
+      <p:grpSpPr>
+        <a:xfrm>
+          <a:off x="0" y="0"/>
+          <a:ext cx="0" cy="0"/>
+          <a:chOff x="0" y="0"/>
+          <a:chExt cx="0" cy="0"/>
+        </a:xfrm>
+      </p:grpSpPr>
+      <p:sp>
+        <p:nvSpPr>
+          <p:cNvPr id="2" name="Title 1"/>
+          <p:cNvSpPr>
+            <a:spLocks noGrp="1"/>
+          </p:cNvSpPr>
+          <p:nvPr>
+            <p:ph type="title"/>
+          </p:nvPr>
+        </p:nvSpPr>
+        <p:spPr/>
+        <p:txBody>
+          <a:bodyPr/>
+          <a:lstStyle/>
+          <a:p>
+            <a:r>
+              <a:rPr lang="en-US" smtClean="0"/>
+              <a:t>Click to edit Master title style</a:t>
+            </a:r>
+            <a:endParaRPr lang="en-US" dirty="0"/>
+          </a:p>
+        </p:txBody>
+      </p:sp>
+      <p:sp>
+        <p:nvSpPr>
+          <p:cNvPr id="3" name="Vertical Text Placeholder 2"/>
+          <p:cNvSpPr>
+            <a:spLocks noGrp="1"/>
+          </p:cNvSpPr>
+          <p:nvPr>
+            <p:ph type="body" orient="vert" idx="1"/>
+          </p:nvPr>
+        </p:nvSpPr>
+        <p:spPr/>
+        <p:txBody>
+          <a:bodyPr vert="eaVert"/>
+          <a:lstStyle/>
+          <a:p>
+            <a:pPr lvl="0"/>
+            <a:r>
+              <a:rPr lang="en-US" smtClean="0"/>
+              <a:t>Click to edit Master text styles</a:t>
+            </a:r>
+          </a:p>
+          <a:p>
+            <a:pPr lvl="1"/>
+            <a:r>
+              <a:rPr lang="en-US" smtClean="0"/>
+              <a:t>Second level</a:t>
+            </a:r>
+          </a:p>
+          <a:p>
+            <a:pPr lvl="2"/>
+            <a:r>
+              <a:rPr lang="en-US" smtClean="0"/>
+              <a:t>Third level</a:t>
+            </a:r>
+          </a:p>
+          <a:p>
+            <a:pPr lvl="3"/>
+            <a:r>
+              <a:rPr lang="en-US" smtClean="0"/>
+              <a:t>Fourth level</a:t>
+            </a:r>
+          </a:p>
+          <a:p>
+            <a:pPr lvl="4"/>
+            <a:r>
+              <a:rPr lang="en-US" smtClean="0"/>
+              <a:t>Fifth level</a:t>
+            </a:r>
+            <a:endParaRPr lang="en-US" dirty="0"/>
+          </a:p>
+        </p:txBody>
+      </p:sp>
+      <p:sp>
+        <p:nvSpPr>
+          <p:cNvPr id="4" name="Date Placeholder 3"/>
+          <p:cNvSpPr>
+            <a:spLocks noGrp="1"/>
+          </p:cNvSpPr>
+          <p:nvPr>
+            <p:ph type="dt" sz="half" idx="10"/>
+          </p:nvPr>
+        </p:nvSpPr>
+        <p:spPr/>
+        <p:txBody>
+          <a:bodyPr/>
+          <a:lstStyle/>
+          <a:p>
+            <a:fld id="{D80F15CD-07AA-4BE5-9799-99D1952EFDC8}" type="datetimeFigureOut">
+              <a:rPr lang="en-US" smtClean="0"/>
+              <a:t>12/12/2013</a:t>
+            </a:fld>
+            <a:endParaRPr lang="en-US"/>
+          </a:p>
+        </p:txBody>
+      </p:sp>
+      <p:sp>
+        <p:nvSpPr>
+          <p:cNvPr id="5" name="Footer Placeholder 4"/>
+          <p:cNvSpPr>
+            <a:spLocks noGrp="1"/>
+          </p:cNvSpPr>
+          <p:nvPr>
+            <p:ph type="ftr" sz="quarter" idx="11"/>
+          </p:nvPr>
+        </p:nvSpPr>
+        <p:spPr/>
+        <p:txBody>
+          <a:bodyPr/>
+          <a:lstStyle/>
+          <a:p>
+            <a:endParaRPr lang="en-US"/>
+          </a:p>
+        </p:txBody>
+      </p:sp>
+      <p:sp>
+        <p:nvSpPr>
+          <p:cNvPr id="6" name="Slide Number Placeholder 5"/>
+          <p:cNvSpPr>
+            <a:spLocks noGrp="1"/>
+          </p:cNvSpPr>
+          <p:nvPr>
+            <p:ph type="sldNum" sz="quarter" idx="12"/>
+          </p:nvPr>
+        </p:nvSpPr>
+        <p:spPr/>
+        <p:txBody>
+          <a:bodyPr/>
+          <a:lstStyle/>
+          <a:p>
+            <a:fld id="{A54C03E4-6899-4A0B-AE81-7CBF51046422}" type="slidenum">
+              <a:rPr lang="en-US" smtClean="0"/>
+              <a:t>‹#›</a:t>
+            </a:fld>
+            <a:endParaRPr lang="en-US"/>
+          </a:p>
+        </p:txBody>
+      </p:sp>
+    </p:spTree>
+    <p:extLst>
+      <p:ext uri="{BB962C8B-B14F-4D97-AF65-F5344CB8AC3E}">
+        <p14:creationId xmlns:p14="http://schemas.microsoft.com/office/powerpoint/2010/main" val="3051714338"/>
+      </p:ext>
+    </p:extLst>
+  </p:cSld>
+  <p:clrMapOvr>
+    <a:masterClrMapping/>
+  </p:clrMapOvr>
+</p:sldLayout>
+</file>
+
+<file path=ppt/slideLayouts/slideLayout16.xml><?xml version="1.0" encoding="utf-8"?>
+<p:sldLayout xmlns:a="http://schemas.openxmlformats.org/drawingml/2006/main" xmlns:r="http://schemas.openxmlformats.org/officeDocument/2006/relationships" xmlns:p="http://schemas.openxmlformats.org/presentationml/2006/main" type="vertTitleAndTx" preserve="1">
+  <p:cSld name="Vertical Title and Text">
+    <p:spTree>
+      <p:nvGrpSpPr>
+        <p:cNvPr id="1" name=""/>
+        <p:cNvGrpSpPr/>
+        <p:nvPr/>
+      </p:nvGrpSpPr>
+      <p:grpSpPr>
+        <a:xfrm>
+          <a:off x="0" y="0"/>
+          <a:ext cx="0" cy="0"/>
+          <a:chOff x="0" y="0"/>
+          <a:chExt cx="0" cy="0"/>
+        </a:xfrm>
+      </p:grpSpPr>
+      <p:sp>
+        <p:nvSpPr>
+          <p:cNvPr id="2" name="Vertical Title 1"/>
+          <p:cNvSpPr>
+            <a:spLocks noGrp="1"/>
+          </p:cNvSpPr>
+          <p:nvPr>
+            <p:ph type="title" orient="vert"/>
+          </p:nvPr>
+        </p:nvSpPr>
+        <p:spPr>
+          <a:xfrm>
+            <a:off x="5977312" y="609600"/>
+            <a:ext cx="978812" cy="5251451"/>
+          </a:xfrm>
+        </p:spPr>
+        <p:txBody>
+          <a:bodyPr vert="eaVert" anchor="ctr"/>
+          <a:lstStyle/>
+          <a:p>
+            <a:r>
+              <a:rPr lang="en-US" smtClean="0"/>
+              <a:t>Click to edit Master title style</a:t>
+            </a:r>
+            <a:endParaRPr lang="en-US" dirty="0"/>
+          </a:p>
+        </p:txBody>
+      </p:sp>
+      <p:sp>
+        <p:nvSpPr>
+          <p:cNvPr id="3" name="Vertical Text Placeholder 2"/>
+          <p:cNvSpPr>
+            <a:spLocks noGrp="1"/>
+          </p:cNvSpPr>
+          <p:nvPr>
+            <p:ph type="body" orient="vert" idx="1"/>
+          </p:nvPr>
+        </p:nvSpPr>
+        <p:spPr>
+          <a:xfrm>
+            <a:off x="609599" y="609600"/>
+            <a:ext cx="5195026" cy="5251451"/>
+          </a:xfrm>
+        </p:spPr>
+        <p:txBody>
+          <a:bodyPr vert="eaVert"/>
+          <a:lstStyle/>
+          <a:p>
+            <a:pPr lvl="0"/>
+            <a:r>
+              <a:rPr lang="en-US" smtClean="0"/>
+              <a:t>Click to edit Master text styles</a:t>
+            </a:r>
+          </a:p>
+          <a:p>
+            <a:pPr lvl="1"/>
+            <a:r>
+              <a:rPr lang="en-US" smtClean="0"/>
+              <a:t>Second level</a:t>
+            </a:r>
+          </a:p>
+          <a:p>
+            <a:pPr lvl="2"/>
+            <a:r>
+              <a:rPr lang="en-US" smtClean="0"/>
+              <a:t>Third level</a:t>
+            </a:r>
+          </a:p>
+          <a:p>
+            <a:pPr lvl="3"/>
+            <a:r>
+              <a:rPr lang="en-US" smtClean="0"/>
+              <a:t>Fourth level</a:t>
+            </a:r>
+          </a:p>
+          <a:p>
+            <a:pPr lvl="4"/>
+            <a:r>
+              <a:rPr lang="en-US" smtClean="0"/>
+              <a:t>Fifth level</a:t>
+            </a:r>
+            <a:endParaRPr lang="en-US" dirty="0"/>
+          </a:p>
+        </p:txBody>
+      </p:sp>
+      <p:sp>
+        <p:nvSpPr>
+          <p:cNvPr id="4" name="Date Placeholder 3"/>
+          <p:cNvSpPr>
+            <a:spLocks noGrp="1"/>
+          </p:cNvSpPr>
+          <p:nvPr>
+            <p:ph type="dt" sz="half" idx="10"/>
+          </p:nvPr>
+        </p:nvSpPr>
+        <p:spPr/>
+        <p:txBody>
+          <a:bodyPr/>
+          <a:lstStyle/>
+          <a:p>
+            <a:fld id="{D80F15CD-07AA-4BE5-9799-99D1952EFDC8}" type="datetimeFigureOut">
+              <a:rPr lang="en-US" smtClean="0"/>
+              <a:t>12/12/2013</a:t>
+            </a:fld>
+            <a:endParaRPr lang="en-US"/>
+          </a:p>
+        </p:txBody>
+      </p:sp>
+      <p:sp>
+        <p:nvSpPr>
+          <p:cNvPr id="5" name="Footer Placeholder 4"/>
+          <p:cNvSpPr>
+            <a:spLocks noGrp="1"/>
+          </p:cNvSpPr>
+          <p:nvPr>
+            <p:ph type="ftr" sz="quarter" idx="11"/>
+          </p:nvPr>
+        </p:nvSpPr>
+        <p:spPr/>
+        <p:txBody>
+          <a:bodyPr/>
+          <a:lstStyle/>
+          <a:p>
+            <a:endParaRPr lang="en-US"/>
+          </a:p>
+        </p:txBody>
+      </p:sp>
+      <p:sp>
+        <p:nvSpPr>
+          <p:cNvPr id="6" name="Slide Number Placeholder 5"/>
+          <p:cNvSpPr>
+            <a:spLocks noGrp="1"/>
+          </p:cNvSpPr>
+          <p:nvPr>
+            <p:ph type="sldNum" sz="quarter" idx="12"/>
+          </p:nvPr>
+        </p:nvSpPr>
+        <p:spPr/>
+        <p:txBody>
+          <a:bodyPr/>
+          <a:lstStyle/>
+          <a:p>
+            <a:fld id="{A54C03E4-6899-4A0B-AE81-7CBF51046422}" type="slidenum">
+              <a:rPr lang="en-US" smtClean="0"/>
+              <a:t>‹#›</a:t>
+            </a:fld>
+            <a:endParaRPr lang="en-US"/>
+          </a:p>
+        </p:txBody>
+      </p:sp>
+    </p:spTree>
+    <p:extLst>
+      <p:ext uri="{BB962C8B-B14F-4D97-AF65-F5344CB8AC3E}">
+        <p14:creationId xmlns:p14="http://schemas.microsoft.com/office/powerpoint/2010/main" val="2139488129"/>
+      </p:ext>
+    </p:extLst>
+  </p:cSld>
+  <p:clrMapOvr>
+    <a:masterClrMapping/>
+  </p:clrMapOvr>
+</p:sldLayout>
+</file>
+
+<file path=ppt/slideLayouts/slideLayout2.xml><?xml version="1.0" encoding="utf-8"?>
+<p:sldLayout xmlns:a="http://schemas.openxmlformats.org/drawingml/2006/main" xmlns:r="http://schemas.openxmlformats.org/officeDocument/2006/relationships" xmlns:p="http://schemas.openxmlformats.org/presentationml/2006/main" type="obj" preserve="1">
+  <p:cSld name="Title and Content">
+    <p:spTree>
+      <p:nvGrpSpPr>
+        <p:cNvPr id="1" name=""/>
+        <p:cNvGrpSpPr/>
+        <p:nvPr/>
+      </p:nvGrpSpPr>
+      <p:grpSpPr>
+        <a:xfrm>
+          <a:off x="0" y="0"/>
+          <a:ext cx="0" cy="0"/>
+          <a:chOff x="0" y="0"/>
+          <a:chExt cx="0" cy="0"/>
+        </a:xfrm>
+      </p:grpSpPr>
+      <p:sp>
+        <p:nvSpPr>
+          <p:cNvPr id="2" name="Title 1"/>
+          <p:cNvSpPr>
+            <a:spLocks noGrp="1"/>
+          </p:cNvSpPr>
+          <p:nvPr>
+            <p:ph type="title"/>
+          </p:nvPr>
+        </p:nvSpPr>
+        <p:spPr/>
+        <p:txBody>
+          <a:bodyPr/>
+          <a:lstStyle/>
+          <a:p>
+            <a:r>
+              <a:rPr lang="en-US" smtClean="0"/>
+              <a:t>Click to edit Master title style</a:t>
+            </a:r>
+            <a:endParaRPr lang="en-US" dirty="0"/>
+          </a:p>
+        </p:txBody>
+      </p:sp>
+      <p:sp>
+        <p:nvSpPr>
+          <p:cNvPr id="3" name="Content Placeholder 2"/>
+          <p:cNvSpPr>
+            <a:spLocks noGrp="1"/>
+          </p:cNvSpPr>
+          <p:nvPr>
+            <p:ph idx="1"/>
+          </p:nvPr>
+        </p:nvSpPr>
+        <p:spPr/>
+        <p:txBody>
+          <a:bodyPr/>
+          <a:lstStyle/>
+          <a:p>
+            <a:pPr lvl="0"/>
+            <a:r>
+              <a:rPr lang="en-US" smtClean="0"/>
+              <a:t>Click to edit Master text styles</a:t>
+            </a:r>
+          </a:p>
+          <a:p>
+            <a:pPr lvl="1"/>
+            <a:r>
+              <a:rPr lang="en-US" smtClean="0"/>
+              <a:t>Second level</a:t>
+            </a:r>
+          </a:p>
+          <a:p>
+            <a:pPr lvl="2"/>
+            <a:r>
+              <a:rPr lang="en-US" smtClean="0"/>
+              <a:t>Third level</a:t>
+            </a:r>
+          </a:p>
+          <a:p>
+            <a:pPr lvl="3"/>
+            <a:r>
+              <a:rPr lang="en-US" smtClean="0"/>
+              <a:t>Fourth level</a:t>
+            </a:r>
+          </a:p>
+          <a:p>
+            <a:pPr lvl="4"/>
+            <a:r>
+              <a:rPr lang="en-US" smtClean="0"/>
+              <a:t>Fifth level</a:t>
+            </a:r>
+            <a:endParaRPr lang="en-US" dirty="0"/>
+          </a:p>
+        </p:txBody>
+      </p:sp>
+      <p:sp>
+        <p:nvSpPr>
+          <p:cNvPr id="4" name="Date Placeholder 3"/>
+          <p:cNvSpPr>
+            <a:spLocks noGrp="1"/>
+          </p:cNvSpPr>
+          <p:nvPr>
+            <p:ph type="dt" sz="half" idx="10"/>
+          </p:nvPr>
+        </p:nvSpPr>
+        <p:spPr/>
+        <p:txBody>
+          <a:bodyPr/>
+          <a:lstStyle/>
+          <a:p>
+            <a:fld id="{D80F15CD-07AA-4BE5-9799-99D1952EFDC8}" type="datetimeFigureOut">
+              <a:rPr lang="en-US" smtClean="0"/>
+              <a:t>12/12/2013</a:t>
+            </a:fld>
+            <a:endParaRPr lang="en-US"/>
+          </a:p>
+        </p:txBody>
+      </p:sp>
+      <p:sp>
+        <p:nvSpPr>
+          <p:cNvPr id="5" name="Footer Placeholder 4"/>
+          <p:cNvSpPr>
+            <a:spLocks noGrp="1"/>
+          </p:cNvSpPr>
+          <p:nvPr>
+            <p:ph type="ftr" sz="quarter" idx="11"/>
+          </p:nvPr>
+        </p:nvSpPr>
+        <p:spPr/>
+        <p:txBody>
+          <a:bodyPr/>
+          <a:lstStyle/>
+          <a:p>
+            <a:endParaRPr lang="en-US"/>
+          </a:p>
+        </p:txBody>
+      </p:sp>
+      <p:sp>
+        <p:nvSpPr>
+          <p:cNvPr id="6" name="Slide Number Placeholder 5"/>
+          <p:cNvSpPr>
+            <a:spLocks noGrp="1"/>
+          </p:cNvSpPr>
+          <p:nvPr>
+            <p:ph type="sldNum" sz="quarter" idx="12"/>
+          </p:nvPr>
+        </p:nvSpPr>
+        <p:spPr/>
+        <p:txBody>
+          <a:bodyPr/>
+          <a:lstStyle/>
+          <a:p>
+            <a:fld id="{A54C03E4-6899-4A0B-AE81-7CBF51046422}" type="slidenum">
+              <a:rPr lang="en-US" smtClean="0"/>
+              <a:t>‹#›</a:t>
+            </a:fld>
+            <a:endParaRPr lang="en-US"/>
+          </a:p>
+        </p:txBody>
+      </p:sp>
+    </p:spTree>
+    <p:extLst>
+      <p:ext uri="{BB962C8B-B14F-4D97-AF65-F5344CB8AC3E}">
+        <p14:creationId xmlns:p14="http://schemas.microsoft.com/office/powerpoint/2010/main" val="4259444325"/>
+      </p:ext>
+    </p:extLst>
+  </p:cSld>
+  <p:clrMapOvr>
+    <a:masterClrMapping/>
+  </p:clrMapOvr>
+</p:sldLayout>
+</file>
+
+<file path=ppt/slideLayouts/slideLayout3.xml><?xml version="1.0" encoding="utf-8"?>
+<p:sldLayout xmlns:a="http://schemas.openxmlformats.org/drawingml/2006/main" xmlns:r="http://schemas.openxmlformats.org/officeDocument/2006/relationships" xmlns:p="http://schemas.openxmlformats.org/presentationml/2006/main" type="secHead" preserve="1">
+  <p:cSld name="Section Header">
+    <p:spTree>
+      <p:nvGrpSpPr>
+        <p:cNvPr id="1" name=""/>
+        <p:cNvGrpSpPr/>
+        <p:nvPr/>
+      </p:nvGrpSpPr>
+      <p:grpSpPr>
+        <a:xfrm>
+          <a:off x="0" y="0"/>
+          <a:ext cx="0" cy="0"/>
+          <a:chOff x="0" y="0"/>
+          <a:chExt cx="0" cy="0"/>
+        </a:xfrm>
+      </p:grpSpPr>
+      <p:sp>
+        <p:nvSpPr>
+          <p:cNvPr id="2" name="Title 1"/>
+          <p:cNvSpPr>
+            <a:spLocks noGrp="1"/>
+          </p:cNvSpPr>
+          <p:nvPr>
+            <p:ph type="title"/>
+          </p:nvPr>
+        </p:nvSpPr>
+        <p:spPr>
+          <a:xfrm>
+            <a:off x="609598" y="2700868"/>
+            <a:ext cx="6347715" cy="1826581"/>
+          </a:xfrm>
+        </p:spPr>
+        <p:txBody>
+          <a:bodyPr anchor="b"/>
+          <a:lstStyle>
+            <a:lvl1pPr algn="l">
+              <a:defRPr sz="4000" b="0" cap="none"/>
+            </a:lvl1pPr>
+          </a:lstStyle>
+          <a:p>
+            <a:r>
+              <a:rPr lang="en-US" smtClean="0"/>
+              <a:t>Click to edit Master title style</a:t>
+            </a:r>
+            <a:endParaRPr lang="en-US" dirty="0"/>
+          </a:p>
+        </p:txBody>
+      </p:sp>
+      <p:sp>
+        <p:nvSpPr>
+          <p:cNvPr id="3" name="Text Placeholder 2"/>
+          <p:cNvSpPr>
+            <a:spLocks noGrp="1"/>
+          </p:cNvSpPr>
+          <p:nvPr>
+            <p:ph type="body" idx="1"/>
+          </p:nvPr>
+        </p:nvSpPr>
+        <p:spPr>
+          <a:xfrm>
+            <a:off x="609598" y="4527448"/>
+            <a:ext cx="6347715" cy="860400"/>
+          </a:xfrm>
+        </p:spPr>
+        <p:txBody>
+          <a:bodyPr anchor="t"/>
+          <a:lstStyle>
+            <a:lvl1pPr marL="0" indent="0" algn="l">
+              <a:buNone/>
+              <a:defRPr sz="2000">
+                <a:solidFill>
+                  <a:schemeClr val="tx1">
+                    <a:lumMod val="50000"/>
+                    <a:lumOff val="50000"/>
+                  </a:schemeClr>
+                </a:solidFill>
+              </a:defRPr>
+            </a:lvl1pPr>
+            <a:lvl2pPr marL="457200" indent="0">
+              <a:buNone/>
+              <a:defRPr sz="1800">
+                <a:solidFill>
+                  <a:schemeClr val="tx1">
+                    <a:tint val="75000"/>
+                  </a:schemeClr>
+                </a:solidFill>
+              </a:defRPr>
+            </a:lvl2pPr>
+            <a:lvl3pPr marL="914400" indent="0">
+              <a:buNone/>
+              <a:defRPr sz="1600">
+                <a:solidFill>
+                  <a:schemeClr val="tx1">
+                    <a:tint val="75000"/>
+                  </a:schemeClr>
+                </a:solidFill>
+              </a:defRPr>
+            </a:lvl3pPr>
+            <a:lvl4pPr marL="1371600" indent="0">
+              <a:buNone/>
+              <a:defRPr sz="1400">
+                <a:solidFill>
+                  <a:schemeClr val="tx1">
+                    <a:tint val="75000"/>
+                  </a:schemeClr>
+                </a:solidFill>
+              </a:defRPr>
+            </a:lvl4pPr>
+            <a:lvl5pPr marL="1828800" indent="0">
+              <a:buNone/>
+              <a:defRPr sz="1400">
+                <a:solidFill>
+                  <a:schemeClr val="tx1">
+                    <a:tint val="75000"/>
+                  </a:schemeClr>
+                </a:solidFill>
+              </a:defRPr>
+            </a:lvl5pPr>
+            <a:lvl6pPr marL="2286000" indent="0">
+              <a:buNone/>
+              <a:defRPr sz="1400">
+                <a:solidFill>
+                  <a:schemeClr val="tx1">
+                    <a:tint val="75000"/>
+                  </a:schemeClr>
+                </a:solidFill>
+              </a:defRPr>
+            </a:lvl6pPr>
+            <a:lvl7pPr marL="2743200" indent="0">
+              <a:buNone/>
+              <a:defRPr sz="1400">
+                <a:solidFill>
+                  <a:schemeClr val="tx1">
+                    <a:tint val="75000"/>
+                  </a:schemeClr>
+                </a:solidFill>
+              </a:defRPr>
+            </a:lvl7pPr>
+            <a:lvl8pPr marL="3200400" indent="0">
+              <a:buNone/>
+              <a:defRPr sz="1400">
+                <a:solidFill>
+                  <a:schemeClr val="tx1">
+                    <a:tint val="75000"/>
+                  </a:schemeClr>
+                </a:solidFill>
+              </a:defRPr>
+            </a:lvl8pPr>
+            <a:lvl9pPr marL="3657600" indent="0">
+              <a:buNone/>
+              <a:defRPr sz="1400">
+                <a:solidFill>
+                  <a:schemeClr val="tx1">
+                    <a:tint val="75000"/>
+                  </a:schemeClr>
+                </a:solidFill>
+              </a:defRPr>
+            </a:lvl9pPr>
+          </a:lstStyle>
+          <a:p>
+            <a:pPr lvl="0"/>
+            <a:r>
+              <a:rPr lang="en-US" smtClean="0"/>
+              <a:t>Click to edit Master text styles</a:t>
+            </a:r>
+          </a:p>
+        </p:txBody>
+      </p:sp>
+      <p:sp>
+        <p:nvSpPr>
+          <p:cNvPr id="4" name="Date Placeholder 3"/>
+          <p:cNvSpPr>
+            <a:spLocks noGrp="1"/>
+          </p:cNvSpPr>
+          <p:nvPr>
+            <p:ph type="dt" sz="half" idx="10"/>
+          </p:nvPr>
+        </p:nvSpPr>
+        <p:spPr/>
+        <p:txBody>
+          <a:bodyPr/>
+          <a:lstStyle/>
+          <a:p>
+            <a:fld id="{D80F15CD-07AA-4BE5-9799-99D1952EFDC8}" type="datetimeFigureOut">
+              <a:rPr lang="en-US" smtClean="0"/>
+              <a:t>12/12/2013</a:t>
+            </a:fld>
+            <a:endParaRPr lang="en-US"/>
+          </a:p>
+        </p:txBody>
+      </p:sp>
+      <p:sp>
+        <p:nvSpPr>
+          <p:cNvPr id="5" name="Footer Placeholder 4"/>
+          <p:cNvSpPr>
+            <a:spLocks noGrp="1"/>
+          </p:cNvSpPr>
+          <p:nvPr>
+            <p:ph type="ftr" sz="quarter" idx="11"/>
+          </p:nvPr>
+        </p:nvSpPr>
+        <p:spPr/>
+        <p:txBody>
+          <a:bodyPr/>
+          <a:lstStyle/>
+          <a:p>
+            <a:endParaRPr lang="en-US"/>
+          </a:p>
+        </p:txBody>
+      </p:sp>
+      <p:sp>
+        <p:nvSpPr>
+          <p:cNvPr id="6" name="Slide Number Placeholder 5"/>
+          <p:cNvSpPr>
+            <a:spLocks noGrp="1"/>
+          </p:cNvSpPr>
+          <p:nvPr>
+            <p:ph type="sldNum" sz="quarter" idx="12"/>
+          </p:nvPr>
+        </p:nvSpPr>
+        <p:spPr/>
+        <p:txBody>
+          <a:bodyPr/>
+          <a:lstStyle/>
+          <a:p>
+            <a:fld id="{A54C03E4-6899-4A0B-AE81-7CBF51046422}" type="slidenum">
+              <a:rPr lang="en-US" smtClean="0"/>
+              <a:t>‹#›</a:t>
+            </a:fld>
+            <a:endParaRPr lang="en-US"/>
+          </a:p>
+        </p:txBody>
+      </p:sp>
+    </p:spTree>
+    <p:extLst>
+      <p:ext uri="{BB962C8B-B14F-4D97-AF65-F5344CB8AC3E}">
+        <p14:creationId xmlns:p14="http://schemas.microsoft.com/office/powerpoint/2010/main" val="3393078808"/>
       </p:ext>
     </p:extLst>
   </p:cSld>
@@ -3059,64 +5125,71 @@
             <p:ph type="title"/>
           </p:nvPr>
         </p:nvSpPr>
-        <p:spPr/>
-        <p:txBody>
-          <a:bodyPr/>
-          <a:lstStyle/>
-          <a:p>
-            <a:r>
-              <a:rPr lang="en-US" smtClean="0"/>
-              <a:t>Click to edit Master title style</a:t>
-            </a:r>
-            <a:endParaRPr lang="en-US"/>
-          </a:p>
-        </p:txBody>
-      </p:sp>
-      <p:sp>
-        <p:nvSpPr>
-          <p:cNvPr id="3" name="Content Placeholder 2"/>
-          <p:cNvSpPr>
-            <a:spLocks noGrp="1"/>
-          </p:cNvSpPr>
-          <p:nvPr>
-            <p:ph sz="half" idx="1"/>
-          </p:nvPr>
-        </p:nvSpPr>
         <p:spPr>
           <a:xfrm>
-            <a:off x="457200" y="1600200"/>
-            <a:ext cx="4038600" cy="4525963"/>
+            <a:off x="609600" y="609600"/>
+            <a:ext cx="6347714" cy="1320800"/>
           </a:xfrm>
         </p:spPr>
         <p:txBody>
           <a:bodyPr/>
+          <a:lstStyle/>
+          <a:p>
+            <a:r>
+              <a:rPr lang="en-US" smtClean="0"/>
+              <a:t>Click to edit Master title style</a:t>
+            </a:r>
+            <a:endParaRPr lang="en-US" dirty="0"/>
+          </a:p>
+        </p:txBody>
+      </p:sp>
+      <p:sp>
+        <p:nvSpPr>
+          <p:cNvPr id="3" name="Content Placeholder 2"/>
+          <p:cNvSpPr>
+            <a:spLocks noGrp="1"/>
+          </p:cNvSpPr>
+          <p:nvPr>
+            <p:ph sz="half" idx="1"/>
+          </p:nvPr>
+        </p:nvSpPr>
+        <p:spPr>
+          <a:xfrm>
+            <a:off x="609600" y="2160589"/>
+            <a:ext cx="3088109" cy="3880772"/>
+          </a:xfrm>
+        </p:spPr>
+        <p:txBody>
+          <a:bodyPr>
+            <a:normAutofit/>
+          </a:bodyPr>
           <a:lstStyle>
             <a:lvl1pPr>
-              <a:defRPr sz="2800"/>
+              <a:defRPr sz="1800"/>
             </a:lvl1pPr>
             <a:lvl2pPr>
-              <a:defRPr sz="2400"/>
+              <a:defRPr sz="1600"/>
             </a:lvl2pPr>
             <a:lvl3pPr>
-              <a:defRPr sz="2000"/>
+              <a:defRPr sz="1400"/>
             </a:lvl3pPr>
             <a:lvl4pPr>
-              <a:defRPr sz="1800"/>
+              <a:defRPr sz="1200"/>
             </a:lvl4pPr>
             <a:lvl5pPr>
-              <a:defRPr sz="1800"/>
+              <a:defRPr sz="1200"/>
             </a:lvl5pPr>
             <a:lvl6pPr>
-              <a:defRPr sz="1800"/>
+              <a:defRPr sz="1200"/>
             </a:lvl6pPr>
             <a:lvl7pPr>
-              <a:defRPr sz="1800"/>
+              <a:defRPr sz="1200"/>
             </a:lvl7pPr>
             <a:lvl8pPr>
-              <a:defRPr sz="1800"/>
+              <a:defRPr sz="1200"/>
             </a:lvl8pPr>
             <a:lvl9pPr>
-              <a:defRPr sz="1800"/>
+              <a:defRPr sz="1200"/>
             </a:lvl9pPr>
           </a:lstStyle>
           <a:p>
@@ -3153,7 +5226,7 @@
               <a:rPr lang="en-US" smtClean="0"/>
               <a:t>Fifth level</a:t>
             </a:r>
-            <a:endParaRPr lang="en-US"/>
+            <a:endParaRPr lang="en-US" dirty="0"/>
           </a:p>
         </p:txBody>
       </p:sp>
@@ -3169,39 +5242,41 @@
         </p:nvSpPr>
         <p:spPr>
           <a:xfrm>
-            <a:off x="4648200" y="1600200"/>
-            <a:ext cx="4038600" cy="4525963"/>
+            <a:off x="3869204" y="2160590"/>
+            <a:ext cx="3088110" cy="3880773"/>
           </a:xfrm>
         </p:spPr>
         <p:txBody>
-          <a:bodyPr/>
+          <a:bodyPr>
+            <a:normAutofit/>
+          </a:bodyPr>
           <a:lstStyle>
             <a:lvl1pPr>
-              <a:defRPr sz="2800"/>
+              <a:defRPr sz="1800"/>
             </a:lvl1pPr>
             <a:lvl2pPr>
-              <a:defRPr sz="2400"/>
+              <a:defRPr sz="1600"/>
             </a:lvl2pPr>
             <a:lvl3pPr>
-              <a:defRPr sz="2000"/>
+              <a:defRPr sz="1400"/>
             </a:lvl3pPr>
             <a:lvl4pPr>
-              <a:defRPr sz="1800"/>
+              <a:defRPr sz="1200"/>
             </a:lvl4pPr>
             <a:lvl5pPr>
-              <a:defRPr sz="1800"/>
+              <a:defRPr sz="1200"/>
             </a:lvl5pPr>
             <a:lvl6pPr>
-              <a:defRPr sz="1800"/>
+              <a:defRPr sz="1200"/>
             </a:lvl6pPr>
             <a:lvl7pPr>
-              <a:defRPr sz="1800"/>
+              <a:defRPr sz="1200"/>
             </a:lvl7pPr>
             <a:lvl8pPr>
-              <a:defRPr sz="1800"/>
+              <a:defRPr sz="1200"/>
             </a:lvl8pPr>
             <a:lvl9pPr>
-              <a:defRPr sz="1800"/>
+              <a:defRPr sz="1200"/>
             </a:lvl9pPr>
           </a:lstStyle>
           <a:p>
@@ -3238,7 +5313,7 @@
               <a:rPr lang="en-US" smtClean="0"/>
               <a:t>Fifth level</a:t>
             </a:r>
-            <a:endParaRPr lang="en-US"/>
+            <a:endParaRPr lang="en-US" dirty="0"/>
           </a:p>
         </p:txBody>
       </p:sp>
@@ -3310,7 +5385,7 @@
     </p:spTree>
     <p:extLst>
       <p:ext uri="{BB962C8B-B14F-4D97-AF65-F5344CB8AC3E}">
-        <p14:creationId xmlns:p14="http://schemas.microsoft.com/office/powerpoint/2010/main" val="3953909163"/>
+        <p14:creationId xmlns:p14="http://schemas.microsoft.com/office/powerpoint/2010/main" val="1690987752"/>
       </p:ext>
     </p:extLst>
   </p:cSld>
@@ -3347,7 +5422,12 @@
             <p:ph type="title"/>
           </p:nvPr>
         </p:nvSpPr>
-        <p:spPr/>
+        <p:spPr>
+          <a:xfrm>
+            <a:off x="609599" y="609600"/>
+            <a:ext cx="6347713" cy="1320800"/>
+          </a:xfrm>
+        </p:spPr>
         <p:txBody>
           <a:bodyPr/>
           <a:lstStyle>
@@ -3360,7 +5440,7 @@
               <a:rPr lang="en-US" smtClean="0"/>
               <a:t>Click to edit Master title style</a:t>
             </a:r>
-            <a:endParaRPr lang="en-US"/>
+            <a:endParaRPr lang="en-US" dirty="0"/>
           </a:p>
         </p:txBody>
       </p:sp>
@@ -3376,16 +5456,18 @@
         </p:nvSpPr>
         <p:spPr>
           <a:xfrm>
-            <a:off x="457200" y="1535113"/>
-            <a:ext cx="4040188" cy="639762"/>
+            <a:off x="609599" y="2160983"/>
+            <a:ext cx="3090672" cy="576262"/>
           </a:xfrm>
         </p:spPr>
         <p:txBody>
-          <a:bodyPr anchor="b"/>
+          <a:bodyPr anchor="b">
+            <a:noAutofit/>
+          </a:bodyPr>
           <a:lstStyle>
             <a:lvl1pPr marL="0" indent="0">
               <a:buNone/>
-              <a:defRPr sz="2400" b="1"/>
+              <a:defRPr sz="2400" b="0"/>
             </a:lvl1pPr>
             <a:lvl2pPr marL="457200" indent="0">
               <a:buNone/>
@@ -3441,41 +5523,15 @@
         </p:nvSpPr>
         <p:spPr>
           <a:xfrm>
-            <a:off x="457200" y="2174875"/>
-            <a:ext cx="4040188" cy="3951288"/>
+            <a:off x="609599" y="2737246"/>
+            <a:ext cx="3090672" cy="3304117"/>
           </a:xfrm>
         </p:spPr>
         <p:txBody>
-          <a:bodyPr/>
-          <a:lstStyle>
-            <a:lvl1pPr>
-              <a:defRPr sz="2400"/>
-            </a:lvl1pPr>
-            <a:lvl2pPr>
-              <a:defRPr sz="2000"/>
-            </a:lvl2pPr>
-            <a:lvl3pPr>
-              <a:defRPr sz="1800"/>
-            </a:lvl3pPr>
-            <a:lvl4pPr>
-              <a:defRPr sz="1600"/>
-            </a:lvl4pPr>
-            <a:lvl5pPr>
-              <a:defRPr sz="1600"/>
-            </a:lvl5pPr>
-            <a:lvl6pPr>
-              <a:defRPr sz="1600"/>
-            </a:lvl6pPr>
-            <a:lvl7pPr>
-              <a:defRPr sz="1600"/>
-            </a:lvl7pPr>
-            <a:lvl8pPr>
-              <a:defRPr sz="1600"/>
-            </a:lvl8pPr>
-            <a:lvl9pPr>
-              <a:defRPr sz="1600"/>
-            </a:lvl9pPr>
-          </a:lstStyle>
+          <a:bodyPr>
+            <a:normAutofit/>
+          </a:bodyPr>
+          <a:lstStyle/>
           <a:p>
             <a:pPr lvl="0"/>
             <a:r>
@@ -3510,7 +5566,7 @@
               <a:rPr lang="en-US" smtClean="0"/>
               <a:t>Fifth level</a:t>
             </a:r>
-            <a:endParaRPr lang="en-US"/>
+            <a:endParaRPr lang="en-US" dirty="0"/>
           </a:p>
         </p:txBody>
       </p:sp>
@@ -3526,16 +5582,18 @@
         </p:nvSpPr>
         <p:spPr>
           <a:xfrm>
-            <a:off x="4645025" y="1535113"/>
-            <a:ext cx="4041775" cy="639762"/>
+            <a:off x="3866640" y="2160983"/>
+            <a:ext cx="3090672" cy="576262"/>
           </a:xfrm>
         </p:spPr>
         <p:txBody>
-          <a:bodyPr anchor="b"/>
+          <a:bodyPr anchor="b">
+            <a:noAutofit/>
+          </a:bodyPr>
           <a:lstStyle>
             <a:lvl1pPr marL="0" indent="0">
               <a:buNone/>
-              <a:defRPr sz="2400" b="1"/>
+              <a:defRPr sz="2400" b="0"/>
             </a:lvl1pPr>
             <a:lvl2pPr marL="457200" indent="0">
               <a:buNone/>
@@ -3591,41 +5649,15 @@
         </p:nvSpPr>
         <p:spPr>
           <a:xfrm>
-            <a:off x="4645025" y="2174875"/>
-            <a:ext cx="4041775" cy="3951288"/>
+            <a:off x="3866640" y="2737246"/>
+            <a:ext cx="3090672" cy="3304117"/>
           </a:xfrm>
         </p:spPr>
         <p:txBody>
-          <a:bodyPr/>
-          <a:lstStyle>
-            <a:lvl1pPr>
-              <a:defRPr sz="2400"/>
-            </a:lvl1pPr>
-            <a:lvl2pPr>
-              <a:defRPr sz="2000"/>
-            </a:lvl2pPr>
-            <a:lvl3pPr>
-              <a:defRPr sz="1800"/>
-            </a:lvl3pPr>
-            <a:lvl4pPr>
-              <a:defRPr sz="1600"/>
-            </a:lvl4pPr>
-            <a:lvl5pPr>
-              <a:defRPr sz="1600"/>
-            </a:lvl5pPr>
-            <a:lvl6pPr>
-              <a:defRPr sz="1600"/>
-            </a:lvl6pPr>
-            <a:lvl7pPr>
-              <a:defRPr sz="1600"/>
-            </a:lvl7pPr>
-            <a:lvl8pPr>
-              <a:defRPr sz="1600"/>
-            </a:lvl8pPr>
-            <a:lvl9pPr>
-              <a:defRPr sz="1600"/>
-            </a:lvl9pPr>
-          </a:lstStyle>
+          <a:bodyPr>
+            <a:normAutofit/>
+          </a:bodyPr>
+          <a:lstStyle/>
           <a:p>
             <a:pPr lvl="0"/>
             <a:r>
@@ -3660,7 +5692,7 @@
               <a:rPr lang="en-US" smtClean="0"/>
               <a:t>Fifth level</a:t>
             </a:r>
-            <a:endParaRPr lang="en-US"/>
+            <a:endParaRPr lang="en-US" dirty="0"/>
           </a:p>
         </p:txBody>
       </p:sp>
@@ -3732,7 +5764,7 @@
     </p:spTree>
     <p:extLst>
       <p:ext uri="{BB962C8B-B14F-4D97-AF65-F5344CB8AC3E}">
-        <p14:creationId xmlns:p14="http://schemas.microsoft.com/office/powerpoint/2010/main" val="832632054"/>
+        <p14:creationId xmlns:p14="http://schemas.microsoft.com/office/powerpoint/2010/main" val="2050564198"/>
       </p:ext>
     </p:extLst>
   </p:cSld>
@@ -3769,7 +5801,12 @@
             <p:ph type="title"/>
           </p:nvPr>
         </p:nvSpPr>
-        <p:spPr/>
+        <p:spPr>
+          <a:xfrm>
+            <a:off x="609599" y="609600"/>
+            <a:ext cx="6347714" cy="1320800"/>
+          </a:xfrm>
+        </p:spPr>
         <p:txBody>
           <a:bodyPr/>
           <a:lstStyle/>
@@ -3778,7 +5815,7 @@
               <a:rPr lang="en-US" smtClean="0"/>
               <a:t>Click to edit Master title style</a:t>
             </a:r>
-            <a:endParaRPr lang="en-US"/>
+            <a:endParaRPr lang="en-US" dirty="0"/>
           </a:p>
         </p:txBody>
       </p:sp>
@@ -3850,7 +5887,7 @@
     </p:spTree>
     <p:extLst>
       <p:ext uri="{BB962C8B-B14F-4D97-AF65-F5344CB8AC3E}">
-        <p14:creationId xmlns:p14="http://schemas.microsoft.com/office/powerpoint/2010/main" val="4048068793"/>
+        <p14:creationId xmlns:p14="http://schemas.microsoft.com/office/powerpoint/2010/main" val="3962826369"/>
       </p:ext>
     </p:extLst>
   </p:cSld>
@@ -3945,7 +5982,7 @@
     </p:spTree>
     <p:extLst>
       <p:ext uri="{BB962C8B-B14F-4D97-AF65-F5344CB8AC3E}">
-        <p14:creationId xmlns:p14="http://schemas.microsoft.com/office/powerpoint/2010/main" val="3370351766"/>
+        <p14:creationId xmlns:p14="http://schemas.microsoft.com/office/powerpoint/2010/main" val="1188474860"/>
       </p:ext>
     </p:extLst>
   </p:cSld>
@@ -3984,15 +6021,17 @@
         </p:nvSpPr>
         <p:spPr>
           <a:xfrm>
-            <a:off x="457200" y="273050"/>
-            <a:ext cx="3008313" cy="1162050"/>
+            <a:off x="609599" y="1498604"/>
+            <a:ext cx="2790182" cy="1278466"/>
           </a:xfrm>
         </p:spPr>
         <p:txBody>
-          <a:bodyPr anchor="b"/>
+          <a:bodyPr anchor="b">
+            <a:normAutofit/>
+          </a:bodyPr>
           <a:lstStyle>
-            <a:lvl1pPr algn="l">
-              <a:defRPr sz="2000" b="1"/>
+            <a:lvl1pPr>
+              <a:defRPr sz="2000"/>
             </a:lvl1pPr>
           </a:lstStyle>
           <a:p>
@@ -4000,7 +6039,7 @@
               <a:rPr lang="en-US" smtClean="0"/>
               <a:t>Click to edit Master title style</a:t>
             </a:r>
-            <a:endParaRPr lang="en-US"/>
+            <a:endParaRPr lang="en-US" dirty="0"/>
           </a:p>
         </p:txBody>
       </p:sp>
@@ -4016,41 +6055,15 @@
         </p:nvSpPr>
         <p:spPr>
           <a:xfrm>
-            <a:off x="3575050" y="273050"/>
-            <a:ext cx="5111750" cy="5853113"/>
+            <a:off x="3571275" y="514925"/>
+            <a:ext cx="3386037" cy="5526437"/>
           </a:xfrm>
         </p:spPr>
         <p:txBody>
-          <a:bodyPr/>
-          <a:lstStyle>
-            <a:lvl1pPr>
-              <a:defRPr sz="3200"/>
-            </a:lvl1pPr>
-            <a:lvl2pPr>
-              <a:defRPr sz="2800"/>
-            </a:lvl2pPr>
-            <a:lvl3pPr>
-              <a:defRPr sz="2400"/>
-            </a:lvl3pPr>
-            <a:lvl4pPr>
-              <a:defRPr sz="2000"/>
-            </a:lvl4pPr>
-            <a:lvl5pPr>
-              <a:defRPr sz="2000"/>
-            </a:lvl5pPr>
-            <a:lvl6pPr>
-              <a:defRPr sz="2000"/>
-            </a:lvl6pPr>
-            <a:lvl7pPr>
-              <a:defRPr sz="2000"/>
-            </a:lvl7pPr>
-            <a:lvl8pPr>
-              <a:defRPr sz="2000"/>
-            </a:lvl8pPr>
-            <a:lvl9pPr>
-              <a:defRPr sz="2000"/>
-            </a:lvl9pPr>
-          </a:lstStyle>
+          <a:bodyPr>
+            <a:normAutofit/>
+          </a:bodyPr>
+          <a:lstStyle/>
           <a:p>
             <a:pPr lvl="0"/>
             <a:r>
@@ -4085,7 +6098,7 @@
               <a:rPr lang="en-US" smtClean="0"/>
               <a:t>Fifth level</a:t>
             </a:r>
-            <a:endParaRPr lang="en-US"/>
+            <a:endParaRPr lang="en-US" dirty="0"/>
           </a:p>
         </p:txBody>
       </p:sp>
@@ -4101,16 +6114,281 @@
         </p:nvSpPr>
         <p:spPr>
           <a:xfrm>
-            <a:off x="457200" y="1435100"/>
-            <a:ext cx="3008313" cy="4691063"/>
+            <a:off x="609599" y="2777069"/>
+            <a:ext cx="2790182" cy="2584449"/>
           </a:xfrm>
         </p:spPr>
         <p:txBody>
-          <a:bodyPr/>
+          <a:bodyPr>
+            <a:normAutofit/>
+          </a:bodyPr>
           <a:lstStyle>
             <a:lvl1pPr marL="0" indent="0">
               <a:buNone/>
               <a:defRPr sz="1400"/>
+            </a:lvl1pPr>
+            <a:lvl2pPr marL="342900" indent="0">
+              <a:buNone/>
+              <a:defRPr sz="1050"/>
+            </a:lvl2pPr>
+            <a:lvl3pPr marL="685800" indent="0">
+              <a:buNone/>
+              <a:defRPr sz="900"/>
+            </a:lvl3pPr>
+            <a:lvl4pPr marL="1028700" indent="0">
+              <a:buNone/>
+              <a:defRPr sz="750"/>
+            </a:lvl4pPr>
+            <a:lvl5pPr marL="1371600" indent="0">
+              <a:buNone/>
+              <a:defRPr sz="750"/>
+            </a:lvl5pPr>
+            <a:lvl6pPr marL="1714500" indent="0">
+              <a:buNone/>
+              <a:defRPr sz="750"/>
+            </a:lvl6pPr>
+            <a:lvl7pPr marL="2057400" indent="0">
+              <a:buNone/>
+              <a:defRPr sz="750"/>
+            </a:lvl7pPr>
+            <a:lvl8pPr marL="2400300" indent="0">
+              <a:buNone/>
+              <a:defRPr sz="750"/>
+            </a:lvl8pPr>
+            <a:lvl9pPr marL="2743200" indent="0">
+              <a:buNone/>
+              <a:defRPr sz="750"/>
+            </a:lvl9pPr>
+          </a:lstStyle>
+          <a:p>
+            <a:pPr lvl="0"/>
+            <a:r>
+              <a:rPr lang="en-US" smtClean="0"/>
+              <a:t>Click to edit Master text styles</a:t>
+            </a:r>
+          </a:p>
+        </p:txBody>
+      </p:sp>
+      <p:sp>
+        <p:nvSpPr>
+          <p:cNvPr id="5" name="Date Placeholder 4"/>
+          <p:cNvSpPr>
+            <a:spLocks noGrp="1"/>
+          </p:cNvSpPr>
+          <p:nvPr>
+            <p:ph type="dt" sz="half" idx="10"/>
+          </p:nvPr>
+        </p:nvSpPr>
+        <p:spPr/>
+        <p:txBody>
+          <a:bodyPr/>
+          <a:lstStyle/>
+          <a:p>
+            <a:fld id="{D80F15CD-07AA-4BE5-9799-99D1952EFDC8}" type="datetimeFigureOut">
+              <a:rPr lang="en-US" smtClean="0"/>
+              <a:t>12/12/2013</a:t>
+            </a:fld>
+            <a:endParaRPr lang="en-US"/>
+          </a:p>
+        </p:txBody>
+      </p:sp>
+      <p:sp>
+        <p:nvSpPr>
+          <p:cNvPr id="6" name="Footer Placeholder 5"/>
+          <p:cNvSpPr>
+            <a:spLocks noGrp="1"/>
+          </p:cNvSpPr>
+          <p:nvPr>
+            <p:ph type="ftr" sz="quarter" idx="11"/>
+          </p:nvPr>
+        </p:nvSpPr>
+        <p:spPr/>
+        <p:txBody>
+          <a:bodyPr/>
+          <a:lstStyle/>
+          <a:p>
+            <a:endParaRPr lang="en-US"/>
+          </a:p>
+        </p:txBody>
+      </p:sp>
+      <p:sp>
+        <p:nvSpPr>
+          <p:cNvPr id="7" name="Slide Number Placeholder 6"/>
+          <p:cNvSpPr>
+            <a:spLocks noGrp="1"/>
+          </p:cNvSpPr>
+          <p:nvPr>
+            <p:ph type="sldNum" sz="quarter" idx="12"/>
+          </p:nvPr>
+        </p:nvSpPr>
+        <p:spPr/>
+        <p:txBody>
+          <a:bodyPr/>
+          <a:lstStyle/>
+          <a:p>
+            <a:fld id="{A54C03E4-6899-4A0B-AE81-7CBF51046422}" type="slidenum">
+              <a:rPr lang="en-US" smtClean="0"/>
+              <a:t>‹#›</a:t>
+            </a:fld>
+            <a:endParaRPr lang="en-US"/>
+          </a:p>
+        </p:txBody>
+      </p:sp>
+    </p:spTree>
+    <p:extLst>
+      <p:ext uri="{BB962C8B-B14F-4D97-AF65-F5344CB8AC3E}">
+        <p14:creationId xmlns:p14="http://schemas.microsoft.com/office/powerpoint/2010/main" val="1789184627"/>
+      </p:ext>
+    </p:extLst>
+  </p:cSld>
+  <p:clrMapOvr>
+    <a:masterClrMapping/>
+  </p:clrMapOvr>
+</p:sldLayout>
+</file>
+
+<file path=ppt/slideLayouts/slideLayout9.xml><?xml version="1.0" encoding="utf-8"?>
+<p:sldLayout xmlns:a="http://schemas.openxmlformats.org/drawingml/2006/main" xmlns:r="http://schemas.openxmlformats.org/officeDocument/2006/relationships" xmlns:p="http://schemas.openxmlformats.org/presentationml/2006/main" type="picTx" preserve="1">
+  <p:cSld name="Picture with Caption">
+    <p:spTree>
+      <p:nvGrpSpPr>
+        <p:cNvPr id="1" name=""/>
+        <p:cNvGrpSpPr/>
+        <p:nvPr/>
+      </p:nvGrpSpPr>
+      <p:grpSpPr>
+        <a:xfrm>
+          <a:off x="0" y="0"/>
+          <a:ext cx="0" cy="0"/>
+          <a:chOff x="0" y="0"/>
+          <a:chExt cx="0" cy="0"/>
+        </a:xfrm>
+      </p:grpSpPr>
+      <p:sp>
+        <p:nvSpPr>
+          <p:cNvPr id="2" name="Title 1"/>
+          <p:cNvSpPr>
+            <a:spLocks noGrp="1"/>
+          </p:cNvSpPr>
+          <p:nvPr>
+            <p:ph type="title"/>
+          </p:nvPr>
+        </p:nvSpPr>
+        <p:spPr>
+          <a:xfrm>
+            <a:off x="609599" y="4800600"/>
+            <a:ext cx="6347714" cy="566738"/>
+          </a:xfrm>
+        </p:spPr>
+        <p:txBody>
+          <a:bodyPr anchor="b">
+            <a:normAutofit/>
+          </a:bodyPr>
+          <a:lstStyle>
+            <a:lvl1pPr algn="l">
+              <a:defRPr sz="2400" b="0"/>
+            </a:lvl1pPr>
+          </a:lstStyle>
+          <a:p>
+            <a:r>
+              <a:rPr lang="en-US" smtClean="0"/>
+              <a:t>Click to edit Master title style</a:t>
+            </a:r>
+            <a:endParaRPr lang="en-US" dirty="0"/>
+          </a:p>
+        </p:txBody>
+      </p:sp>
+      <p:sp>
+        <p:nvSpPr>
+          <p:cNvPr id="3" name="Picture Placeholder 2"/>
+          <p:cNvSpPr>
+            <a:spLocks noGrp="1" noChangeAspect="1"/>
+          </p:cNvSpPr>
+          <p:nvPr>
+            <p:ph type="pic" idx="1"/>
+          </p:nvPr>
+        </p:nvSpPr>
+        <p:spPr>
+          <a:xfrm>
+            <a:off x="609599" y="609600"/>
+            <a:ext cx="6347714" cy="3845718"/>
+          </a:xfrm>
+        </p:spPr>
+        <p:txBody>
+          <a:bodyPr anchor="t">
+            <a:normAutofit/>
+          </a:bodyPr>
+          <a:lstStyle>
+            <a:lvl1pPr marL="0" indent="0" algn="ctr">
+              <a:buNone/>
+              <a:defRPr sz="1600"/>
+            </a:lvl1pPr>
+            <a:lvl2pPr marL="457200" indent="0">
+              <a:buNone/>
+              <a:defRPr sz="1600"/>
+            </a:lvl2pPr>
+            <a:lvl3pPr marL="914400" indent="0">
+              <a:buNone/>
+              <a:defRPr sz="1600"/>
+            </a:lvl3pPr>
+            <a:lvl4pPr marL="1371600" indent="0">
+              <a:buNone/>
+              <a:defRPr sz="1600"/>
+            </a:lvl4pPr>
+            <a:lvl5pPr marL="1828800" indent="0">
+              <a:buNone/>
+              <a:defRPr sz="1600"/>
+            </a:lvl5pPr>
+            <a:lvl6pPr marL="2286000" indent="0">
+              <a:buNone/>
+              <a:defRPr sz="1600"/>
+            </a:lvl6pPr>
+            <a:lvl7pPr marL="2743200" indent="0">
+              <a:buNone/>
+              <a:defRPr sz="1600"/>
+            </a:lvl7pPr>
+            <a:lvl8pPr marL="3200400" indent="0">
+              <a:buNone/>
+              <a:defRPr sz="1600"/>
+            </a:lvl8pPr>
+            <a:lvl9pPr marL="3657600" indent="0">
+              <a:buNone/>
+              <a:defRPr sz="1600"/>
+            </a:lvl9pPr>
+          </a:lstStyle>
+          <a:p>
+            <a:r>
+              <a:rPr lang="en-US" smtClean="0"/>
+              <a:t>Click icon to add picture</a:t>
+            </a:r>
+            <a:endParaRPr lang="en-US" dirty="0"/>
+          </a:p>
+        </p:txBody>
+      </p:sp>
+      <p:sp>
+        <p:nvSpPr>
+          <p:cNvPr id="4" name="Text Placeholder 3"/>
+          <p:cNvSpPr>
+            <a:spLocks noGrp="1"/>
+          </p:cNvSpPr>
+          <p:nvPr>
+            <p:ph type="body" sz="half" idx="2"/>
+          </p:nvPr>
+        </p:nvSpPr>
+        <p:spPr>
+          <a:xfrm>
+            <a:off x="609599" y="5367338"/>
+            <a:ext cx="6347714" cy="674024"/>
+          </a:xfrm>
+        </p:spPr>
+        <p:txBody>
+          <a:bodyPr>
+            <a:normAutofit/>
+          </a:bodyPr>
+          <a:lstStyle>
+            <a:lvl1pPr marL="0" indent="0">
+              <a:buNone/>
+              <a:defRPr sz="1200"/>
             </a:lvl1pPr>
             <a:lvl2pPr marL="457200" indent="0">
               <a:buNone/>
@@ -4222,260 +6500,7 @@
     </p:spTree>
     <p:extLst>
       <p:ext uri="{BB962C8B-B14F-4D97-AF65-F5344CB8AC3E}">
-        <p14:creationId xmlns:p14="http://schemas.microsoft.com/office/powerpoint/2010/main" val="1353261213"/>
-      </p:ext>
-    </p:extLst>
-  </p:cSld>
-  <p:clrMapOvr>
-    <a:masterClrMapping/>
-  </p:clrMapOvr>
-</p:sldLayout>
-</file>
-
-<file path=ppt/slideLayouts/slideLayout9.xml><?xml version="1.0" encoding="utf-8"?>
-<p:sldLayout xmlns:a="http://schemas.openxmlformats.org/drawingml/2006/main" xmlns:r="http://schemas.openxmlformats.org/officeDocument/2006/relationships" xmlns:p="http://schemas.openxmlformats.org/presentationml/2006/main" type="picTx" preserve="1">
-  <p:cSld name="Picture with Caption">
-    <p:spTree>
-      <p:nvGrpSpPr>
-        <p:cNvPr id="1" name=""/>
-        <p:cNvGrpSpPr/>
-        <p:nvPr/>
-      </p:nvGrpSpPr>
-      <p:grpSpPr>
-        <a:xfrm>
-          <a:off x="0" y="0"/>
-          <a:ext cx="0" cy="0"/>
-          <a:chOff x="0" y="0"/>
-          <a:chExt cx="0" cy="0"/>
-        </a:xfrm>
-      </p:grpSpPr>
-      <p:sp>
-        <p:nvSpPr>
-          <p:cNvPr id="2" name="Title 1"/>
-          <p:cNvSpPr>
-            <a:spLocks noGrp="1"/>
-          </p:cNvSpPr>
-          <p:nvPr>
-            <p:ph type="title"/>
-          </p:nvPr>
-        </p:nvSpPr>
-        <p:spPr>
-          <a:xfrm>
-            <a:off x="1792288" y="4800600"/>
-            <a:ext cx="5486400" cy="566738"/>
-          </a:xfrm>
-        </p:spPr>
-        <p:txBody>
-          <a:bodyPr anchor="b"/>
-          <a:lstStyle>
-            <a:lvl1pPr algn="l">
-              <a:defRPr sz="2000" b="1"/>
-            </a:lvl1pPr>
-          </a:lstStyle>
-          <a:p>
-            <a:r>
-              <a:rPr lang="en-US" smtClean="0"/>
-              <a:t>Click to edit Master title style</a:t>
-            </a:r>
-            <a:endParaRPr lang="en-US"/>
-          </a:p>
-        </p:txBody>
-      </p:sp>
-      <p:sp>
-        <p:nvSpPr>
-          <p:cNvPr id="3" name="Picture Placeholder 2"/>
-          <p:cNvSpPr>
-            <a:spLocks noGrp="1"/>
-          </p:cNvSpPr>
-          <p:nvPr>
-            <p:ph type="pic" idx="1"/>
-          </p:nvPr>
-        </p:nvSpPr>
-        <p:spPr>
-          <a:xfrm>
-            <a:off x="1792288" y="612775"/>
-            <a:ext cx="5486400" cy="4114800"/>
-          </a:xfrm>
-        </p:spPr>
-        <p:txBody>
-          <a:bodyPr/>
-          <a:lstStyle>
-            <a:lvl1pPr marL="0" indent="0">
-              <a:buNone/>
-              <a:defRPr sz="3200"/>
-            </a:lvl1pPr>
-            <a:lvl2pPr marL="457200" indent="0">
-              <a:buNone/>
-              <a:defRPr sz="2800"/>
-            </a:lvl2pPr>
-            <a:lvl3pPr marL="914400" indent="0">
-              <a:buNone/>
-              <a:defRPr sz="2400"/>
-            </a:lvl3pPr>
-            <a:lvl4pPr marL="1371600" indent="0">
-              <a:buNone/>
-              <a:defRPr sz="2000"/>
-            </a:lvl4pPr>
-            <a:lvl5pPr marL="1828800" indent="0">
-              <a:buNone/>
-              <a:defRPr sz="2000"/>
-            </a:lvl5pPr>
-            <a:lvl6pPr marL="2286000" indent="0">
-              <a:buNone/>
-              <a:defRPr sz="2000"/>
-            </a:lvl6pPr>
-            <a:lvl7pPr marL="2743200" indent="0">
-              <a:buNone/>
-              <a:defRPr sz="2000"/>
-            </a:lvl7pPr>
-            <a:lvl8pPr marL="3200400" indent="0">
-              <a:buNone/>
-              <a:defRPr sz="2000"/>
-            </a:lvl8pPr>
-            <a:lvl9pPr marL="3657600" indent="0">
-              <a:buNone/>
-              <a:defRPr sz="2000"/>
-            </a:lvl9pPr>
-          </a:lstStyle>
-          <a:p>
-            <a:endParaRPr lang="en-US"/>
-          </a:p>
-        </p:txBody>
-      </p:sp>
-      <p:sp>
-        <p:nvSpPr>
-          <p:cNvPr id="4" name="Text Placeholder 3"/>
-          <p:cNvSpPr>
-            <a:spLocks noGrp="1"/>
-          </p:cNvSpPr>
-          <p:nvPr>
-            <p:ph type="body" sz="half" idx="2"/>
-          </p:nvPr>
-        </p:nvSpPr>
-        <p:spPr>
-          <a:xfrm>
-            <a:off x="1792288" y="5367338"/>
-            <a:ext cx="5486400" cy="804862"/>
-          </a:xfrm>
-        </p:spPr>
-        <p:txBody>
-          <a:bodyPr/>
-          <a:lstStyle>
-            <a:lvl1pPr marL="0" indent="0">
-              <a:buNone/>
-              <a:defRPr sz="1400"/>
-            </a:lvl1pPr>
-            <a:lvl2pPr marL="457200" indent="0">
-              <a:buNone/>
-              <a:defRPr sz="1200"/>
-            </a:lvl2pPr>
-            <a:lvl3pPr marL="914400" indent="0">
-              <a:buNone/>
-              <a:defRPr sz="1000"/>
-            </a:lvl3pPr>
-            <a:lvl4pPr marL="1371600" indent="0">
-              <a:buNone/>
-              <a:defRPr sz="900"/>
-            </a:lvl4pPr>
-            <a:lvl5pPr marL="1828800" indent="0">
-              <a:buNone/>
-              <a:defRPr sz="900"/>
-            </a:lvl5pPr>
-            <a:lvl6pPr marL="2286000" indent="0">
-              <a:buNone/>
-              <a:defRPr sz="900"/>
-            </a:lvl6pPr>
-            <a:lvl7pPr marL="2743200" indent="0">
-              <a:buNone/>
-              <a:defRPr sz="900"/>
-            </a:lvl7pPr>
-            <a:lvl8pPr marL="3200400" indent="0">
-              <a:buNone/>
-              <a:defRPr sz="900"/>
-            </a:lvl8pPr>
-            <a:lvl9pPr marL="3657600" indent="0">
-              <a:buNone/>
-              <a:defRPr sz="900"/>
-            </a:lvl9pPr>
-          </a:lstStyle>
-          <a:p>
-            <a:pPr lvl="0"/>
-            <a:r>
-              <a:rPr lang="en-US" smtClean="0"/>
-              <a:t>Click to edit Master text styles</a:t>
-            </a:r>
-          </a:p>
-        </p:txBody>
-      </p:sp>
-      <p:sp>
-        <p:nvSpPr>
-          <p:cNvPr id="5" name="Date Placeholder 4"/>
-          <p:cNvSpPr>
-            <a:spLocks noGrp="1"/>
-          </p:cNvSpPr>
-          <p:nvPr>
-            <p:ph type="dt" sz="half" idx="10"/>
-          </p:nvPr>
-        </p:nvSpPr>
-        <p:spPr/>
-        <p:txBody>
-          <a:bodyPr/>
-          <a:lstStyle/>
-          <a:p>
-            <a:fld id="{D80F15CD-07AA-4BE5-9799-99D1952EFDC8}" type="datetimeFigureOut">
-              <a:rPr lang="en-US" smtClean="0"/>
-              <a:t>12/12/2013</a:t>
-            </a:fld>
-            <a:endParaRPr lang="en-US"/>
-          </a:p>
-        </p:txBody>
-      </p:sp>
-      <p:sp>
-        <p:nvSpPr>
-          <p:cNvPr id="6" name="Footer Placeholder 5"/>
-          <p:cNvSpPr>
-            <a:spLocks noGrp="1"/>
-          </p:cNvSpPr>
-          <p:nvPr>
-            <p:ph type="ftr" sz="quarter" idx="11"/>
-          </p:nvPr>
-        </p:nvSpPr>
-        <p:spPr/>
-        <p:txBody>
-          <a:bodyPr/>
-          <a:lstStyle/>
-          <a:p>
-            <a:endParaRPr lang="en-US"/>
-          </a:p>
-        </p:txBody>
-      </p:sp>
-      <p:sp>
-        <p:nvSpPr>
-          <p:cNvPr id="7" name="Slide Number Placeholder 6"/>
-          <p:cNvSpPr>
-            <a:spLocks noGrp="1"/>
-          </p:cNvSpPr>
-          <p:nvPr>
-            <p:ph type="sldNum" sz="quarter" idx="12"/>
-          </p:nvPr>
-        </p:nvSpPr>
-        <p:spPr/>
-        <p:txBody>
-          <a:bodyPr/>
-          <a:lstStyle/>
-          <a:p>
-            <a:fld id="{A54C03E4-6899-4A0B-AE81-7CBF51046422}" type="slidenum">
-              <a:rPr lang="en-US" smtClean="0"/>
-              <a:t>‹#›</a:t>
-            </a:fld>
-            <a:endParaRPr lang="en-US"/>
-          </a:p>
-        </p:txBody>
-      </p:sp>
-    </p:spTree>
-    <p:extLst>
-      <p:ext uri="{BB962C8B-B14F-4D97-AF65-F5344CB8AC3E}">
-        <p14:creationId xmlns:p14="http://schemas.microsoft.com/office/powerpoint/2010/main" val="63973686"/>
+        <p14:creationId xmlns:p14="http://schemas.microsoft.com/office/powerpoint/2010/main" val="2373051049"/>
       </p:ext>
     </p:extLst>
   </p:cSld>
@@ -4507,6 +6532,607 @@
           <a:chExt cx="0" cy="0"/>
         </a:xfrm>
       </p:grpSpPr>
+      <p:grpSp>
+        <p:nvGrpSpPr>
+          <p:cNvPr id="17" name="Group 16"/>
+          <p:cNvGrpSpPr/>
+          <p:nvPr/>
+        </p:nvGrpSpPr>
+        <p:grpSpPr>
+          <a:xfrm>
+            <a:off x="-8467" y="-8468"/>
+            <a:ext cx="9169805" cy="6874935"/>
+            <a:chOff x="-8467" y="-8468"/>
+            <a:chExt cx="9169805" cy="6874935"/>
+          </a:xfrm>
+        </p:grpSpPr>
+        <p:sp>
+          <p:nvSpPr>
+            <p:cNvPr id="7" name="Freeform 6"/>
+            <p:cNvSpPr/>
+            <p:nvPr/>
+          </p:nvSpPr>
+          <p:spPr>
+            <a:xfrm>
+              <a:off x="-8467" y="4013200"/>
+              <a:ext cx="457200" cy="2853267"/>
+            </a:xfrm>
+            <a:custGeom>
+              <a:avLst/>
+              <a:gdLst/>
+              <a:ahLst/>
+              <a:cxnLst/>
+              <a:rect l="l" t="t" r="r" b="b"/>
+              <a:pathLst>
+                <a:path w="457200" h="2853267">
+                  <a:moveTo>
+                    <a:pt x="0" y="0"/>
+                  </a:moveTo>
+                  <a:lnTo>
+                    <a:pt x="457200" y="2853267"/>
+                  </a:lnTo>
+                  <a:lnTo>
+                    <a:pt x="0" y="2844800"/>
+                  </a:lnTo>
+                  <a:cubicBezTo>
+                    <a:pt x="2822" y="1905000"/>
+                    <a:pt x="5645" y="965200"/>
+                    <a:pt x="0" y="0"/>
+                  </a:cubicBezTo>
+                  <a:close/>
+                </a:path>
+              </a:pathLst>
+            </a:custGeom>
+            <a:solidFill>
+              <a:schemeClr val="accent1">
+                <a:alpha val="85000"/>
+              </a:schemeClr>
+            </a:solidFill>
+            <a:ln>
+              <a:noFill/>
+            </a:ln>
+            <a:effectLst/>
+          </p:spPr>
+          <p:style>
+            <a:lnRef idx="1">
+              <a:schemeClr val="accent1"/>
+            </a:lnRef>
+            <a:fillRef idx="3">
+              <a:schemeClr val="accent1"/>
+            </a:fillRef>
+            <a:effectRef idx="2">
+              <a:schemeClr val="accent1"/>
+            </a:effectRef>
+            <a:fontRef idx="minor">
+              <a:schemeClr val="lt1"/>
+            </a:fontRef>
+          </p:style>
+        </p:sp>
+        <p:cxnSp>
+          <p:nvCxnSpPr>
+            <p:cNvPr id="8" name="Straight Connector 7"/>
+            <p:cNvCxnSpPr/>
+            <p:nvPr/>
+          </p:nvCxnSpPr>
+          <p:spPr>
+            <a:xfrm flipV="1">
+              <a:off x="5130830" y="4175605"/>
+              <a:ext cx="4022475" cy="2682396"/>
+            </a:xfrm>
+            <a:prstGeom prst="line">
+              <a:avLst/>
+            </a:prstGeom>
+            <a:ln w="9525">
+              <a:solidFill>
+                <a:schemeClr val="bg1">
+                  <a:lumMod val="85000"/>
+                </a:schemeClr>
+              </a:solidFill>
+            </a:ln>
+          </p:spPr>
+          <p:style>
+            <a:lnRef idx="2">
+              <a:schemeClr val="accent1"/>
+            </a:lnRef>
+            <a:fillRef idx="0">
+              <a:schemeClr val="accent1"/>
+            </a:fillRef>
+            <a:effectRef idx="1">
+              <a:schemeClr val="accent1"/>
+            </a:effectRef>
+            <a:fontRef idx="minor">
+              <a:schemeClr val="tx1"/>
+            </a:fontRef>
+          </p:style>
+        </p:cxnSp>
+        <p:cxnSp>
+          <p:nvCxnSpPr>
+            <p:cNvPr id="9" name="Straight Connector 8"/>
+            <p:cNvCxnSpPr/>
+            <p:nvPr/>
+          </p:nvCxnSpPr>
+          <p:spPr>
+            <a:xfrm>
+              <a:off x="7042707" y="0"/>
+              <a:ext cx="1219200" cy="6858000"/>
+            </a:xfrm>
+            <a:prstGeom prst="line">
+              <a:avLst/>
+            </a:prstGeom>
+            <a:ln w="9525">
+              <a:solidFill>
+                <a:schemeClr val="bg1">
+                  <a:lumMod val="75000"/>
+                </a:schemeClr>
+              </a:solidFill>
+            </a:ln>
+          </p:spPr>
+          <p:style>
+            <a:lnRef idx="2">
+              <a:schemeClr val="accent1"/>
+            </a:lnRef>
+            <a:fillRef idx="0">
+              <a:schemeClr val="accent1"/>
+            </a:fillRef>
+            <a:effectRef idx="1">
+              <a:schemeClr val="accent1"/>
+            </a:effectRef>
+            <a:fontRef idx="minor">
+              <a:schemeClr val="tx1"/>
+            </a:fontRef>
+          </p:style>
+        </p:cxnSp>
+        <p:sp>
+          <p:nvSpPr>
+            <p:cNvPr id="10" name="Freeform 9"/>
+            <p:cNvSpPr/>
+            <p:nvPr/>
+          </p:nvSpPr>
+          <p:spPr>
+            <a:xfrm>
+              <a:off x="6891896" y="1"/>
+              <a:ext cx="2269442" cy="6866466"/>
+            </a:xfrm>
+            <a:custGeom>
+              <a:avLst/>
+              <a:gdLst/>
+              <a:ahLst/>
+              <a:cxnLst/>
+              <a:rect l="l" t="t" r="r" b="b"/>
+              <a:pathLst>
+                <a:path w="2269442" h="6866466">
+                  <a:moveTo>
+                    <a:pt x="2023534" y="0"/>
+                  </a:moveTo>
+                  <a:lnTo>
+                    <a:pt x="0" y="6858000"/>
+                  </a:lnTo>
+                  <a:lnTo>
+                    <a:pt x="2269067" y="6866466"/>
+                  </a:lnTo>
+                  <a:cubicBezTo>
+                    <a:pt x="2271889" y="4580466"/>
+                    <a:pt x="2257778" y="2294466"/>
+                    <a:pt x="2260600" y="8466"/>
+                  </a:cubicBezTo>
+                  <a:lnTo>
+                    <a:pt x="2023534" y="0"/>
+                  </a:lnTo>
+                  <a:close/>
+                </a:path>
+              </a:pathLst>
+            </a:custGeom>
+            <a:solidFill>
+              <a:schemeClr val="accent1">
+                <a:alpha val="30000"/>
+              </a:schemeClr>
+            </a:solidFill>
+            <a:ln>
+              <a:noFill/>
+            </a:ln>
+            <a:effectLst/>
+          </p:spPr>
+          <p:style>
+            <a:lnRef idx="1">
+              <a:schemeClr val="accent1"/>
+            </a:lnRef>
+            <a:fillRef idx="3">
+              <a:schemeClr val="accent1"/>
+            </a:fillRef>
+            <a:effectRef idx="2">
+              <a:schemeClr val="accent1"/>
+            </a:effectRef>
+            <a:fontRef idx="minor">
+              <a:schemeClr val="lt1"/>
+            </a:fontRef>
+          </p:style>
+        </p:sp>
+        <p:sp>
+          <p:nvSpPr>
+            <p:cNvPr id="11" name="Freeform 10"/>
+            <p:cNvSpPr/>
+            <p:nvPr/>
+          </p:nvSpPr>
+          <p:spPr>
+            <a:xfrm>
+              <a:off x="7205158" y="-8467"/>
+              <a:ext cx="1948147" cy="6866467"/>
+            </a:xfrm>
+            <a:custGeom>
+              <a:avLst/>
+              <a:gdLst/>
+              <a:ahLst/>
+              <a:cxnLst/>
+              <a:rect l="l" t="t" r="r" b="b"/>
+              <a:pathLst>
+                <a:path w="1948147" h="6866467">
+                  <a:moveTo>
+                    <a:pt x="0" y="0"/>
+                  </a:moveTo>
+                  <a:lnTo>
+                    <a:pt x="1202267" y="6866467"/>
+                  </a:lnTo>
+                  <a:lnTo>
+                    <a:pt x="1947333" y="6866467"/>
+                  </a:lnTo>
+                  <a:cubicBezTo>
+                    <a:pt x="1944511" y="4577645"/>
+                    <a:pt x="1950155" y="2288822"/>
+                    <a:pt x="1947333" y="0"/>
+                  </a:cubicBezTo>
+                  <a:lnTo>
+                    <a:pt x="0" y="0"/>
+                  </a:lnTo>
+                  <a:close/>
+                </a:path>
+              </a:pathLst>
+            </a:custGeom>
+            <a:solidFill>
+              <a:schemeClr val="accent1">
+                <a:alpha val="20000"/>
+              </a:schemeClr>
+            </a:solidFill>
+            <a:ln>
+              <a:noFill/>
+            </a:ln>
+            <a:effectLst/>
+          </p:spPr>
+          <p:style>
+            <a:lnRef idx="1">
+              <a:schemeClr val="accent1"/>
+            </a:lnRef>
+            <a:fillRef idx="3">
+              <a:schemeClr val="accent1"/>
+            </a:fillRef>
+            <a:effectRef idx="2">
+              <a:schemeClr val="accent1"/>
+            </a:effectRef>
+            <a:fontRef idx="minor">
+              <a:schemeClr val="lt1"/>
+            </a:fontRef>
+          </p:style>
+        </p:sp>
+        <p:sp>
+          <p:nvSpPr>
+            <p:cNvPr id="12" name="Freeform 11"/>
+            <p:cNvSpPr/>
+            <p:nvPr/>
+          </p:nvSpPr>
+          <p:spPr>
+            <a:xfrm>
+              <a:off x="6637896" y="3920066"/>
+              <a:ext cx="2513565" cy="2937933"/>
+            </a:xfrm>
+            <a:custGeom>
+              <a:avLst/>
+              <a:gdLst/>
+              <a:ahLst/>
+              <a:cxnLst/>
+              <a:rect l="l" t="t" r="r" b="b"/>
+              <a:pathLst>
+                <a:path w="3259667" h="3810000">
+                  <a:moveTo>
+                    <a:pt x="0" y="3810000"/>
+                  </a:moveTo>
+                  <a:lnTo>
+                    <a:pt x="3251200" y="0"/>
+                  </a:lnTo>
+                  <a:cubicBezTo>
+                    <a:pt x="3254022" y="1270000"/>
+                    <a:pt x="3256845" y="2540000"/>
+                    <a:pt x="3259667" y="3810000"/>
+                  </a:cubicBezTo>
+                  <a:lnTo>
+                    <a:pt x="0" y="3810000"/>
+                  </a:lnTo>
+                  <a:close/>
+                </a:path>
+              </a:pathLst>
+            </a:custGeom>
+            <a:solidFill>
+              <a:schemeClr val="accent2">
+                <a:alpha val="72000"/>
+              </a:schemeClr>
+            </a:solidFill>
+            <a:ln>
+              <a:noFill/>
+            </a:ln>
+            <a:effectLst/>
+          </p:spPr>
+          <p:style>
+            <a:lnRef idx="1">
+              <a:schemeClr val="accent1"/>
+            </a:lnRef>
+            <a:fillRef idx="3">
+              <a:schemeClr val="accent1"/>
+            </a:fillRef>
+            <a:effectRef idx="2">
+              <a:schemeClr val="accent1"/>
+            </a:effectRef>
+            <a:fontRef idx="minor">
+              <a:schemeClr val="lt1"/>
+            </a:fontRef>
+          </p:style>
+        </p:sp>
+        <p:sp>
+          <p:nvSpPr>
+            <p:cNvPr id="13" name="Freeform 12"/>
+            <p:cNvSpPr/>
+            <p:nvPr/>
+          </p:nvSpPr>
+          <p:spPr>
+            <a:xfrm>
+              <a:off x="7010429" y="-8467"/>
+              <a:ext cx="2142876" cy="6866467"/>
+            </a:xfrm>
+            <a:custGeom>
+              <a:avLst/>
+              <a:gdLst/>
+              <a:ahLst/>
+              <a:cxnLst/>
+              <a:rect l="l" t="t" r="r" b="b"/>
+              <a:pathLst>
+                <a:path w="2853267" h="6866467">
+                  <a:moveTo>
+                    <a:pt x="0" y="0"/>
+                  </a:moveTo>
+                  <a:lnTo>
+                    <a:pt x="2472267" y="6866467"/>
+                  </a:lnTo>
+                  <a:lnTo>
+                    <a:pt x="2853267" y="6858000"/>
+                  </a:lnTo>
+                  <a:lnTo>
+                    <a:pt x="2853267" y="0"/>
+                  </a:lnTo>
+                  <a:lnTo>
+                    <a:pt x="0" y="0"/>
+                  </a:lnTo>
+                  <a:close/>
+                </a:path>
+              </a:pathLst>
+            </a:custGeom>
+            <a:solidFill>
+              <a:schemeClr val="accent2">
+                <a:lumMod val="75000"/>
+                <a:alpha val="70000"/>
+              </a:schemeClr>
+            </a:solidFill>
+            <a:ln>
+              <a:noFill/>
+            </a:ln>
+            <a:effectLst/>
+          </p:spPr>
+          <p:style>
+            <a:lnRef idx="1">
+              <a:schemeClr val="accent1"/>
+            </a:lnRef>
+            <a:fillRef idx="3">
+              <a:schemeClr val="accent1"/>
+            </a:fillRef>
+            <a:effectRef idx="2">
+              <a:schemeClr val="accent1"/>
+            </a:effectRef>
+            <a:fontRef idx="minor">
+              <a:schemeClr val="lt1"/>
+            </a:fontRef>
+          </p:style>
+        </p:sp>
+        <p:sp>
+          <p:nvSpPr>
+            <p:cNvPr id="14" name="Freeform 13"/>
+            <p:cNvSpPr/>
+            <p:nvPr/>
+          </p:nvSpPr>
+          <p:spPr>
+            <a:xfrm>
+              <a:off x="8295776" y="-8467"/>
+              <a:ext cx="857530" cy="6866467"/>
+            </a:xfrm>
+            <a:custGeom>
+              <a:avLst/>
+              <a:gdLst/>
+              <a:ahLst/>
+              <a:cxnLst/>
+              <a:rect l="l" t="t" r="r" b="b"/>
+              <a:pathLst>
+                <a:path w="1286933" h="6866467">
+                  <a:moveTo>
+                    <a:pt x="1016000" y="0"/>
+                  </a:moveTo>
+                  <a:lnTo>
+                    <a:pt x="0" y="6866467"/>
+                  </a:lnTo>
+                  <a:lnTo>
+                    <a:pt x="1286933" y="6866467"/>
+                  </a:lnTo>
+                  <a:cubicBezTo>
+                    <a:pt x="1284111" y="4577645"/>
+                    <a:pt x="1281288" y="2288822"/>
+                    <a:pt x="1278466" y="0"/>
+                  </a:cubicBezTo>
+                  <a:lnTo>
+                    <a:pt x="1016000" y="0"/>
+                  </a:lnTo>
+                  <a:close/>
+                </a:path>
+              </a:pathLst>
+            </a:custGeom>
+            <a:solidFill>
+              <a:schemeClr val="accent1">
+                <a:lumMod val="60000"/>
+                <a:lumOff val="40000"/>
+                <a:alpha val="70000"/>
+              </a:schemeClr>
+            </a:solidFill>
+            <a:ln>
+              <a:noFill/>
+            </a:ln>
+            <a:effectLst/>
+          </p:spPr>
+          <p:style>
+            <a:lnRef idx="1">
+              <a:schemeClr val="accent1"/>
+            </a:lnRef>
+            <a:fillRef idx="3">
+              <a:schemeClr val="accent1"/>
+            </a:fillRef>
+            <a:effectRef idx="2">
+              <a:schemeClr val="accent1"/>
+            </a:effectRef>
+            <a:fontRef idx="minor">
+              <a:schemeClr val="lt1"/>
+            </a:fontRef>
+          </p:style>
+        </p:sp>
+        <p:sp>
+          <p:nvSpPr>
+            <p:cNvPr id="15" name="Freeform 14"/>
+            <p:cNvSpPr/>
+            <p:nvPr/>
+          </p:nvSpPr>
+          <p:spPr>
+            <a:xfrm>
+              <a:off x="8077231" y="-8468"/>
+              <a:ext cx="1066770" cy="6866467"/>
+            </a:xfrm>
+            <a:custGeom>
+              <a:avLst/>
+              <a:gdLst/>
+              <a:ahLst/>
+              <a:cxnLst/>
+              <a:rect l="l" t="t" r="r" b="b"/>
+              <a:pathLst>
+                <a:path w="1270244" h="6866467">
+                  <a:moveTo>
+                    <a:pt x="0" y="0"/>
+                  </a:moveTo>
+                  <a:lnTo>
+                    <a:pt x="1117600" y="6866467"/>
+                  </a:lnTo>
+                  <a:lnTo>
+                    <a:pt x="1270000" y="6866467"/>
+                  </a:lnTo>
+                  <a:cubicBezTo>
+                    <a:pt x="1272822" y="4574822"/>
+                    <a:pt x="1250245" y="2291645"/>
+                    <a:pt x="1253067" y="0"/>
+                  </a:cubicBezTo>
+                  <a:lnTo>
+                    <a:pt x="0" y="0"/>
+                  </a:lnTo>
+                  <a:close/>
+                </a:path>
+              </a:pathLst>
+            </a:custGeom>
+            <a:solidFill>
+              <a:schemeClr val="accent1">
+                <a:alpha val="65000"/>
+              </a:schemeClr>
+            </a:solidFill>
+            <a:ln>
+              <a:noFill/>
+            </a:ln>
+            <a:effectLst/>
+          </p:spPr>
+          <p:style>
+            <a:lnRef idx="1">
+              <a:schemeClr val="accent1"/>
+            </a:lnRef>
+            <a:fillRef idx="3">
+              <a:schemeClr val="accent1"/>
+            </a:fillRef>
+            <a:effectRef idx="2">
+              <a:schemeClr val="accent1"/>
+            </a:effectRef>
+            <a:fontRef idx="minor">
+              <a:schemeClr val="lt1"/>
+            </a:fontRef>
+          </p:style>
+        </p:sp>
+        <p:sp>
+          <p:nvSpPr>
+            <p:cNvPr id="16" name="Freeform 15"/>
+            <p:cNvSpPr/>
+            <p:nvPr/>
+          </p:nvSpPr>
+          <p:spPr>
+            <a:xfrm>
+              <a:off x="8060297" y="4893733"/>
+              <a:ext cx="1094086" cy="1964267"/>
+            </a:xfrm>
+            <a:custGeom>
+              <a:avLst/>
+              <a:gdLst/>
+              <a:ahLst/>
+              <a:cxnLst/>
+              <a:rect l="l" t="t" r="r" b="b"/>
+              <a:pathLst>
+                <a:path w="1820333" h="3268133">
+                  <a:moveTo>
+                    <a:pt x="0" y="3268133"/>
+                  </a:moveTo>
+                  <a:lnTo>
+                    <a:pt x="1811866" y="0"/>
+                  </a:lnTo>
+                  <a:cubicBezTo>
+                    <a:pt x="1814688" y="1086555"/>
+                    <a:pt x="1817511" y="2173111"/>
+                    <a:pt x="1820333" y="3259666"/>
+                  </a:cubicBezTo>
+                  <a:lnTo>
+                    <a:pt x="0" y="3268133"/>
+                  </a:lnTo>
+                  <a:close/>
+                </a:path>
+              </a:pathLst>
+            </a:custGeom>
+            <a:solidFill>
+              <a:schemeClr val="accent1">
+                <a:alpha val="80000"/>
+              </a:schemeClr>
+            </a:solidFill>
+            <a:ln>
+              <a:noFill/>
+            </a:ln>
+            <a:effectLst/>
+          </p:spPr>
+          <p:style>
+            <a:lnRef idx="1">
+              <a:schemeClr val="accent1"/>
+            </a:lnRef>
+            <a:fillRef idx="3">
+              <a:schemeClr val="accent1"/>
+            </a:fillRef>
+            <a:effectRef idx="2">
+              <a:schemeClr val="accent1"/>
+            </a:effectRef>
+            <a:fontRef idx="minor">
+              <a:schemeClr val="lt1"/>
+            </a:fontRef>
+          </p:style>
+        </p:sp>
+      </p:grpSp>
       <p:sp>
         <p:nvSpPr>
           <p:cNvPr id="2" name="Title Placeholder 1"/>
@@ -4519,15 +7145,15 @@
         </p:nvSpPr>
         <p:spPr>
           <a:xfrm>
-            <a:off x="457200" y="274638"/>
-            <a:ext cx="8229600" cy="1143000"/>
+            <a:off x="609599" y="609600"/>
+            <a:ext cx="6347713" cy="1320800"/>
           </a:xfrm>
           <a:prstGeom prst="rect">
             <a:avLst/>
           </a:prstGeom>
         </p:spPr>
         <p:txBody>
-          <a:bodyPr vert="horz" lIns="91440" tIns="45720" rIns="91440" bIns="45720" rtlCol="0" anchor="ctr">
+          <a:bodyPr vert="horz" lIns="91440" tIns="45720" rIns="91440" bIns="45720" rtlCol="0" anchor="t">
             <a:normAutofit/>
           </a:bodyPr>
           <a:lstStyle/>
@@ -4536,7 +7162,7 @@
               <a:rPr lang="en-US" smtClean="0"/>
               <a:t>Click to edit Master title style</a:t>
             </a:r>
-            <a:endParaRPr lang="en-US"/>
+            <a:endParaRPr lang="en-US" dirty="0"/>
           </a:p>
         </p:txBody>
       </p:sp>
@@ -4552,8 +7178,8 @@
         </p:nvSpPr>
         <p:spPr>
           <a:xfrm>
-            <a:off x="457200" y="1600200"/>
-            <a:ext cx="8229600" cy="4525963"/>
+            <a:off x="609599" y="2160590"/>
+            <a:ext cx="6347714" cy="3880773"/>
           </a:xfrm>
           <a:prstGeom prst="rect">
             <a:avLst/>
@@ -4598,7 +7224,7 @@
               <a:rPr lang="en-US" smtClean="0"/>
               <a:t>Fifth level</a:t>
             </a:r>
-            <a:endParaRPr lang="en-US"/>
+            <a:endParaRPr lang="en-US" dirty="0"/>
           </a:p>
         </p:txBody>
       </p:sp>
@@ -4614,8 +7240,8 @@
         </p:nvSpPr>
         <p:spPr>
           <a:xfrm>
-            <a:off x="457200" y="6356350"/>
-            <a:ext cx="2133600" cy="365125"/>
+            <a:off x="5405258" y="6041363"/>
+            <a:ext cx="684132" cy="365125"/>
           </a:xfrm>
           <a:prstGeom prst="rect">
             <a:avLst/>
@@ -4624,8 +7250,8 @@
         <p:txBody>
           <a:bodyPr vert="horz" lIns="91440" tIns="45720" rIns="91440" bIns="45720" rtlCol="0" anchor="ctr"/>
           <a:lstStyle>
-            <a:lvl1pPr algn="l">
-              <a:defRPr sz="1200">
+            <a:lvl1pPr algn="r">
+              <a:defRPr sz="900">
                 <a:solidFill>
                   <a:schemeClr val="tx1">
                     <a:tint val="75000"/>
@@ -4655,8 +7281,8 @@
         </p:nvSpPr>
         <p:spPr>
           <a:xfrm>
-            <a:off x="3124200" y="6356350"/>
-            <a:ext cx="2895600" cy="365125"/>
+            <a:off x="609599" y="6041363"/>
+            <a:ext cx="4622973" cy="365125"/>
           </a:xfrm>
           <a:prstGeom prst="rect">
             <a:avLst/>
@@ -4665,8 +7291,8 @@
         <p:txBody>
           <a:bodyPr vert="horz" lIns="91440" tIns="45720" rIns="91440" bIns="45720" rtlCol="0" anchor="ctr"/>
           <a:lstStyle>
-            <a:lvl1pPr algn="ctr">
-              <a:defRPr sz="1200">
+            <a:lvl1pPr algn="l">
+              <a:defRPr sz="900">
                 <a:solidFill>
                   <a:schemeClr val="tx1">
                     <a:tint val="75000"/>
@@ -4692,8 +7318,8 @@
         </p:nvSpPr>
         <p:spPr>
           <a:xfrm>
-            <a:off x="6553200" y="6356350"/>
-            <a:ext cx="2133600" cy="365125"/>
+            <a:off x="6444676" y="6041363"/>
+            <a:ext cx="512638" cy="365125"/>
           </a:xfrm>
           <a:prstGeom prst="rect">
             <a:avLst/>
@@ -4703,11 +7329,9 @@
           <a:bodyPr vert="horz" lIns="91440" tIns="45720" rIns="91440" bIns="45720" rtlCol="0" anchor="ctr"/>
           <a:lstStyle>
             <a:lvl1pPr algn="r">
-              <a:defRPr sz="1200">
+              <a:defRPr sz="900">
                 <a:solidFill>
-                  <a:schemeClr val="tx1">
-                    <a:tint val="75000"/>
-                  </a:schemeClr>
+                  <a:schemeClr val="accent1"/>
                 </a:solidFill>
               </a:defRPr>
             </a:lvl1pPr>
@@ -4724,171 +7348,322 @@
     </p:spTree>
     <p:extLst>
       <p:ext uri="{BB962C8B-B14F-4D97-AF65-F5344CB8AC3E}">
-        <p14:creationId xmlns:p14="http://schemas.microsoft.com/office/powerpoint/2010/main" val="3060534115"/>
+        <p14:creationId xmlns:p14="http://schemas.microsoft.com/office/powerpoint/2010/main" val="2266926112"/>
       </p:ext>
     </p:extLst>
   </p:cSld>
   <p:clrMap bg1="lt1" tx1="dk1" bg2="lt2" tx2="dk2" accent1="accent1" accent2="accent2" accent3="accent3" accent4="accent4" accent5="accent5" accent6="accent6" hlink="hlink" folHlink="folHlink"/>
   <p:sldLayoutIdLst>
-    <p:sldLayoutId id="2147483649" r:id="rId1"/>
-    <p:sldLayoutId id="2147483650" r:id="rId2"/>
-    <p:sldLayoutId id="2147483651" r:id="rId3"/>
-    <p:sldLayoutId id="2147483652" r:id="rId4"/>
-    <p:sldLayoutId id="2147483653" r:id="rId5"/>
-    <p:sldLayoutId id="2147483654" r:id="rId6"/>
-    <p:sldLayoutId id="2147483655" r:id="rId7"/>
-    <p:sldLayoutId id="2147483656" r:id="rId8"/>
-    <p:sldLayoutId id="2147483657" r:id="rId9"/>
-    <p:sldLayoutId id="2147483658" r:id="rId10"/>
-    <p:sldLayoutId id="2147483659" r:id="rId11"/>
+    <p:sldLayoutId id="2147483731" r:id="rId1"/>
+    <p:sldLayoutId id="2147483732" r:id="rId2"/>
+    <p:sldLayoutId id="2147483733" r:id="rId3"/>
+    <p:sldLayoutId id="2147483734" r:id="rId4"/>
+    <p:sldLayoutId id="2147483735" r:id="rId5"/>
+    <p:sldLayoutId id="2147483736" r:id="rId6"/>
+    <p:sldLayoutId id="2147483737" r:id="rId7"/>
+    <p:sldLayoutId id="2147483738" r:id="rId8"/>
+    <p:sldLayoutId id="2147483739" r:id="rId9"/>
+    <p:sldLayoutId id="2147483740" r:id="rId10"/>
+    <p:sldLayoutId id="2147483741" r:id="rId11"/>
+    <p:sldLayoutId id="2147483742" r:id="rId12"/>
+    <p:sldLayoutId id="2147483743" r:id="rId13"/>
+    <p:sldLayoutId id="2147483744" r:id="rId14"/>
+    <p:sldLayoutId id="2147483745" r:id="rId15"/>
+    <p:sldLayoutId id="2147483746" r:id="rId16"/>
   </p:sldLayoutIdLst>
   <p:txStyles>
     <p:titleStyle>
-      <a:lvl1pPr algn="ctr" defTabSz="914400" rtl="0" eaLnBrk="1" latinLnBrk="0" hangingPunct="1">
+      <a:lvl1pPr algn="l" defTabSz="457200" rtl="0" eaLnBrk="1" latinLnBrk="0" hangingPunct="1">
         <a:spcBef>
           <a:spcPct val="0"/>
         </a:spcBef>
         <a:buNone/>
-        <a:defRPr sz="4400" kern="1200">
+        <a:defRPr sz="3600" kern="1200">
           <a:solidFill>
-            <a:schemeClr val="tx1"/>
+            <a:schemeClr val="accent1"/>
           </a:solidFill>
           <a:latin typeface="+mj-lt"/>
           <a:ea typeface="+mj-ea"/>
           <a:cs typeface="+mj-cs"/>
         </a:defRPr>
       </a:lvl1pPr>
+      <a:lvl2pPr eaLnBrk="1" hangingPunct="1">
+        <a:defRPr>
+          <a:solidFill>
+            <a:schemeClr val="tx2"/>
+          </a:solidFill>
+        </a:defRPr>
+      </a:lvl2pPr>
+      <a:lvl3pPr eaLnBrk="1" hangingPunct="1">
+        <a:defRPr>
+          <a:solidFill>
+            <a:schemeClr val="tx2"/>
+          </a:solidFill>
+        </a:defRPr>
+      </a:lvl3pPr>
+      <a:lvl4pPr eaLnBrk="1" hangingPunct="1">
+        <a:defRPr>
+          <a:solidFill>
+            <a:schemeClr val="tx2"/>
+          </a:solidFill>
+        </a:defRPr>
+      </a:lvl4pPr>
+      <a:lvl5pPr eaLnBrk="1" hangingPunct="1">
+        <a:defRPr>
+          <a:solidFill>
+            <a:schemeClr val="tx2"/>
+          </a:solidFill>
+        </a:defRPr>
+      </a:lvl5pPr>
+      <a:lvl6pPr eaLnBrk="1" hangingPunct="1">
+        <a:defRPr>
+          <a:solidFill>
+            <a:schemeClr val="tx2"/>
+          </a:solidFill>
+        </a:defRPr>
+      </a:lvl6pPr>
+      <a:lvl7pPr eaLnBrk="1" hangingPunct="1">
+        <a:defRPr>
+          <a:solidFill>
+            <a:schemeClr val="tx2"/>
+          </a:solidFill>
+        </a:defRPr>
+      </a:lvl7pPr>
+      <a:lvl8pPr eaLnBrk="1" hangingPunct="1">
+        <a:defRPr>
+          <a:solidFill>
+            <a:schemeClr val="tx2"/>
+          </a:solidFill>
+        </a:defRPr>
+      </a:lvl8pPr>
+      <a:lvl9pPr eaLnBrk="1" hangingPunct="1">
+        <a:defRPr>
+          <a:solidFill>
+            <a:schemeClr val="tx2"/>
+          </a:solidFill>
+        </a:defRPr>
+      </a:lvl9pPr>
     </p:titleStyle>
     <p:bodyStyle>
-      <a:lvl1pPr marL="342900" indent="-342900" algn="l" defTabSz="914400" rtl="0" eaLnBrk="1" latinLnBrk="0" hangingPunct="1">
+      <a:lvl1pPr marL="342900" indent="-342900" algn="l" defTabSz="457200" rtl="0" eaLnBrk="1" latinLnBrk="0" hangingPunct="1">
         <a:spcBef>
-          <a:spcPct val="20000"/>
+          <a:spcPts val="1000"/>
         </a:spcBef>
-        <a:buFont typeface="Arial" pitchFamily="34" charset="0"/>
-        <a:buChar char="•"/>
-        <a:defRPr sz="3200" kern="1200">
+        <a:spcAft>
+          <a:spcPts val="0"/>
+        </a:spcAft>
+        <a:buClr>
+          <a:schemeClr val="accent1"/>
+        </a:buClr>
+        <a:buSzPct val="80000"/>
+        <a:buFont typeface="Wingdings 3" charset="2"/>
+        <a:buChar char=""/>
+        <a:defRPr sz="1800" kern="1200">
           <a:solidFill>
-            <a:schemeClr val="tx1"/>
+            <a:schemeClr val="tx1">
+              <a:lumMod val="75000"/>
+              <a:lumOff val="25000"/>
+            </a:schemeClr>
           </a:solidFill>
           <a:latin typeface="+mn-lt"/>
           <a:ea typeface="+mn-ea"/>
           <a:cs typeface="+mn-cs"/>
         </a:defRPr>
       </a:lvl1pPr>
-      <a:lvl2pPr marL="742950" indent="-285750" algn="l" defTabSz="914400" rtl="0" eaLnBrk="1" latinLnBrk="0" hangingPunct="1">
+      <a:lvl2pPr marL="742950" indent="-285750" algn="l" defTabSz="457200" rtl="0" eaLnBrk="1" latinLnBrk="0" hangingPunct="1">
         <a:spcBef>
-          <a:spcPct val="20000"/>
+          <a:spcPts val="1000"/>
         </a:spcBef>
-        <a:buFont typeface="Arial" pitchFamily="34" charset="0"/>
-        <a:buChar char="–"/>
-        <a:defRPr sz="2800" kern="1200">
+        <a:spcAft>
+          <a:spcPts val="0"/>
+        </a:spcAft>
+        <a:buClr>
+          <a:schemeClr val="accent1"/>
+        </a:buClr>
+        <a:buSzPct val="80000"/>
+        <a:buFont typeface="Wingdings 3" charset="2"/>
+        <a:buChar char=""/>
+        <a:defRPr sz="1600" kern="1200">
           <a:solidFill>
-            <a:schemeClr val="tx1"/>
+            <a:schemeClr val="tx1">
+              <a:lumMod val="75000"/>
+              <a:lumOff val="25000"/>
+            </a:schemeClr>
           </a:solidFill>
           <a:latin typeface="+mn-lt"/>
           <a:ea typeface="+mn-ea"/>
           <a:cs typeface="+mn-cs"/>
         </a:defRPr>
       </a:lvl2pPr>
-      <a:lvl3pPr marL="1143000" indent="-228600" algn="l" defTabSz="914400" rtl="0" eaLnBrk="1" latinLnBrk="0" hangingPunct="1">
+      <a:lvl3pPr marL="1143000" indent="-228600" algn="l" defTabSz="457200" rtl="0" eaLnBrk="1" latinLnBrk="0" hangingPunct="1">
         <a:spcBef>
-          <a:spcPct val="20000"/>
+          <a:spcPts val="1000"/>
         </a:spcBef>
-        <a:buFont typeface="Arial" pitchFamily="34" charset="0"/>
-        <a:buChar char="•"/>
-        <a:defRPr sz="2400" kern="1200">
+        <a:spcAft>
+          <a:spcPts val="0"/>
+        </a:spcAft>
+        <a:buClr>
+          <a:schemeClr val="accent1"/>
+        </a:buClr>
+        <a:buSzPct val="80000"/>
+        <a:buFont typeface="Wingdings 3" charset="2"/>
+        <a:buChar char=""/>
+        <a:defRPr sz="1400" kern="1200">
           <a:solidFill>
-            <a:schemeClr val="tx1"/>
+            <a:schemeClr val="tx1">
+              <a:lumMod val="75000"/>
+              <a:lumOff val="25000"/>
+            </a:schemeClr>
           </a:solidFill>
           <a:latin typeface="+mn-lt"/>
           <a:ea typeface="+mn-ea"/>
           <a:cs typeface="+mn-cs"/>
         </a:defRPr>
       </a:lvl3pPr>
-      <a:lvl4pPr marL="1600200" indent="-228600" algn="l" defTabSz="914400" rtl="0" eaLnBrk="1" latinLnBrk="0" hangingPunct="1">
+      <a:lvl4pPr marL="1600200" indent="-228600" algn="l" defTabSz="457200" rtl="0" eaLnBrk="1" latinLnBrk="0" hangingPunct="1">
         <a:spcBef>
-          <a:spcPct val="20000"/>
+          <a:spcPts val="1000"/>
         </a:spcBef>
-        <a:buFont typeface="Arial" pitchFamily="34" charset="0"/>
-        <a:buChar char="–"/>
-        <a:defRPr sz="2000" kern="1200">
+        <a:spcAft>
+          <a:spcPts val="0"/>
+        </a:spcAft>
+        <a:buClr>
+          <a:schemeClr val="accent1"/>
+        </a:buClr>
+        <a:buSzPct val="80000"/>
+        <a:buFont typeface="Wingdings 3" charset="2"/>
+        <a:buChar char=""/>
+        <a:defRPr sz="1200" kern="1200">
           <a:solidFill>
-            <a:schemeClr val="tx1"/>
+            <a:schemeClr val="tx1">
+              <a:lumMod val="75000"/>
+              <a:lumOff val="25000"/>
+            </a:schemeClr>
           </a:solidFill>
           <a:latin typeface="+mn-lt"/>
           <a:ea typeface="+mn-ea"/>
           <a:cs typeface="+mn-cs"/>
         </a:defRPr>
       </a:lvl4pPr>
-      <a:lvl5pPr marL="2057400" indent="-228600" algn="l" defTabSz="914400" rtl="0" eaLnBrk="1" latinLnBrk="0" hangingPunct="1">
+      <a:lvl5pPr marL="2057400" indent="-228600" algn="l" defTabSz="457200" rtl="0" eaLnBrk="1" latinLnBrk="0" hangingPunct="1">
         <a:spcBef>
-          <a:spcPct val="20000"/>
+          <a:spcPts val="1000"/>
         </a:spcBef>
-        <a:buFont typeface="Arial" pitchFamily="34" charset="0"/>
-        <a:buChar char="»"/>
-        <a:defRPr sz="2000" kern="1200">
+        <a:spcAft>
+          <a:spcPts val="0"/>
+        </a:spcAft>
+        <a:buClr>
+          <a:schemeClr val="accent1"/>
+        </a:buClr>
+        <a:buSzPct val="80000"/>
+        <a:buFont typeface="Wingdings 3" charset="2"/>
+        <a:buChar char=""/>
+        <a:defRPr sz="1200" kern="1200">
           <a:solidFill>
-            <a:schemeClr val="tx1"/>
+            <a:schemeClr val="tx1">
+              <a:lumMod val="75000"/>
+              <a:lumOff val="25000"/>
+            </a:schemeClr>
           </a:solidFill>
           <a:latin typeface="+mn-lt"/>
           <a:ea typeface="+mn-ea"/>
           <a:cs typeface="+mn-cs"/>
         </a:defRPr>
       </a:lvl5pPr>
-      <a:lvl6pPr marL="2514600" indent="-228600" algn="l" defTabSz="914400" rtl="0" eaLnBrk="1" latinLnBrk="0" hangingPunct="1">
+      <a:lvl6pPr marL="2514600" indent="-228600" algn="l" defTabSz="457200" rtl="0" eaLnBrk="1" latinLnBrk="0" hangingPunct="1">
         <a:spcBef>
-          <a:spcPct val="20000"/>
+          <a:spcPts val="1000"/>
         </a:spcBef>
-        <a:buFont typeface="Arial" pitchFamily="34" charset="0"/>
-        <a:buChar char="•"/>
-        <a:defRPr sz="2000" kern="1200">
+        <a:spcAft>
+          <a:spcPts val="0"/>
+        </a:spcAft>
+        <a:buClr>
+          <a:schemeClr val="accent1"/>
+        </a:buClr>
+        <a:buSzPct val="80000"/>
+        <a:buFont typeface="Wingdings 3" charset="2"/>
+        <a:buChar char=""/>
+        <a:defRPr sz="1200" kern="1200">
           <a:solidFill>
-            <a:schemeClr val="tx1"/>
+            <a:schemeClr val="tx1">
+              <a:lumMod val="75000"/>
+              <a:lumOff val="25000"/>
+            </a:schemeClr>
           </a:solidFill>
           <a:latin typeface="+mn-lt"/>
           <a:ea typeface="+mn-ea"/>
           <a:cs typeface="+mn-cs"/>
         </a:defRPr>
       </a:lvl6pPr>
-      <a:lvl7pPr marL="2971800" indent="-228600" algn="l" defTabSz="914400" rtl="0" eaLnBrk="1" latinLnBrk="0" hangingPunct="1">
+      <a:lvl7pPr marL="2971800" indent="-228600" algn="l" defTabSz="457200" rtl="0" eaLnBrk="1" latinLnBrk="0" hangingPunct="1">
         <a:spcBef>
-          <a:spcPct val="20000"/>
+          <a:spcPts val="1000"/>
         </a:spcBef>
-        <a:buFont typeface="Arial" pitchFamily="34" charset="0"/>
-        <a:buChar char="•"/>
-        <a:defRPr sz="2000" kern="1200">
+        <a:spcAft>
+          <a:spcPts val="0"/>
+        </a:spcAft>
+        <a:buClr>
+          <a:schemeClr val="accent1"/>
+        </a:buClr>
+        <a:buSzPct val="80000"/>
+        <a:buFont typeface="Wingdings 3" charset="2"/>
+        <a:buChar char=""/>
+        <a:defRPr sz="1200" kern="1200">
           <a:solidFill>
-            <a:schemeClr val="tx1"/>
+            <a:schemeClr val="tx1">
+              <a:lumMod val="75000"/>
+              <a:lumOff val="25000"/>
+            </a:schemeClr>
           </a:solidFill>
           <a:latin typeface="+mn-lt"/>
           <a:ea typeface="+mn-ea"/>
           <a:cs typeface="+mn-cs"/>
         </a:defRPr>
       </a:lvl7pPr>
-      <a:lvl8pPr marL="3429000" indent="-228600" algn="l" defTabSz="914400" rtl="0" eaLnBrk="1" latinLnBrk="0" hangingPunct="1">
+      <a:lvl8pPr marL="3429000" indent="-228600" algn="l" defTabSz="457200" rtl="0" eaLnBrk="1" latinLnBrk="0" hangingPunct="1">
         <a:spcBef>
-          <a:spcPct val="20000"/>
+          <a:spcPts val="1000"/>
         </a:spcBef>
-        <a:buFont typeface="Arial" pitchFamily="34" charset="0"/>
-        <a:buChar char="•"/>
-        <a:defRPr sz="2000" kern="1200">
+        <a:spcAft>
+          <a:spcPts val="0"/>
+        </a:spcAft>
+        <a:buClr>
+          <a:schemeClr val="accent1"/>
+        </a:buClr>
+        <a:buSzPct val="80000"/>
+        <a:buFont typeface="Wingdings 3" charset="2"/>
+        <a:buChar char=""/>
+        <a:defRPr sz="1200" kern="1200">
           <a:solidFill>
-            <a:schemeClr val="tx1"/>
+            <a:schemeClr val="tx1">
+              <a:lumMod val="75000"/>
+              <a:lumOff val="25000"/>
+            </a:schemeClr>
           </a:solidFill>
           <a:latin typeface="+mn-lt"/>
           <a:ea typeface="+mn-ea"/>
           <a:cs typeface="+mn-cs"/>
         </a:defRPr>
       </a:lvl8pPr>
-      <a:lvl9pPr marL="3886200" indent="-228600" algn="l" defTabSz="914400" rtl="0" eaLnBrk="1" latinLnBrk="0" hangingPunct="1">
+      <a:lvl9pPr marL="3886200" indent="-228600" algn="l" defTabSz="457200" rtl="0" eaLnBrk="1" latinLnBrk="0" hangingPunct="1">
         <a:spcBef>
-          <a:spcPct val="20000"/>
+          <a:spcPts val="1000"/>
         </a:spcBef>
-        <a:buFont typeface="Arial" pitchFamily="34" charset="0"/>
-        <a:buChar char="•"/>
-        <a:defRPr sz="2000" kern="1200">
+        <a:spcAft>
+          <a:spcPts val="0"/>
+        </a:spcAft>
+        <a:buClr>
+          <a:schemeClr val="accent1"/>
+        </a:buClr>
+        <a:buSzPct val="80000"/>
+        <a:buFont typeface="Wingdings 3" charset="2"/>
+        <a:buChar char=""/>
+        <a:defRPr sz="1200" kern="1200">
           <a:solidFill>
-            <a:schemeClr val="tx1"/>
+            <a:schemeClr val="tx1">
+              <a:lumMod val="75000"/>
+              <a:lumOff val="25000"/>
+            </a:schemeClr>
           </a:solidFill>
           <a:latin typeface="+mn-lt"/>
           <a:ea typeface="+mn-ea"/>
@@ -4900,7 +7675,7 @@
       <a:defPPr>
         <a:defRPr lang="en-US"/>
       </a:defPPr>
-      <a:lvl1pPr marL="0" algn="l" defTabSz="914400" rtl="0" eaLnBrk="1" latinLnBrk="0" hangingPunct="1">
+      <a:lvl1pPr marL="0" algn="l" defTabSz="457200" rtl="0" eaLnBrk="1" latinLnBrk="0" hangingPunct="1">
         <a:defRPr sz="1800" kern="1200">
           <a:solidFill>
             <a:schemeClr val="tx1"/>
@@ -4910,7 +7685,7 @@
           <a:cs typeface="+mn-cs"/>
         </a:defRPr>
       </a:lvl1pPr>
-      <a:lvl2pPr marL="457200" algn="l" defTabSz="914400" rtl="0" eaLnBrk="1" latinLnBrk="0" hangingPunct="1">
+      <a:lvl2pPr marL="457200" algn="l" defTabSz="457200" rtl="0" eaLnBrk="1" latinLnBrk="0" hangingPunct="1">
         <a:defRPr sz="1800" kern="1200">
           <a:solidFill>
             <a:schemeClr val="tx1"/>
@@ -4920,7 +7695,7 @@
           <a:cs typeface="+mn-cs"/>
         </a:defRPr>
       </a:lvl2pPr>
-      <a:lvl3pPr marL="914400" algn="l" defTabSz="914400" rtl="0" eaLnBrk="1" latinLnBrk="0" hangingPunct="1">
+      <a:lvl3pPr marL="914400" algn="l" defTabSz="457200" rtl="0" eaLnBrk="1" latinLnBrk="0" hangingPunct="1">
         <a:defRPr sz="1800" kern="1200">
           <a:solidFill>
             <a:schemeClr val="tx1"/>
@@ -4930,7 +7705,7 @@
           <a:cs typeface="+mn-cs"/>
         </a:defRPr>
       </a:lvl3pPr>
-      <a:lvl4pPr marL="1371600" algn="l" defTabSz="914400" rtl="0" eaLnBrk="1" latinLnBrk="0" hangingPunct="1">
+      <a:lvl4pPr marL="1371600" algn="l" defTabSz="457200" rtl="0" eaLnBrk="1" latinLnBrk="0" hangingPunct="1">
         <a:defRPr sz="1800" kern="1200">
           <a:solidFill>
             <a:schemeClr val="tx1"/>
@@ -4940,7 +7715,7 @@
           <a:cs typeface="+mn-cs"/>
         </a:defRPr>
       </a:lvl4pPr>
-      <a:lvl5pPr marL="1828800" algn="l" defTabSz="914400" rtl="0" eaLnBrk="1" latinLnBrk="0" hangingPunct="1">
+      <a:lvl5pPr marL="1828800" algn="l" defTabSz="457200" rtl="0" eaLnBrk="1" latinLnBrk="0" hangingPunct="1">
         <a:defRPr sz="1800" kern="1200">
           <a:solidFill>
             <a:schemeClr val="tx1"/>
@@ -4950,7 +7725,7 @@
           <a:cs typeface="+mn-cs"/>
         </a:defRPr>
       </a:lvl5pPr>
-      <a:lvl6pPr marL="2286000" algn="l" defTabSz="914400" rtl="0" eaLnBrk="1" latinLnBrk="0" hangingPunct="1">
+      <a:lvl6pPr marL="2286000" algn="l" defTabSz="457200" rtl="0" eaLnBrk="1" latinLnBrk="0" hangingPunct="1">
         <a:defRPr sz="1800" kern="1200">
           <a:solidFill>
             <a:schemeClr val="tx1"/>
@@ -4960,7 +7735,7 @@
           <a:cs typeface="+mn-cs"/>
         </a:defRPr>
       </a:lvl6pPr>
-      <a:lvl7pPr marL="2743200" algn="l" defTabSz="914400" rtl="0" eaLnBrk="1" latinLnBrk="0" hangingPunct="1">
+      <a:lvl7pPr marL="2743200" algn="l" defTabSz="457200" rtl="0" eaLnBrk="1" latinLnBrk="0" hangingPunct="1">
         <a:defRPr sz="1800" kern="1200">
           <a:solidFill>
             <a:schemeClr val="tx1"/>
@@ -4970,7 +7745,7 @@
           <a:cs typeface="+mn-cs"/>
         </a:defRPr>
       </a:lvl7pPr>
-      <a:lvl8pPr marL="3200400" algn="l" defTabSz="914400" rtl="0" eaLnBrk="1" latinLnBrk="0" hangingPunct="1">
+      <a:lvl8pPr marL="3200400" algn="l" defTabSz="457200" rtl="0" eaLnBrk="1" latinLnBrk="0" hangingPunct="1">
         <a:defRPr sz="1800" kern="1200">
           <a:solidFill>
             <a:schemeClr val="tx1"/>
@@ -4980,7 +7755,7 @@
           <a:cs typeface="+mn-cs"/>
         </a:defRPr>
       </a:lvl8pPr>
-      <a:lvl9pPr marL="3657600" algn="l" defTabSz="914400" rtl="0" eaLnBrk="1" latinLnBrk="0" hangingPunct="1">
+      <a:lvl9pPr marL="3657600" algn="l" defTabSz="457200" rtl="0" eaLnBrk="1" latinLnBrk="0" hangingPunct="1">
         <a:defRPr sz="1800" kern="1200">
           <a:solidFill>
             <a:schemeClr val="tx1"/>
@@ -5027,6 +7802,14 @@
           <a:bodyPr/>
           <a:lstStyle/>
           <a:p>
+            <a:r>
+              <a:rPr lang="en-US" dirty="0" err="1" smtClean="0"/>
+              <a:t>MetaCriti</a:t>
+            </a:r>
+            <a:r>
+              <a:rPr lang="en-US" dirty="0" err="1" smtClean="0"/>
+              <a:t>que</a:t>
+            </a:r>
             <a:endParaRPr lang="en-US" dirty="0"/>
           </a:p>
         </p:txBody>
@@ -5047,8 +7830,8 @@
           <a:lstStyle/>
           <a:p>
             <a:r>
-              <a:rPr lang="en-US" smtClean="0"/>
-              <a:t>By insert name here</a:t>
+              <a:rPr lang="en-US" dirty="0" smtClean="0"/>
+              <a:t>Taylor Bishop</a:t>
             </a:r>
             <a:endParaRPr lang="en-US" dirty="0"/>
           </a:p>
@@ -5233,6 +8016,29 @@
       </p:grpSpPr>
       <p:sp>
         <p:nvSpPr>
+          <p:cNvPr id="6" name="Title 5"/>
+          <p:cNvSpPr>
+            <a:spLocks noGrp="1"/>
+          </p:cNvSpPr>
+          <p:nvPr>
+            <p:ph type="title"/>
+          </p:nvPr>
+        </p:nvSpPr>
+        <p:spPr/>
+        <p:txBody>
+          <a:bodyPr/>
+          <a:lstStyle/>
+          <a:p>
+            <a:r>
+              <a:rPr lang="en-US" dirty="0" smtClean="0"/>
+              <a:t>Meta Parser</a:t>
+            </a:r>
+            <a:endParaRPr lang="en-US" dirty="0"/>
+          </a:p>
+        </p:txBody>
+      </p:sp>
+      <p:sp>
+        <p:nvSpPr>
           <p:cNvPr id="4" name="Content Placeholder 3"/>
           <p:cNvSpPr>
             <a:spLocks noGrp="1"/>
@@ -5243,29 +8049,25 @@
         </p:nvSpPr>
         <p:spPr/>
         <p:txBody>
-          <a:bodyPr/>
-          <a:lstStyle/>
-          <a:p>
-            <a:endParaRPr lang="en-US" dirty="0"/>
-          </a:p>
-        </p:txBody>
-      </p:sp>
-      <p:sp>
-        <p:nvSpPr>
-          <p:cNvPr id="6" name="Title 5"/>
-          <p:cNvSpPr>
-            <a:spLocks noGrp="1"/>
-          </p:cNvSpPr>
-          <p:nvPr>
-            <p:ph type="title"/>
-          </p:nvPr>
-        </p:nvSpPr>
-        <p:spPr/>
-        <p:txBody>
-          <a:bodyPr/>
-          <a:lstStyle/>
-          <a:p>
-            <a:endParaRPr lang="en-US" dirty="0"/>
+          <a:bodyPr>
+            <a:normAutofit/>
+          </a:bodyPr>
+          <a:lstStyle/>
+          <a:p>
+            <a:r>
+              <a:rPr lang="en-US" dirty="0" smtClean="0"/>
+              <a:t>10</a:t>
+            </a:r>
+            <a:r>
+              <a:rPr lang="en-US" dirty="0" smtClean="0"/>
+              <a:t> components to a result: Title, score, critic reviews link, etc.</a:t>
+            </a:r>
+          </a:p>
+          <a:p>
+            <a:r>
+              <a:rPr lang="en-US" dirty="0" smtClean="0"/>
+              <a:t>Movies and Games use same element tags for their data across all pages</a:t>
+            </a:r>
           </a:p>
         </p:txBody>
       </p:sp>
@@ -5335,7 +8137,7 @@
     </p:spTree>
     <p:extLst>
       <p:ext uri="{BB962C8B-B14F-4D97-AF65-F5344CB8AC3E}">
-        <p14:creationId xmlns:p14="http://schemas.microsoft.com/office/powerpoint/2010/main" val="3688104167"/>
+        <p14:creationId xmlns:p14="http://schemas.microsoft.com/office/powerpoint/2010/main" val="3539644366"/>
       </p:ext>
     </p:extLst>
   </p:cSld>
@@ -5448,6 +8250,29 @@
       </p:grpSpPr>
       <p:sp>
         <p:nvSpPr>
+          <p:cNvPr id="6" name="Title 5"/>
+          <p:cNvSpPr>
+            <a:spLocks noGrp="1"/>
+          </p:cNvSpPr>
+          <p:nvPr>
+            <p:ph type="title"/>
+          </p:nvPr>
+        </p:nvSpPr>
+        <p:spPr/>
+        <p:txBody>
+          <a:bodyPr/>
+          <a:lstStyle/>
+          <a:p>
+            <a:r>
+              <a:rPr lang="en-US" dirty="0" smtClean="0"/>
+              <a:t>Meta Parser</a:t>
+            </a:r>
+            <a:endParaRPr lang="en-US" dirty="0"/>
+          </a:p>
+        </p:txBody>
+      </p:sp>
+      <p:sp>
+        <p:nvSpPr>
           <p:cNvPr id="4" name="Content Placeholder 3"/>
           <p:cNvSpPr>
             <a:spLocks noGrp="1"/>
@@ -5458,28 +8283,41 @@
         </p:nvSpPr>
         <p:spPr/>
         <p:txBody>
-          <a:bodyPr/>
-          <a:lstStyle/>
-          <a:p>
-            <a:endParaRPr lang="en-US" dirty="0"/>
-          </a:p>
-        </p:txBody>
-      </p:sp>
-      <p:sp>
-        <p:nvSpPr>
-          <p:cNvPr id="6" name="Title 5"/>
-          <p:cNvSpPr>
-            <a:spLocks noGrp="1"/>
-          </p:cNvSpPr>
-          <p:nvPr>
-            <p:ph type="title"/>
-          </p:nvPr>
-        </p:nvSpPr>
-        <p:spPr/>
-        <p:txBody>
-          <a:bodyPr/>
-          <a:lstStyle/>
-          <a:p>
+          <a:bodyPr>
+            <a:normAutofit/>
+          </a:bodyPr>
+          <a:lstStyle/>
+          <a:p>
+            <a:r>
+              <a:rPr lang="en-US" dirty="0" smtClean="0"/>
+              <a:t>E.G. “</a:t>
+            </a:r>
+            <a:r>
+              <a:rPr lang="en-US" dirty="0" smtClean="0"/>
+              <a:t>&lt;</a:t>
+            </a:r>
+            <a:r>
+              <a:rPr lang="en-US" dirty="0"/>
+              <a:t>span </a:t>
+            </a:r>
+            <a:r>
+              <a:rPr lang="en-US" dirty="0" smtClean="0"/>
+              <a:t>class=‘data’ </a:t>
+            </a:r>
+            <a:r>
+              <a:rPr lang="en-US" dirty="0" err="1" smtClean="0"/>
+              <a:t>itemprop</a:t>
+            </a:r>
+            <a:r>
+              <a:rPr lang="en-US" dirty="0" smtClean="0"/>
+              <a:t>=‘genre’&gt;” precedes the genre</a:t>
+            </a:r>
+          </a:p>
+          <a:p>
+            <a:r>
+              <a:rPr lang="en-US" dirty="0" smtClean="0"/>
+              <a:t>Search for this in the source code, pull title from there</a:t>
+            </a:r>
             <a:endParaRPr lang="en-US" dirty="0"/>
           </a:p>
         </p:txBody>
@@ -5550,18 +8388,18 @@
     </p:spTree>
     <p:extLst>
       <p:ext uri="{BB962C8B-B14F-4D97-AF65-F5344CB8AC3E}">
-        <p14:creationId xmlns:p14="http://schemas.microsoft.com/office/powerpoint/2010/main" val="3539644366"/>
+        <p14:creationId xmlns:p14="http://schemas.microsoft.com/office/powerpoint/2010/main" val="472548068"/>
       </p:ext>
     </p:extLst>
   </p:cSld>
   <p:clrMapOvr>
     <a:masterClrMapping/>
   </p:clrMapOvr>
-  <mc:AlternateContent xmlns:mc="http://schemas.openxmlformats.org/markup-compatibility/2006" xmlns:p14="http://schemas.microsoft.com/office/powerpoint/2010/main">
-    <mc:Choice Requires="p14">
+  <mc:AlternateContent xmlns:mc="http://schemas.openxmlformats.org/markup-compatibility/2006">
+    <mc:Choice xmlns:p14="http://schemas.microsoft.com/office/powerpoint/2010/main" Requires="p14">
       <p:transition spd="slow" p14:dur="2000" advTm="15000"/>
     </mc:Choice>
-    <mc:Fallback xmlns="">
+    <mc:Fallback>
       <p:transition spd="slow" advTm="15000"/>
     </mc:Fallback>
   </mc:AlternateContent>
@@ -5663,7 +8501,7 @@
       </p:grpSpPr>
       <p:sp>
         <p:nvSpPr>
-          <p:cNvPr id="2" name="Title 1"/>
+          <p:cNvPr id="6" name="Title 5"/>
           <p:cNvSpPr>
             <a:spLocks noGrp="1"/>
           </p:cNvSpPr>
@@ -5676,13 +8514,21 @@
           <a:bodyPr/>
           <a:lstStyle/>
           <a:p>
+            <a:r>
+              <a:rPr lang="en-US" dirty="0" smtClean="0"/>
+              <a:t>Front-end &gt; Bing &gt; </a:t>
+            </a:r>
+            <a:r>
+              <a:rPr lang="en-US" dirty="0" err="1" smtClean="0"/>
+              <a:t>Metacritic</a:t>
+            </a:r>
             <a:endParaRPr lang="en-US" dirty="0"/>
           </a:p>
         </p:txBody>
       </p:sp>
       <p:sp>
         <p:nvSpPr>
-          <p:cNvPr id="3" name="Content Placeholder 2"/>
+          <p:cNvPr id="4" name="Content Placeholder 3"/>
           <p:cNvSpPr>
             <a:spLocks noGrp="1"/>
           </p:cNvSpPr>
@@ -5692,21 +8538,52 @@
         </p:nvSpPr>
         <p:spPr/>
         <p:txBody>
-          <a:bodyPr>
-            <a:normAutofit/>
-          </a:bodyPr>
-          <a:lstStyle/>
-          <a:p>
-            <a:pPr marL="0" indent="0">
-              <a:buNone/>
-            </a:pPr>
-            <a:endParaRPr lang="en-US" dirty="0" smtClean="0"/>
-          </a:p>
-        </p:txBody>
-      </p:sp>
-      <p:sp>
-        <p:nvSpPr>
-          <p:cNvPr id="5" name="Rectangle 4"/>
+          <a:bodyPr/>
+          <a:lstStyle/>
+          <a:p>
+            <a:r>
+              <a:rPr lang="en-US" dirty="0" smtClean="0"/>
+              <a:t>Front end Bings the search query, using its functionality to guess the most relevant result</a:t>
+            </a:r>
+          </a:p>
+          <a:p>
+            <a:r>
+              <a:rPr lang="en-US" dirty="0" smtClean="0"/>
+              <a:t>Bing pulls the </a:t>
+            </a:r>
+            <a:r>
+              <a:rPr lang="en-US" dirty="0" err="1" smtClean="0"/>
+              <a:t>metacritic</a:t>
+            </a:r>
+            <a:r>
+              <a:rPr lang="en-US" dirty="0" smtClean="0"/>
+              <a:t> page</a:t>
+            </a:r>
+          </a:p>
+          <a:p>
+            <a:r>
+              <a:rPr lang="en-US" dirty="0" err="1" smtClean="0"/>
+              <a:t>MetaCritique</a:t>
+            </a:r>
+            <a:r>
+              <a:rPr lang="en-US" dirty="0" smtClean="0"/>
+              <a:t> pulls product info from </a:t>
+            </a:r>
+            <a:r>
+              <a:rPr lang="en-US" dirty="0" err="1" smtClean="0"/>
+              <a:t>Metacritic</a:t>
+            </a:r>
+            <a:r>
+              <a:rPr lang="en-US" dirty="0" smtClean="0"/>
+              <a:t> page</a:t>
+            </a:r>
+            <a:endParaRPr lang="en-US" dirty="0"/>
+          </a:p>
+        </p:txBody>
+      </p:sp>
+      <p:sp>
+        <p:nvSpPr>
+          <p:cNvPr id="7" name="Rectangle 6"/>
           <p:cNvSpPr/>
           <p:nvPr/>
         </p:nvSpPr>
@@ -5770,7 +8647,7 @@
     </p:spTree>
     <p:extLst>
       <p:ext uri="{BB962C8B-B14F-4D97-AF65-F5344CB8AC3E}">
-        <p14:creationId xmlns:p14="http://schemas.microsoft.com/office/powerpoint/2010/main" val="3247271872"/>
+        <p14:creationId xmlns:p14="http://schemas.microsoft.com/office/powerpoint/2010/main" val="3688104167"/>
       </p:ext>
     </p:extLst>
   </p:cSld>
@@ -5818,7 +8695,7 @@
                                       <p:cBhvr>
                                         <p:cTn id="6" dur="15000" fill="hold"/>
                                         <p:tgtEl>
-                                          <p:spTgt spid="5"/>
+                                          <p:spTgt spid="7"/>
                                         </p:tgtEl>
                                         <p:attrNameLst>
                                           <p:attrName>ppt_x</p:attrName>
@@ -5858,7 +8735,7 @@
       </p:par>
     </p:tnLst>
     <p:bldLst>
-      <p:bldP spid="5" grpId="0" animBg="1"/>
+      <p:bldP spid="7" grpId="0" animBg="1"/>
     </p:bldLst>
   </p:timing>
 </p:sld>
@@ -5883,6 +8760,29 @@
       </p:grpSpPr>
       <p:sp>
         <p:nvSpPr>
+          <p:cNvPr id="6" name="Title 5"/>
+          <p:cNvSpPr>
+            <a:spLocks noGrp="1"/>
+          </p:cNvSpPr>
+          <p:nvPr>
+            <p:ph type="title"/>
+          </p:nvPr>
+        </p:nvSpPr>
+        <p:spPr/>
+        <p:txBody>
+          <a:bodyPr/>
+          <a:lstStyle/>
+          <a:p>
+            <a:r>
+              <a:rPr lang="en-US" dirty="0" smtClean="0"/>
+              <a:t>Added functionality: Progress Bar</a:t>
+            </a:r>
+            <a:endParaRPr lang="en-US" dirty="0"/>
+          </a:p>
+        </p:txBody>
+      </p:sp>
+      <p:sp>
+        <p:nvSpPr>
           <p:cNvPr id="4" name="Content Placeholder 3"/>
           <p:cNvSpPr>
             <a:spLocks noGrp="1"/>
@@ -5896,25 +8796,29 @@
           <a:bodyPr/>
           <a:lstStyle/>
           <a:p>
-            <a:endParaRPr lang="en-US" dirty="0"/>
-          </a:p>
-        </p:txBody>
-      </p:sp>
-      <p:sp>
-        <p:nvSpPr>
-          <p:cNvPr id="6" name="Title 5"/>
-          <p:cNvSpPr>
-            <a:spLocks noGrp="1"/>
-          </p:cNvSpPr>
-          <p:nvPr>
-            <p:ph type="title"/>
-          </p:nvPr>
-        </p:nvSpPr>
-        <p:spPr/>
-        <p:txBody>
-          <a:bodyPr/>
-          <a:lstStyle/>
-          <a:p>
+            <a:r>
+              <a:rPr lang="en-US" dirty="0" smtClean="0"/>
+              <a:t>Two asynchronous queries: Bing then </a:t>
+            </a:r>
+            <a:r>
+              <a:rPr lang="en-US" dirty="0" err="1" smtClean="0"/>
+              <a:t>Metacritic</a:t>
+            </a:r>
+            <a:endParaRPr lang="en-US" dirty="0" smtClean="0"/>
+          </a:p>
+          <a:p>
+            <a:r>
+              <a:rPr lang="en-US" dirty="0" smtClean="0"/>
+              <a:t>When crawling Bing, </a:t>
+            </a:r>
+            <a:r>
+              <a:rPr lang="en-US" dirty="0" err="1" smtClean="0"/>
+              <a:t>AsyncTask</a:t>
+            </a:r>
+            <a:r>
+              <a:rPr lang="en-US" dirty="0" smtClean="0"/>
+              <a:t> shows a progress bar</a:t>
+            </a:r>
             <a:endParaRPr lang="en-US" dirty="0"/>
           </a:p>
         </p:txBody>
@@ -6098,7 +9002,30 @@
       </p:grpSpPr>
       <p:sp>
         <p:nvSpPr>
-          <p:cNvPr id="4" name="Content Placeholder 3"/>
+          <p:cNvPr id="2" name="Title 1"/>
+          <p:cNvSpPr>
+            <a:spLocks noGrp="1"/>
+          </p:cNvSpPr>
+          <p:nvPr>
+            <p:ph type="title"/>
+          </p:nvPr>
+        </p:nvSpPr>
+        <p:spPr/>
+        <p:txBody>
+          <a:bodyPr/>
+          <a:lstStyle/>
+          <a:p>
+            <a:r>
+              <a:rPr lang="en-US" dirty="0" err="1" smtClean="0"/>
+              <a:t>hideSoftKeyboard</a:t>
+            </a:r>
+            <a:endParaRPr lang="en-US" dirty="0"/>
+          </a:p>
+        </p:txBody>
+      </p:sp>
+      <p:sp>
+        <p:nvSpPr>
+          <p:cNvPr id="3" name="Content Placeholder 2"/>
           <p:cNvSpPr>
             <a:spLocks noGrp="1"/>
           </p:cNvSpPr>
@@ -6108,35 +9035,47 @@
         </p:nvSpPr>
         <p:spPr/>
         <p:txBody>
-          <a:bodyPr/>
-          <a:lstStyle/>
-          <a:p>
+          <a:bodyPr>
+            <a:normAutofit/>
+          </a:bodyPr>
+          <a:lstStyle/>
+          <a:p>
+            <a:pPr marL="0" indent="0">
+              <a:buNone/>
+            </a:pPr>
+            <a:r>
+              <a:rPr lang="en-US" dirty="0" smtClean="0"/>
+              <a:t>Hides </a:t>
+            </a:r>
+            <a:r>
+              <a:rPr lang="en-US" dirty="0" err="1" smtClean="0"/>
+              <a:t>EditText</a:t>
+            </a:r>
+            <a:r>
+              <a:rPr lang="en-US" dirty="0" smtClean="0"/>
+              <a:t> keyboard when a user taps outside the keyboard</a:t>
+            </a:r>
+          </a:p>
+          <a:p>
+            <a:pPr marL="0" indent="0">
+              <a:buNone/>
+            </a:pPr>
+            <a:r>
+              <a:rPr lang="en-US" dirty="0" smtClean="0"/>
+              <a:t>Simple, yet effective and sleek</a:t>
+            </a:r>
+          </a:p>
+          <a:p>
+            <a:pPr marL="0" indent="0">
+              <a:buNone/>
+            </a:pPr>
             <a:endParaRPr lang="en-US" dirty="0" smtClean="0"/>
           </a:p>
         </p:txBody>
       </p:sp>
       <p:sp>
         <p:nvSpPr>
-          <p:cNvPr id="6" name="Title 5"/>
-          <p:cNvSpPr>
-            <a:spLocks noGrp="1"/>
-          </p:cNvSpPr>
-          <p:nvPr>
-            <p:ph type="title"/>
-          </p:nvPr>
-        </p:nvSpPr>
-        <p:spPr/>
-        <p:txBody>
-          <a:bodyPr/>
-          <a:lstStyle/>
-          <a:p>
-            <a:endParaRPr lang="en-US" dirty="0"/>
-          </a:p>
-        </p:txBody>
-      </p:sp>
-      <p:sp>
-        <p:nvSpPr>
-          <p:cNvPr id="7" name="Rectangle 6"/>
+          <p:cNvPr id="5" name="Rectangle 4"/>
           <p:cNvSpPr/>
           <p:nvPr/>
         </p:nvSpPr>
@@ -6200,7 +9139,7 @@
     </p:spTree>
     <p:extLst>
       <p:ext uri="{BB962C8B-B14F-4D97-AF65-F5344CB8AC3E}">
-        <p14:creationId xmlns:p14="http://schemas.microsoft.com/office/powerpoint/2010/main" val="3539644366"/>
+        <p14:creationId xmlns:p14="http://schemas.microsoft.com/office/powerpoint/2010/main" val="3247271872"/>
       </p:ext>
     </p:extLst>
   </p:cSld>
@@ -6248,7 +9187,7 @@
                                       <p:cBhvr>
                                         <p:cTn id="6" dur="15000" fill="hold"/>
                                         <p:tgtEl>
-                                          <p:spTgt spid="7"/>
+                                          <p:spTgt spid="5"/>
                                         </p:tgtEl>
                                         <p:attrNameLst>
                                           <p:attrName>ppt_x</p:attrName>
@@ -6288,7 +9227,7 @@
       </p:par>
     </p:tnLst>
     <p:bldLst>
-      <p:bldP spid="7" grpId="0" animBg="1"/>
+      <p:bldP spid="5" grpId="0" animBg="1"/>
     </p:bldLst>
   </p:timing>
 </p:sld>
@@ -6313,6 +9252,37 @@
       </p:grpSpPr>
       <p:sp>
         <p:nvSpPr>
+          <p:cNvPr id="6" name="Title 5"/>
+          <p:cNvSpPr>
+            <a:spLocks noGrp="1"/>
+          </p:cNvSpPr>
+          <p:nvPr>
+            <p:ph type="title"/>
+          </p:nvPr>
+        </p:nvSpPr>
+        <p:spPr/>
+        <p:txBody>
+          <a:bodyPr/>
+          <a:lstStyle/>
+          <a:p>
+            <a:r>
+              <a:rPr lang="en-US" dirty="0" smtClean="0"/>
+              <a:t>What if </a:t>
+            </a:r>
+            <a:r>
+              <a:rPr lang="en-US" dirty="0" err="1" smtClean="0"/>
+              <a:t>Metacritic</a:t>
+            </a:r>
+            <a:r>
+              <a:rPr lang="en-US" dirty="0" smtClean="0"/>
+              <a:t> page is not the first result?</a:t>
+            </a:r>
+            <a:endParaRPr lang="en-US" dirty="0"/>
+          </a:p>
+        </p:txBody>
+      </p:sp>
+      <p:sp>
+        <p:nvSpPr>
           <p:cNvPr id="4" name="Content Placeholder 3"/>
           <p:cNvSpPr>
             <a:spLocks noGrp="1"/>
@@ -6323,31 +9293,13 @@
         </p:nvSpPr>
         <p:spPr/>
         <p:txBody>
-          <a:bodyPr>
-            <a:normAutofit/>
-          </a:bodyPr>
-          <a:lstStyle/>
-          <a:p>
-            <a:endParaRPr lang="en-US" dirty="0"/>
-          </a:p>
-        </p:txBody>
-      </p:sp>
-      <p:sp>
-        <p:nvSpPr>
-          <p:cNvPr id="6" name="Title 5"/>
-          <p:cNvSpPr>
-            <a:spLocks noGrp="1"/>
-          </p:cNvSpPr>
-          <p:nvPr>
-            <p:ph type="title"/>
-          </p:nvPr>
-        </p:nvSpPr>
-        <p:spPr/>
-        <p:txBody>
           <a:bodyPr/>
           <a:lstStyle/>
           <a:p>
-            <a:endParaRPr lang="en-US" dirty="0"/>
+            <a:r>
+              <a:rPr lang="en-US" dirty="0" smtClean="0"/>
+              <a:t>Potential issue, if not handled then it would crash the app</a:t>
+            </a:r>
           </a:p>
         </p:txBody>
       </p:sp>
@@ -6530,6 +9482,37 @@
       </p:grpSpPr>
       <p:sp>
         <p:nvSpPr>
+          <p:cNvPr id="6" name="Title 5"/>
+          <p:cNvSpPr>
+            <a:spLocks noGrp="1"/>
+          </p:cNvSpPr>
+          <p:nvPr>
+            <p:ph type="title"/>
+          </p:nvPr>
+        </p:nvSpPr>
+        <p:spPr/>
+        <p:txBody>
+          <a:bodyPr/>
+          <a:lstStyle/>
+          <a:p>
+            <a:r>
+              <a:rPr lang="en-US" dirty="0" smtClean="0"/>
+              <a:t>What if </a:t>
+            </a:r>
+            <a:r>
+              <a:rPr lang="en-US" dirty="0" err="1" smtClean="0"/>
+              <a:t>Metacritic</a:t>
+            </a:r>
+            <a:r>
+              <a:rPr lang="en-US" dirty="0" smtClean="0"/>
+              <a:t> page is not the first result?</a:t>
+            </a:r>
+            <a:endParaRPr lang="en-US" dirty="0"/>
+          </a:p>
+        </p:txBody>
+      </p:sp>
+      <p:sp>
+        <p:nvSpPr>
           <p:cNvPr id="4" name="Content Placeholder 3"/>
           <p:cNvSpPr>
             <a:spLocks noGrp="1"/>
@@ -6543,25 +9526,15 @@
           <a:bodyPr/>
           <a:lstStyle/>
           <a:p>
-            <a:endParaRPr lang="en-US" b="1" dirty="0"/>
-          </a:p>
-        </p:txBody>
-      </p:sp>
-      <p:sp>
-        <p:nvSpPr>
-          <p:cNvPr id="6" name="Title 5"/>
-          <p:cNvSpPr>
-            <a:spLocks noGrp="1"/>
-          </p:cNvSpPr>
-          <p:nvPr>
-            <p:ph type="title"/>
-          </p:nvPr>
-        </p:nvSpPr>
-        <p:spPr/>
-        <p:txBody>
-          <a:bodyPr/>
-          <a:lstStyle/>
-          <a:p>
+            <a:r>
+              <a:rPr lang="en-US" dirty="0" smtClean="0"/>
+              <a:t>Checks to make sure that Bing result directs to http://www.metacritic.com/ , otherwise throws an error to the user</a:t>
+            </a:r>
+          </a:p>
+          <a:p>
+            <a:pPr marL="0" indent="0">
+              <a:buNone/>
+            </a:pPr>
             <a:endParaRPr lang="en-US" dirty="0"/>
           </a:p>
         </p:txBody>
@@ -6632,18 +9605,18 @@
     </p:spTree>
     <p:extLst>
       <p:ext uri="{BB962C8B-B14F-4D97-AF65-F5344CB8AC3E}">
-        <p14:creationId xmlns:p14="http://schemas.microsoft.com/office/powerpoint/2010/main" val="3539644366"/>
+        <p14:creationId xmlns:p14="http://schemas.microsoft.com/office/powerpoint/2010/main" val="4248627958"/>
       </p:ext>
     </p:extLst>
   </p:cSld>
   <p:clrMapOvr>
     <a:masterClrMapping/>
   </p:clrMapOvr>
-  <mc:AlternateContent xmlns:mc="http://schemas.openxmlformats.org/markup-compatibility/2006" xmlns:p14="http://schemas.microsoft.com/office/powerpoint/2010/main">
-    <mc:Choice Requires="p14">
+  <mc:AlternateContent xmlns:mc="http://schemas.openxmlformats.org/markup-compatibility/2006">
+    <mc:Choice xmlns:p14="http://schemas.microsoft.com/office/powerpoint/2010/main" Requires="p14">
       <p:transition spd="slow" p14:dur="2000" advTm="15000"/>
     </mc:Choice>
-    <mc:Fallback xmlns="">
+    <mc:Fallback>
       <p:transition spd="slow" advTm="15000"/>
     </mc:Fallback>
   </mc:AlternateContent>
@@ -6745,6 +9718,29 @@
       </p:grpSpPr>
       <p:sp>
         <p:nvSpPr>
+          <p:cNvPr id="6" name="Title 5"/>
+          <p:cNvSpPr>
+            <a:spLocks noGrp="1"/>
+          </p:cNvSpPr>
+          <p:nvPr>
+            <p:ph type="title"/>
+          </p:nvPr>
+        </p:nvSpPr>
+        <p:spPr/>
+        <p:txBody>
+          <a:bodyPr/>
+          <a:lstStyle/>
+          <a:p>
+            <a:r>
+              <a:rPr lang="en-US" dirty="0" smtClean="0"/>
+              <a:t>External links</a:t>
+            </a:r>
+            <a:endParaRPr lang="en-US" dirty="0"/>
+          </a:p>
+        </p:txBody>
+      </p:sp>
+      <p:sp>
+        <p:nvSpPr>
           <p:cNvPr id="4" name="Content Placeholder 3"/>
           <p:cNvSpPr>
             <a:spLocks noGrp="1"/>
@@ -6758,26 +9754,11 @@
           <a:bodyPr/>
           <a:lstStyle/>
           <a:p>
-            <a:endParaRPr lang="en-US" dirty="0"/>
-          </a:p>
-        </p:txBody>
-      </p:sp>
-      <p:sp>
-        <p:nvSpPr>
-          <p:cNvPr id="6" name="Title 5"/>
-          <p:cNvSpPr>
-            <a:spLocks noGrp="1"/>
-          </p:cNvSpPr>
-          <p:nvPr>
-            <p:ph type="title"/>
-          </p:nvPr>
-        </p:nvSpPr>
-        <p:spPr/>
-        <p:txBody>
-          <a:bodyPr/>
-          <a:lstStyle/>
-          <a:p>
-            <a:endParaRPr lang="en-US" dirty="0"/>
+            <a:r>
+              <a:rPr lang="en-US" dirty="0" smtClean="0"/>
+              <a:t>For critic reviews, user reviews</a:t>
+            </a:r>
+            <a:endParaRPr lang="en-US" dirty="0" smtClean="0"/>
           </a:p>
         </p:txBody>
       </p:sp>
@@ -6960,6 +9941,29 @@
       </p:grpSpPr>
       <p:sp>
         <p:nvSpPr>
+          <p:cNvPr id="6" name="Title 5"/>
+          <p:cNvSpPr>
+            <a:spLocks noGrp="1"/>
+          </p:cNvSpPr>
+          <p:nvPr>
+            <p:ph type="title"/>
+          </p:nvPr>
+        </p:nvSpPr>
+        <p:spPr/>
+        <p:txBody>
+          <a:bodyPr/>
+          <a:lstStyle/>
+          <a:p>
+            <a:r>
+              <a:rPr lang="en-US" dirty="0" smtClean="0"/>
+              <a:t>What’s Next?</a:t>
+            </a:r>
+            <a:endParaRPr lang="en-US" dirty="0"/>
+          </a:p>
+        </p:txBody>
+      </p:sp>
+      <p:sp>
+        <p:nvSpPr>
           <p:cNvPr id="4" name="Content Placeholder 3"/>
           <p:cNvSpPr>
             <a:spLocks noGrp="1"/>
@@ -6970,243 +9974,31 @@
         </p:nvSpPr>
         <p:spPr/>
         <p:txBody>
-          <a:bodyPr/>
-          <a:lstStyle/>
-          <a:p>
-            <a:endParaRPr lang="en-US" dirty="0"/>
-          </a:p>
-        </p:txBody>
-      </p:sp>
-      <p:sp>
-        <p:nvSpPr>
-          <p:cNvPr id="6" name="Title 5"/>
-          <p:cNvSpPr>
-            <a:spLocks noGrp="1"/>
-          </p:cNvSpPr>
-          <p:nvPr>
-            <p:ph type="title"/>
-          </p:nvPr>
-        </p:nvSpPr>
-        <p:spPr/>
-        <p:txBody>
-          <a:bodyPr/>
-          <a:lstStyle/>
-          <a:p>
-            <a:endParaRPr lang="en-US" dirty="0"/>
-          </a:p>
-        </p:txBody>
-      </p:sp>
-      <p:sp>
-        <p:nvSpPr>
-          <p:cNvPr id="7" name="Rectangle 6"/>
-          <p:cNvSpPr/>
-          <p:nvPr/>
-        </p:nvSpPr>
-        <p:spPr>
-          <a:xfrm>
-            <a:off x="0" y="6400800"/>
-            <a:ext cx="9144000" cy="457200"/>
-          </a:xfrm>
-          <a:prstGeom prst="rect">
-            <a:avLst/>
-          </a:prstGeom>
-          <a:gradFill>
-            <a:gsLst>
-              <a:gs pos="0">
-                <a:schemeClr val="accent1">
-                  <a:tint val="66000"/>
-                  <a:satMod val="160000"/>
-                </a:schemeClr>
-              </a:gs>
-              <a:gs pos="50000">
-                <a:schemeClr val="accent1">
-                  <a:tint val="44500"/>
-                  <a:satMod val="160000"/>
-                </a:schemeClr>
-              </a:gs>
-              <a:gs pos="100000">
-                <a:schemeClr val="accent1">
-                  <a:tint val="23500"/>
-                  <a:satMod val="160000"/>
-                </a:schemeClr>
-              </a:gs>
-            </a:gsLst>
-            <a:lin ang="15600000" scaled="0"/>
-          </a:gradFill>
-        </p:spPr>
-        <p:style>
-          <a:lnRef idx="2">
-            <a:schemeClr val="accent1">
-              <a:shade val="50000"/>
-            </a:schemeClr>
-          </a:lnRef>
-          <a:fillRef idx="1">
-            <a:schemeClr val="accent1"/>
-          </a:fillRef>
-          <a:effectRef idx="0">
-            <a:schemeClr val="accent1"/>
-          </a:effectRef>
-          <a:fontRef idx="minor">
-            <a:schemeClr val="lt1"/>
-          </a:fontRef>
-        </p:style>
-        <p:txBody>
-          <a:bodyPr rtlCol="0" anchor="ctr"/>
-          <a:lstStyle/>
-          <a:p>
-            <a:pPr algn="ctr"/>
-            <a:endParaRPr lang="en-US"/>
-          </a:p>
-        </p:txBody>
-      </p:sp>
-    </p:spTree>
-    <p:extLst>
-      <p:ext uri="{BB962C8B-B14F-4D97-AF65-F5344CB8AC3E}">
-        <p14:creationId xmlns:p14="http://schemas.microsoft.com/office/powerpoint/2010/main" val="3539644366"/>
-      </p:ext>
-    </p:extLst>
-  </p:cSld>
-  <p:clrMapOvr>
-    <a:masterClrMapping/>
-  </p:clrMapOvr>
-  <mc:AlternateContent xmlns:mc="http://schemas.openxmlformats.org/markup-compatibility/2006" xmlns:p14="http://schemas.microsoft.com/office/powerpoint/2010/main">
-    <mc:Choice Requires="p14">
-      <p:transition spd="slow" p14:dur="2000" advTm="15000"/>
-    </mc:Choice>
-    <mc:Fallback xmlns="">
-      <p:transition spd="slow" advTm="15000"/>
-    </mc:Fallback>
-  </mc:AlternateContent>
-  <p:timing>
-    <p:tnLst>
-      <p:par>
-        <p:cTn id="1" dur="indefinite" restart="never" nodeType="tmRoot">
-          <p:childTnLst>
-            <p:seq concurrent="1" nextAc="seek">
-              <p:cTn id="2" dur="indefinite" nodeType="mainSeq">
-                <p:childTnLst>
-                  <p:par>
-                    <p:cTn id="3" fill="hold">
-                      <p:stCondLst>
-                        <p:cond delay="indefinite"/>
-                        <p:cond evt="onBegin" delay="0">
-                          <p:tn val="2"/>
-                        </p:cond>
-                      </p:stCondLst>
-                      <p:childTnLst>
-                        <p:par>
-                          <p:cTn id="4" fill="hold">
-                            <p:stCondLst>
-                              <p:cond delay="0"/>
-                            </p:stCondLst>
-                            <p:childTnLst>
-                              <p:par>
-                                <p:cTn id="5" presetID="63" presetClass="path" presetSubtype="0" fill="hold" grpId="0" nodeType="withEffect">
-                                  <p:stCondLst>
-                                    <p:cond delay="0"/>
-                                  </p:stCondLst>
-                                  <p:childTnLst>
-                                    <p:animMotion origin="layout" path="M 0 -2.84262E-6 L 1 -2.84262E-6 " pathEditMode="relative" rAng="0" ptsTypes="AA">
-                                      <p:cBhvr>
-                                        <p:cTn id="6" dur="15000" fill="hold"/>
-                                        <p:tgtEl>
-                                          <p:spTgt spid="7"/>
-                                        </p:tgtEl>
-                                        <p:attrNameLst>
-                                          <p:attrName>ppt_x</p:attrName>
-                                          <p:attrName>ppt_y</p:attrName>
-                                        </p:attrNameLst>
-                                      </p:cBhvr>
-                                      <p:rCtr x="50000" y="0"/>
-                                    </p:animMotion>
-                                  </p:childTnLst>
-                                </p:cTn>
-                              </p:par>
-                            </p:childTnLst>
-                          </p:cTn>
-                        </p:par>
-                      </p:childTnLst>
-                    </p:cTn>
-                  </p:par>
-                </p:childTnLst>
-              </p:cTn>
-              <p:prevCondLst>
-                <p:cond evt="onPrev" delay="0">
-                  <p:tgtEl>
-                    <p:sldTgt/>
-                  </p:tgtEl>
-                </p:cond>
-              </p:prevCondLst>
-              <p:nextCondLst>
-                <p:cond evt="onNext" delay="0">
-                  <p:tgtEl>
-                    <p:sldTgt/>
-                  </p:tgtEl>
-                </p:cond>
-              </p:nextCondLst>
-            </p:seq>
-          </p:childTnLst>
-        </p:cTn>
-      </p:par>
-    </p:tnLst>
-    <p:bldLst>
-      <p:bldP spid="7" grpId="0" animBg="1"/>
-    </p:bldLst>
-  </p:timing>
-</p:sld>
-</file>
-
-<file path=ppt/slides/slide19.xml><?xml version="1.0" encoding="utf-8"?>
-<p:sld xmlns:a="http://schemas.openxmlformats.org/drawingml/2006/main" xmlns:r="http://schemas.openxmlformats.org/officeDocument/2006/relationships" xmlns:p="http://schemas.openxmlformats.org/presentationml/2006/main">
-  <p:cSld>
-    <p:spTree>
-      <p:nvGrpSpPr>
-        <p:cNvPr id="1" name=""/>
-        <p:cNvGrpSpPr/>
-        <p:nvPr/>
-      </p:nvGrpSpPr>
-      <p:grpSpPr>
-        <a:xfrm>
-          <a:off x="0" y="0"/>
-          <a:ext cx="0" cy="0"/>
-          <a:chOff x="0" y="0"/>
-          <a:chExt cx="0" cy="0"/>
-        </a:xfrm>
-      </p:grpSpPr>
-      <p:sp>
-        <p:nvSpPr>
-          <p:cNvPr id="4" name="Content Placeholder 3"/>
-          <p:cNvSpPr>
-            <a:spLocks noGrp="1"/>
-          </p:cNvSpPr>
-          <p:nvPr>
-            <p:ph idx="1"/>
-          </p:nvPr>
-        </p:nvSpPr>
-        <p:spPr/>
-        <p:txBody>
-          <a:bodyPr/>
-          <a:lstStyle/>
-          <a:p>
-            <a:endParaRPr lang="en-US" dirty="0"/>
-          </a:p>
-        </p:txBody>
-      </p:sp>
-      <p:sp>
-        <p:nvSpPr>
-          <p:cNvPr id="6" name="Title 5"/>
-          <p:cNvSpPr>
-            <a:spLocks noGrp="1"/>
-          </p:cNvSpPr>
-          <p:nvPr>
-            <p:ph type="title"/>
-          </p:nvPr>
-        </p:nvSpPr>
-        <p:spPr/>
-        <p:txBody>
-          <a:bodyPr/>
-          <a:lstStyle/>
-          <a:p>
+          <a:bodyPr>
+            <a:normAutofit/>
+          </a:bodyPr>
+          <a:lstStyle/>
+          <a:p>
+            <a:r>
+              <a:rPr lang="en-US" dirty="0" err="1" smtClean="0"/>
+              <a:t>Listview</a:t>
+            </a:r>
+            <a:r>
+              <a:rPr lang="en-US" dirty="0" smtClean="0"/>
+              <a:t> the critic and user reviews</a:t>
+            </a:r>
+          </a:p>
+          <a:p>
+            <a:r>
+              <a:rPr lang="en-US" dirty="0" smtClean="0"/>
+              <a:t>Use Bing to a more powerful extent – List relevant products for a search term</a:t>
+            </a:r>
+          </a:p>
+          <a:p>
+            <a:r>
+              <a:rPr lang="en-US" dirty="0" smtClean="0"/>
+              <a:t>E.G. “Lord of the Rings” returns all three movies, all the video games</a:t>
+            </a:r>
             <a:endParaRPr lang="en-US" dirty="0"/>
           </a:p>
         </p:txBody>
@@ -7390,49 +10182,6 @@
       </p:grpSpPr>
       <p:sp>
         <p:nvSpPr>
-          <p:cNvPr id="2" name="Title 1"/>
-          <p:cNvSpPr>
-            <a:spLocks noGrp="1"/>
-          </p:cNvSpPr>
-          <p:nvPr>
-            <p:ph type="title"/>
-          </p:nvPr>
-        </p:nvSpPr>
-        <p:spPr/>
-        <p:txBody>
-          <a:bodyPr/>
-          <a:lstStyle/>
-          <a:p>
-            <a:endParaRPr lang="en-US" dirty="0"/>
-          </a:p>
-        </p:txBody>
-      </p:sp>
-      <p:sp>
-        <p:nvSpPr>
-          <p:cNvPr id="3" name="Content Placeholder 2"/>
-          <p:cNvSpPr>
-            <a:spLocks noGrp="1"/>
-          </p:cNvSpPr>
-          <p:nvPr>
-            <p:ph idx="1"/>
-          </p:nvPr>
-        </p:nvSpPr>
-        <p:spPr/>
-        <p:txBody>
-          <a:bodyPr>
-            <a:normAutofit/>
-          </a:bodyPr>
-          <a:lstStyle/>
-          <a:p>
-            <a:pPr marL="0" indent="0">
-              <a:buNone/>
-            </a:pPr>
-            <a:endParaRPr lang="en-US" dirty="0"/>
-          </a:p>
-        </p:txBody>
-      </p:sp>
-      <p:sp>
-        <p:nvSpPr>
           <p:cNvPr id="6" name="Rectangle 5"/>
           <p:cNvSpPr/>
           <p:nvPr/>
@@ -7491,6 +10240,295 @@
           <a:p>
             <a:pPr algn="ctr"/>
             <a:endParaRPr lang="en-US"/>
+          </a:p>
+        </p:txBody>
+      </p:sp>
+      <p:pic>
+        <p:nvPicPr>
+          <p:cNvPr id="7" name="Content Placeholder 6"/>
+          <p:cNvPicPr>
+            <a:picLocks noGrp="1" noChangeAspect="1"/>
+          </p:cNvPicPr>
+          <p:nvPr>
+            <p:ph idx="1"/>
+          </p:nvPr>
+        </p:nvPicPr>
+        <p:blipFill>
+          <a:blip r:embed="rId2">
+            <a:extLst>
+              <a:ext uri="{28A0092B-C50C-407E-A947-70E740481C1C}">
+                <a14:useLocalDpi xmlns:a14="http://schemas.microsoft.com/office/drawing/2010/main" val="0"/>
+              </a:ext>
+            </a:extLst>
+          </a:blip>
+          <a:stretch>
+            <a:fillRect/>
+          </a:stretch>
+        </p:blipFill>
+        <p:spPr>
+          <a:xfrm>
+            <a:off x="966216" y="2220378"/>
+            <a:ext cx="5587301" cy="1269841"/>
+          </a:xfrm>
+        </p:spPr>
+      </p:pic>
+      <p:sp>
+        <p:nvSpPr>
+          <p:cNvPr id="8" name="Content Placeholder 2"/>
+          <p:cNvSpPr txBox="1">
+            <a:spLocks/>
+          </p:cNvSpPr>
+          <p:nvPr/>
+        </p:nvSpPr>
+        <p:spPr>
+          <a:xfrm>
+            <a:off x="1295400" y="3581400"/>
+            <a:ext cx="6347714" cy="3880773"/>
+          </a:xfrm>
+          <a:prstGeom prst="rect">
+            <a:avLst/>
+          </a:prstGeom>
+        </p:spPr>
+        <p:txBody>
+          <a:bodyPr vert="horz" lIns="91440" tIns="45720" rIns="91440" bIns="45720" rtlCol="0">
+            <a:normAutofit/>
+          </a:bodyPr>
+          <a:lstStyle>
+            <a:lvl1pPr marL="342900" indent="-342900" algn="l" defTabSz="457200" rtl="0" eaLnBrk="1" latinLnBrk="0" hangingPunct="1">
+              <a:spcBef>
+                <a:spcPts val="1000"/>
+              </a:spcBef>
+              <a:spcAft>
+                <a:spcPts val="0"/>
+              </a:spcAft>
+              <a:buClr>
+                <a:schemeClr val="accent1"/>
+              </a:buClr>
+              <a:buSzPct val="80000"/>
+              <a:buFont typeface="Wingdings 3" charset="2"/>
+              <a:buChar char=""/>
+              <a:defRPr sz="1800" kern="1200">
+                <a:solidFill>
+                  <a:schemeClr val="tx1">
+                    <a:lumMod val="75000"/>
+                    <a:lumOff val="25000"/>
+                  </a:schemeClr>
+                </a:solidFill>
+                <a:latin typeface="+mn-lt"/>
+                <a:ea typeface="+mn-ea"/>
+                <a:cs typeface="+mn-cs"/>
+              </a:defRPr>
+            </a:lvl1pPr>
+            <a:lvl2pPr marL="742950" indent="-285750" algn="l" defTabSz="457200" rtl="0" eaLnBrk="1" latinLnBrk="0" hangingPunct="1">
+              <a:spcBef>
+                <a:spcPts val="1000"/>
+              </a:spcBef>
+              <a:spcAft>
+                <a:spcPts val="0"/>
+              </a:spcAft>
+              <a:buClr>
+                <a:schemeClr val="accent1"/>
+              </a:buClr>
+              <a:buSzPct val="80000"/>
+              <a:buFont typeface="Wingdings 3" charset="2"/>
+              <a:buChar char=""/>
+              <a:defRPr sz="1600" kern="1200">
+                <a:solidFill>
+                  <a:schemeClr val="tx1">
+                    <a:lumMod val="75000"/>
+                    <a:lumOff val="25000"/>
+                  </a:schemeClr>
+                </a:solidFill>
+                <a:latin typeface="+mn-lt"/>
+                <a:ea typeface="+mn-ea"/>
+                <a:cs typeface="+mn-cs"/>
+              </a:defRPr>
+            </a:lvl2pPr>
+            <a:lvl3pPr marL="1143000" indent="-228600" algn="l" defTabSz="457200" rtl="0" eaLnBrk="1" latinLnBrk="0" hangingPunct="1">
+              <a:spcBef>
+                <a:spcPts val="1000"/>
+              </a:spcBef>
+              <a:spcAft>
+                <a:spcPts val="0"/>
+              </a:spcAft>
+              <a:buClr>
+                <a:schemeClr val="accent1"/>
+              </a:buClr>
+              <a:buSzPct val="80000"/>
+              <a:buFont typeface="Wingdings 3" charset="2"/>
+              <a:buChar char=""/>
+              <a:defRPr sz="1400" kern="1200">
+                <a:solidFill>
+                  <a:schemeClr val="tx1">
+                    <a:lumMod val="75000"/>
+                    <a:lumOff val="25000"/>
+                  </a:schemeClr>
+                </a:solidFill>
+                <a:latin typeface="+mn-lt"/>
+                <a:ea typeface="+mn-ea"/>
+                <a:cs typeface="+mn-cs"/>
+              </a:defRPr>
+            </a:lvl3pPr>
+            <a:lvl4pPr marL="1600200" indent="-228600" algn="l" defTabSz="457200" rtl="0" eaLnBrk="1" latinLnBrk="0" hangingPunct="1">
+              <a:spcBef>
+                <a:spcPts val="1000"/>
+              </a:spcBef>
+              <a:spcAft>
+                <a:spcPts val="0"/>
+              </a:spcAft>
+              <a:buClr>
+                <a:schemeClr val="accent1"/>
+              </a:buClr>
+              <a:buSzPct val="80000"/>
+              <a:buFont typeface="Wingdings 3" charset="2"/>
+              <a:buChar char=""/>
+              <a:defRPr sz="1200" kern="1200">
+                <a:solidFill>
+                  <a:schemeClr val="tx1">
+                    <a:lumMod val="75000"/>
+                    <a:lumOff val="25000"/>
+                  </a:schemeClr>
+                </a:solidFill>
+                <a:latin typeface="+mn-lt"/>
+                <a:ea typeface="+mn-ea"/>
+                <a:cs typeface="+mn-cs"/>
+              </a:defRPr>
+            </a:lvl4pPr>
+            <a:lvl5pPr marL="2057400" indent="-228600" algn="l" defTabSz="457200" rtl="0" eaLnBrk="1" latinLnBrk="0" hangingPunct="1">
+              <a:spcBef>
+                <a:spcPts val="1000"/>
+              </a:spcBef>
+              <a:spcAft>
+                <a:spcPts val="0"/>
+              </a:spcAft>
+              <a:buClr>
+                <a:schemeClr val="accent1"/>
+              </a:buClr>
+              <a:buSzPct val="80000"/>
+              <a:buFont typeface="Wingdings 3" charset="2"/>
+              <a:buChar char=""/>
+              <a:defRPr sz="1200" kern="1200">
+                <a:solidFill>
+                  <a:schemeClr val="tx1">
+                    <a:lumMod val="75000"/>
+                    <a:lumOff val="25000"/>
+                  </a:schemeClr>
+                </a:solidFill>
+                <a:latin typeface="+mn-lt"/>
+                <a:ea typeface="+mn-ea"/>
+                <a:cs typeface="+mn-cs"/>
+              </a:defRPr>
+            </a:lvl5pPr>
+            <a:lvl6pPr marL="2514600" indent="-228600" algn="l" defTabSz="457200" rtl="0" eaLnBrk="1" latinLnBrk="0" hangingPunct="1">
+              <a:spcBef>
+                <a:spcPts val="1000"/>
+              </a:spcBef>
+              <a:spcAft>
+                <a:spcPts val="0"/>
+              </a:spcAft>
+              <a:buClr>
+                <a:schemeClr val="accent1"/>
+              </a:buClr>
+              <a:buSzPct val="80000"/>
+              <a:buFont typeface="Wingdings 3" charset="2"/>
+              <a:buChar char=""/>
+              <a:defRPr sz="1200" kern="1200">
+                <a:solidFill>
+                  <a:schemeClr val="tx1">
+                    <a:lumMod val="75000"/>
+                    <a:lumOff val="25000"/>
+                  </a:schemeClr>
+                </a:solidFill>
+                <a:latin typeface="+mn-lt"/>
+                <a:ea typeface="+mn-ea"/>
+                <a:cs typeface="+mn-cs"/>
+              </a:defRPr>
+            </a:lvl6pPr>
+            <a:lvl7pPr marL="2971800" indent="-228600" algn="l" defTabSz="457200" rtl="0" eaLnBrk="1" latinLnBrk="0" hangingPunct="1">
+              <a:spcBef>
+                <a:spcPts val="1000"/>
+              </a:spcBef>
+              <a:spcAft>
+                <a:spcPts val="0"/>
+              </a:spcAft>
+              <a:buClr>
+                <a:schemeClr val="accent1"/>
+              </a:buClr>
+              <a:buSzPct val="80000"/>
+              <a:buFont typeface="Wingdings 3" charset="2"/>
+              <a:buChar char=""/>
+              <a:defRPr sz="1200" kern="1200">
+                <a:solidFill>
+                  <a:schemeClr val="tx1">
+                    <a:lumMod val="75000"/>
+                    <a:lumOff val="25000"/>
+                  </a:schemeClr>
+                </a:solidFill>
+                <a:latin typeface="+mn-lt"/>
+                <a:ea typeface="+mn-ea"/>
+                <a:cs typeface="+mn-cs"/>
+              </a:defRPr>
+            </a:lvl7pPr>
+            <a:lvl8pPr marL="3429000" indent="-228600" algn="l" defTabSz="457200" rtl="0" eaLnBrk="1" latinLnBrk="0" hangingPunct="1">
+              <a:spcBef>
+                <a:spcPts val="1000"/>
+              </a:spcBef>
+              <a:spcAft>
+                <a:spcPts val="0"/>
+              </a:spcAft>
+              <a:buClr>
+                <a:schemeClr val="accent1"/>
+              </a:buClr>
+              <a:buSzPct val="80000"/>
+              <a:buFont typeface="Wingdings 3" charset="2"/>
+              <a:buChar char=""/>
+              <a:defRPr sz="1200" kern="1200">
+                <a:solidFill>
+                  <a:schemeClr val="tx1">
+                    <a:lumMod val="75000"/>
+                    <a:lumOff val="25000"/>
+                  </a:schemeClr>
+                </a:solidFill>
+                <a:latin typeface="+mn-lt"/>
+                <a:ea typeface="+mn-ea"/>
+                <a:cs typeface="+mn-cs"/>
+              </a:defRPr>
+            </a:lvl8pPr>
+            <a:lvl9pPr marL="3886200" indent="-228600" algn="l" defTabSz="457200" rtl="0" eaLnBrk="1" latinLnBrk="0" hangingPunct="1">
+              <a:spcBef>
+                <a:spcPts val="1000"/>
+              </a:spcBef>
+              <a:spcAft>
+                <a:spcPts val="0"/>
+              </a:spcAft>
+              <a:buClr>
+                <a:schemeClr val="accent1"/>
+              </a:buClr>
+              <a:buSzPct val="80000"/>
+              <a:buFont typeface="Wingdings 3" charset="2"/>
+              <a:buChar char=""/>
+              <a:defRPr sz="1200" kern="1200">
+                <a:solidFill>
+                  <a:schemeClr val="tx1">
+                    <a:lumMod val="75000"/>
+                    <a:lumOff val="25000"/>
+                  </a:schemeClr>
+                </a:solidFill>
+                <a:latin typeface="+mn-lt"/>
+                <a:ea typeface="+mn-ea"/>
+                <a:cs typeface="+mn-cs"/>
+              </a:defRPr>
+            </a:lvl9pPr>
+          </a:lstStyle>
+          <a:p>
+            <a:pPr marL="0" indent="0">
+              <a:buNone/>
+            </a:pPr>
+            <a:r>
+              <a:rPr lang="en-US" dirty="0" smtClean="0"/>
+              <a:t>Review aggregator: Movies, Music, T.V. Shows, and Games</a:t>
+            </a:r>
+            <a:endParaRPr lang="en-US" dirty="0"/>
           </a:p>
         </p:txBody>
       </p:sp>
@@ -7591,7 +10629,7 @@
 </p:sld>
 </file>
 
-<file path=ppt/slides/slide20.xml><?xml version="1.0" encoding="utf-8"?>
+<file path=ppt/slides/slide3.xml><?xml version="1.0" encoding="utf-8"?>
 <p:sld xmlns:a="http://schemas.openxmlformats.org/drawingml/2006/main" xmlns:r="http://schemas.openxmlformats.org/officeDocument/2006/relationships" xmlns:p="http://schemas.openxmlformats.org/presentationml/2006/main">
   <p:cSld>
     <p:spTree>
@@ -7610,45 +10648,7 @@
       </p:grpSpPr>
       <p:sp>
         <p:nvSpPr>
-          <p:cNvPr id="4" name="Content Placeholder 3"/>
-          <p:cNvSpPr>
-            <a:spLocks noGrp="1"/>
-          </p:cNvSpPr>
-          <p:nvPr>
-            <p:ph idx="1"/>
-          </p:nvPr>
-        </p:nvSpPr>
-        <p:spPr/>
-        <p:txBody>
-          <a:bodyPr/>
-          <a:lstStyle/>
-          <a:p>
-            <a:endParaRPr lang="en-US" dirty="0"/>
-          </a:p>
-        </p:txBody>
-      </p:sp>
-      <p:sp>
-        <p:nvSpPr>
-          <p:cNvPr id="6" name="Title 5"/>
-          <p:cNvSpPr>
-            <a:spLocks noGrp="1"/>
-          </p:cNvSpPr>
-          <p:nvPr>
-            <p:ph type="title"/>
-          </p:nvPr>
-        </p:nvSpPr>
-        <p:spPr/>
-        <p:txBody>
-          <a:bodyPr/>
-          <a:lstStyle/>
-          <a:p>
-            <a:endParaRPr lang="en-US" dirty="0"/>
-          </a:p>
-        </p:txBody>
-      </p:sp>
-      <p:sp>
-        <p:nvSpPr>
-          <p:cNvPr id="7" name="Rectangle 6"/>
+          <p:cNvPr id="6" name="Rectangle 5"/>
           <p:cNvSpPr/>
           <p:nvPr/>
         </p:nvSpPr>
@@ -7709,223 +10709,304 @@
           </a:p>
         </p:txBody>
       </p:sp>
-    </p:spTree>
-    <p:extLst>
-      <p:ext uri="{BB962C8B-B14F-4D97-AF65-F5344CB8AC3E}">
-        <p14:creationId xmlns:p14="http://schemas.microsoft.com/office/powerpoint/2010/main" val="3539644366"/>
-      </p:ext>
-    </p:extLst>
-  </p:cSld>
-  <p:clrMapOvr>
-    <a:masterClrMapping/>
-  </p:clrMapOvr>
-  <mc:AlternateContent xmlns:mc="http://schemas.openxmlformats.org/markup-compatibility/2006" xmlns:p14="http://schemas.microsoft.com/office/powerpoint/2010/main">
-    <mc:Choice Requires="p14">
-      <p:transition spd="slow" p14:dur="2000" advTm="15000"/>
-    </mc:Choice>
-    <mc:Fallback xmlns="">
-      <p:transition spd="slow" advTm="15000"/>
-    </mc:Fallback>
-  </mc:AlternateContent>
-  <p:timing>
-    <p:tnLst>
-      <p:par>
-        <p:cTn id="1" dur="indefinite" restart="never" nodeType="tmRoot">
-          <p:childTnLst>
-            <p:seq concurrent="1" nextAc="seek">
-              <p:cTn id="2" dur="indefinite" nodeType="mainSeq">
-                <p:childTnLst>
-                  <p:par>
-                    <p:cTn id="3" fill="hold">
-                      <p:stCondLst>
-                        <p:cond delay="indefinite"/>
-                        <p:cond evt="onBegin" delay="0">
-                          <p:tn val="2"/>
-                        </p:cond>
-                      </p:stCondLst>
-                      <p:childTnLst>
-                        <p:par>
-                          <p:cTn id="4" fill="hold">
-                            <p:stCondLst>
-                              <p:cond delay="0"/>
-                            </p:stCondLst>
-                            <p:childTnLst>
-                              <p:par>
-                                <p:cTn id="5" presetID="63" presetClass="path" presetSubtype="0" fill="hold" grpId="0" nodeType="withEffect">
-                                  <p:stCondLst>
-                                    <p:cond delay="0"/>
-                                  </p:stCondLst>
-                                  <p:childTnLst>
-                                    <p:animMotion origin="layout" path="M 0 -2.84262E-6 L 1 -2.84262E-6 " pathEditMode="relative" rAng="0" ptsTypes="AA">
-                                      <p:cBhvr>
-                                        <p:cTn id="6" dur="15000" fill="hold"/>
-                                        <p:tgtEl>
-                                          <p:spTgt spid="7"/>
-                                        </p:tgtEl>
-                                        <p:attrNameLst>
-                                          <p:attrName>ppt_x</p:attrName>
-                                          <p:attrName>ppt_y</p:attrName>
-                                        </p:attrNameLst>
-                                      </p:cBhvr>
-                                      <p:rCtr x="50000" y="0"/>
-                                    </p:animMotion>
-                                  </p:childTnLst>
-                                </p:cTn>
-                              </p:par>
-                            </p:childTnLst>
-                          </p:cTn>
-                        </p:par>
-                      </p:childTnLst>
-                    </p:cTn>
-                  </p:par>
-                </p:childTnLst>
-              </p:cTn>
-              <p:prevCondLst>
-                <p:cond evt="onPrev" delay="0">
-                  <p:tgtEl>
-                    <p:sldTgt/>
-                  </p:tgtEl>
-                </p:cond>
-              </p:prevCondLst>
-              <p:nextCondLst>
-                <p:cond evt="onNext" delay="0">
-                  <p:tgtEl>
-                    <p:sldTgt/>
-                  </p:tgtEl>
-                </p:cond>
-              </p:nextCondLst>
-            </p:seq>
-          </p:childTnLst>
-        </p:cTn>
-      </p:par>
-    </p:tnLst>
-    <p:bldLst>
-      <p:bldP spid="7" grpId="0" animBg="1"/>
-    </p:bldLst>
-  </p:timing>
-</p:sld>
-</file>
-
-<file path=ppt/slides/slide3.xml><?xml version="1.0" encoding="utf-8"?>
-<p:sld xmlns:a="http://schemas.openxmlformats.org/drawingml/2006/main" xmlns:r="http://schemas.openxmlformats.org/officeDocument/2006/relationships" xmlns:p="http://schemas.openxmlformats.org/presentationml/2006/main">
-  <p:cSld>
-    <p:spTree>
-      <p:nvGrpSpPr>
-        <p:cNvPr id="1" name=""/>
-        <p:cNvGrpSpPr/>
-        <p:nvPr/>
-      </p:nvGrpSpPr>
-      <p:grpSpPr>
-        <a:xfrm>
-          <a:off x="0" y="0"/>
-          <a:ext cx="0" cy="0"/>
-          <a:chOff x="0" y="0"/>
-          <a:chExt cx="0" cy="0"/>
-        </a:xfrm>
-      </p:grpSpPr>
-      <p:sp>
-        <p:nvSpPr>
-          <p:cNvPr id="2" name="Title 1"/>
-          <p:cNvSpPr>
-            <a:spLocks noGrp="1"/>
-          </p:cNvSpPr>
-          <p:nvPr>
-            <p:ph type="title"/>
-          </p:nvPr>
-        </p:nvSpPr>
-        <p:spPr/>
-        <p:txBody>
-          <a:bodyPr/>
-          <a:lstStyle/>
-          <a:p>
-            <a:endParaRPr lang="en-US" dirty="0"/>
-          </a:p>
-        </p:txBody>
-      </p:sp>
-      <p:sp>
-        <p:nvSpPr>
-          <p:cNvPr id="3" name="Content Placeholder 2"/>
-          <p:cNvSpPr>
-            <a:spLocks noGrp="1"/>
-          </p:cNvSpPr>
-          <p:nvPr>
-            <p:ph idx="1"/>
-          </p:nvPr>
-        </p:nvSpPr>
-        <p:spPr/>
-        <p:txBody>
-          <a:bodyPr>
-            <a:normAutofit/>
-          </a:bodyPr>
-          <a:lstStyle/>
-          <a:p>
-            <a:endParaRPr lang="en-US" dirty="0"/>
-          </a:p>
-        </p:txBody>
-      </p:sp>
-      <p:sp>
-        <p:nvSpPr>
-          <p:cNvPr id="6" name="Rectangle 5"/>
-          <p:cNvSpPr/>
+      <p:sp>
+        <p:nvSpPr>
+          <p:cNvPr id="9" name="Content Placeholder 2"/>
+          <p:cNvSpPr txBox="1">
+            <a:spLocks/>
+          </p:cNvSpPr>
           <p:nvPr/>
         </p:nvSpPr>
         <p:spPr>
           <a:xfrm>
-            <a:off x="0" y="6400800"/>
-            <a:ext cx="9144000" cy="457200"/>
+            <a:off x="1295400" y="3581400"/>
+            <a:ext cx="6347714" cy="3880773"/>
           </a:xfrm>
           <a:prstGeom prst="rect">
             <a:avLst/>
           </a:prstGeom>
-          <a:gradFill>
-            <a:gsLst>
-              <a:gs pos="0">
-                <a:schemeClr val="accent1">
-                  <a:tint val="66000"/>
-                  <a:satMod val="160000"/>
-                </a:schemeClr>
-              </a:gs>
-              <a:gs pos="50000">
-                <a:schemeClr val="accent1">
-                  <a:tint val="44500"/>
-                  <a:satMod val="160000"/>
-                </a:schemeClr>
-              </a:gs>
-              <a:gs pos="100000">
-                <a:schemeClr val="accent1">
-                  <a:tint val="23500"/>
-                  <a:satMod val="160000"/>
-                </a:schemeClr>
-              </a:gs>
-            </a:gsLst>
-            <a:lin ang="15600000" scaled="0"/>
-          </a:gradFill>
         </p:spPr>
-        <p:style>
-          <a:lnRef idx="2">
-            <a:schemeClr val="accent1">
-              <a:shade val="50000"/>
-            </a:schemeClr>
-          </a:lnRef>
-          <a:fillRef idx="1">
-            <a:schemeClr val="accent1"/>
-          </a:fillRef>
-          <a:effectRef idx="0">
-            <a:schemeClr val="accent1"/>
-          </a:effectRef>
-          <a:fontRef idx="minor">
-            <a:schemeClr val="lt1"/>
-          </a:fontRef>
-        </p:style>
-        <p:txBody>
-          <a:bodyPr rtlCol="0" anchor="ctr"/>
-          <a:lstStyle/>
-          <a:p>
-            <a:pPr algn="ctr"/>
-            <a:endParaRPr lang="en-US"/>
-          </a:p>
-        </p:txBody>
-      </p:sp>
+        <p:txBody>
+          <a:bodyPr vert="horz" lIns="91440" tIns="45720" rIns="91440" bIns="45720" rtlCol="0">
+            <a:normAutofit/>
+          </a:bodyPr>
+          <a:lstStyle>
+            <a:lvl1pPr marL="342900" indent="-342900" algn="l" defTabSz="457200" rtl="0" eaLnBrk="1" latinLnBrk="0" hangingPunct="1">
+              <a:spcBef>
+                <a:spcPts val="1000"/>
+              </a:spcBef>
+              <a:spcAft>
+                <a:spcPts val="0"/>
+              </a:spcAft>
+              <a:buClr>
+                <a:schemeClr val="accent1"/>
+              </a:buClr>
+              <a:buSzPct val="80000"/>
+              <a:buFont typeface="Wingdings 3" charset="2"/>
+              <a:buChar char=""/>
+              <a:defRPr sz="1800" kern="1200">
+                <a:solidFill>
+                  <a:schemeClr val="tx1">
+                    <a:lumMod val="75000"/>
+                    <a:lumOff val="25000"/>
+                  </a:schemeClr>
+                </a:solidFill>
+                <a:latin typeface="+mn-lt"/>
+                <a:ea typeface="+mn-ea"/>
+                <a:cs typeface="+mn-cs"/>
+              </a:defRPr>
+            </a:lvl1pPr>
+            <a:lvl2pPr marL="742950" indent="-285750" algn="l" defTabSz="457200" rtl="0" eaLnBrk="1" latinLnBrk="0" hangingPunct="1">
+              <a:spcBef>
+                <a:spcPts val="1000"/>
+              </a:spcBef>
+              <a:spcAft>
+                <a:spcPts val="0"/>
+              </a:spcAft>
+              <a:buClr>
+                <a:schemeClr val="accent1"/>
+              </a:buClr>
+              <a:buSzPct val="80000"/>
+              <a:buFont typeface="Wingdings 3" charset="2"/>
+              <a:buChar char=""/>
+              <a:defRPr sz="1600" kern="1200">
+                <a:solidFill>
+                  <a:schemeClr val="tx1">
+                    <a:lumMod val="75000"/>
+                    <a:lumOff val="25000"/>
+                  </a:schemeClr>
+                </a:solidFill>
+                <a:latin typeface="+mn-lt"/>
+                <a:ea typeface="+mn-ea"/>
+                <a:cs typeface="+mn-cs"/>
+              </a:defRPr>
+            </a:lvl2pPr>
+            <a:lvl3pPr marL="1143000" indent="-228600" algn="l" defTabSz="457200" rtl="0" eaLnBrk="1" latinLnBrk="0" hangingPunct="1">
+              <a:spcBef>
+                <a:spcPts val="1000"/>
+              </a:spcBef>
+              <a:spcAft>
+                <a:spcPts val="0"/>
+              </a:spcAft>
+              <a:buClr>
+                <a:schemeClr val="accent1"/>
+              </a:buClr>
+              <a:buSzPct val="80000"/>
+              <a:buFont typeface="Wingdings 3" charset="2"/>
+              <a:buChar char=""/>
+              <a:defRPr sz="1400" kern="1200">
+                <a:solidFill>
+                  <a:schemeClr val="tx1">
+                    <a:lumMod val="75000"/>
+                    <a:lumOff val="25000"/>
+                  </a:schemeClr>
+                </a:solidFill>
+                <a:latin typeface="+mn-lt"/>
+                <a:ea typeface="+mn-ea"/>
+                <a:cs typeface="+mn-cs"/>
+              </a:defRPr>
+            </a:lvl3pPr>
+            <a:lvl4pPr marL="1600200" indent="-228600" algn="l" defTabSz="457200" rtl="0" eaLnBrk="1" latinLnBrk="0" hangingPunct="1">
+              <a:spcBef>
+                <a:spcPts val="1000"/>
+              </a:spcBef>
+              <a:spcAft>
+                <a:spcPts val="0"/>
+              </a:spcAft>
+              <a:buClr>
+                <a:schemeClr val="accent1"/>
+              </a:buClr>
+              <a:buSzPct val="80000"/>
+              <a:buFont typeface="Wingdings 3" charset="2"/>
+              <a:buChar char=""/>
+              <a:defRPr sz="1200" kern="1200">
+                <a:solidFill>
+                  <a:schemeClr val="tx1">
+                    <a:lumMod val="75000"/>
+                    <a:lumOff val="25000"/>
+                  </a:schemeClr>
+                </a:solidFill>
+                <a:latin typeface="+mn-lt"/>
+                <a:ea typeface="+mn-ea"/>
+                <a:cs typeface="+mn-cs"/>
+              </a:defRPr>
+            </a:lvl4pPr>
+            <a:lvl5pPr marL="2057400" indent="-228600" algn="l" defTabSz="457200" rtl="0" eaLnBrk="1" latinLnBrk="0" hangingPunct="1">
+              <a:spcBef>
+                <a:spcPts val="1000"/>
+              </a:spcBef>
+              <a:spcAft>
+                <a:spcPts val="0"/>
+              </a:spcAft>
+              <a:buClr>
+                <a:schemeClr val="accent1"/>
+              </a:buClr>
+              <a:buSzPct val="80000"/>
+              <a:buFont typeface="Wingdings 3" charset="2"/>
+              <a:buChar char=""/>
+              <a:defRPr sz="1200" kern="1200">
+                <a:solidFill>
+                  <a:schemeClr val="tx1">
+                    <a:lumMod val="75000"/>
+                    <a:lumOff val="25000"/>
+                  </a:schemeClr>
+                </a:solidFill>
+                <a:latin typeface="+mn-lt"/>
+                <a:ea typeface="+mn-ea"/>
+                <a:cs typeface="+mn-cs"/>
+              </a:defRPr>
+            </a:lvl5pPr>
+            <a:lvl6pPr marL="2514600" indent="-228600" algn="l" defTabSz="457200" rtl="0" eaLnBrk="1" latinLnBrk="0" hangingPunct="1">
+              <a:spcBef>
+                <a:spcPts val="1000"/>
+              </a:spcBef>
+              <a:spcAft>
+                <a:spcPts val="0"/>
+              </a:spcAft>
+              <a:buClr>
+                <a:schemeClr val="accent1"/>
+              </a:buClr>
+              <a:buSzPct val="80000"/>
+              <a:buFont typeface="Wingdings 3" charset="2"/>
+              <a:buChar char=""/>
+              <a:defRPr sz="1200" kern="1200">
+                <a:solidFill>
+                  <a:schemeClr val="tx1">
+                    <a:lumMod val="75000"/>
+                    <a:lumOff val="25000"/>
+                  </a:schemeClr>
+                </a:solidFill>
+                <a:latin typeface="+mn-lt"/>
+                <a:ea typeface="+mn-ea"/>
+                <a:cs typeface="+mn-cs"/>
+              </a:defRPr>
+            </a:lvl6pPr>
+            <a:lvl7pPr marL="2971800" indent="-228600" algn="l" defTabSz="457200" rtl="0" eaLnBrk="1" latinLnBrk="0" hangingPunct="1">
+              <a:spcBef>
+                <a:spcPts val="1000"/>
+              </a:spcBef>
+              <a:spcAft>
+                <a:spcPts val="0"/>
+              </a:spcAft>
+              <a:buClr>
+                <a:schemeClr val="accent1"/>
+              </a:buClr>
+              <a:buSzPct val="80000"/>
+              <a:buFont typeface="Wingdings 3" charset="2"/>
+              <a:buChar char=""/>
+              <a:defRPr sz="1200" kern="1200">
+                <a:solidFill>
+                  <a:schemeClr val="tx1">
+                    <a:lumMod val="75000"/>
+                    <a:lumOff val="25000"/>
+                  </a:schemeClr>
+                </a:solidFill>
+                <a:latin typeface="+mn-lt"/>
+                <a:ea typeface="+mn-ea"/>
+                <a:cs typeface="+mn-cs"/>
+              </a:defRPr>
+            </a:lvl7pPr>
+            <a:lvl8pPr marL="3429000" indent="-228600" algn="l" defTabSz="457200" rtl="0" eaLnBrk="1" latinLnBrk="0" hangingPunct="1">
+              <a:spcBef>
+                <a:spcPts val="1000"/>
+              </a:spcBef>
+              <a:spcAft>
+                <a:spcPts val="0"/>
+              </a:spcAft>
+              <a:buClr>
+                <a:schemeClr val="accent1"/>
+              </a:buClr>
+              <a:buSzPct val="80000"/>
+              <a:buFont typeface="Wingdings 3" charset="2"/>
+              <a:buChar char=""/>
+              <a:defRPr sz="1200" kern="1200">
+                <a:solidFill>
+                  <a:schemeClr val="tx1">
+                    <a:lumMod val="75000"/>
+                    <a:lumOff val="25000"/>
+                  </a:schemeClr>
+                </a:solidFill>
+                <a:latin typeface="+mn-lt"/>
+                <a:ea typeface="+mn-ea"/>
+                <a:cs typeface="+mn-cs"/>
+              </a:defRPr>
+            </a:lvl8pPr>
+            <a:lvl9pPr marL="3886200" indent="-228600" algn="l" defTabSz="457200" rtl="0" eaLnBrk="1" latinLnBrk="0" hangingPunct="1">
+              <a:spcBef>
+                <a:spcPts val="1000"/>
+              </a:spcBef>
+              <a:spcAft>
+                <a:spcPts val="0"/>
+              </a:spcAft>
+              <a:buClr>
+                <a:schemeClr val="accent1"/>
+              </a:buClr>
+              <a:buSzPct val="80000"/>
+              <a:buFont typeface="Wingdings 3" charset="2"/>
+              <a:buChar char=""/>
+              <a:defRPr sz="1200" kern="1200">
+                <a:solidFill>
+                  <a:schemeClr val="tx1">
+                    <a:lumMod val="75000"/>
+                    <a:lumOff val="25000"/>
+                  </a:schemeClr>
+                </a:solidFill>
+                <a:latin typeface="+mn-lt"/>
+                <a:ea typeface="+mn-ea"/>
+                <a:cs typeface="+mn-cs"/>
+              </a:defRPr>
+            </a:lvl9pPr>
+          </a:lstStyle>
+          <a:p>
+            <a:pPr marL="0" indent="0">
+              <a:buNone/>
+            </a:pPr>
+            <a:r>
+              <a:rPr lang="en-US" dirty="0" smtClean="0"/>
+              <a:t>View </a:t>
+            </a:r>
+            <a:r>
+              <a:rPr lang="en-US" dirty="0" err="1" smtClean="0"/>
+              <a:t>Metascores</a:t>
+            </a:r>
+            <a:r>
+              <a:rPr lang="en-US" dirty="0" smtClean="0"/>
+              <a:t> and product information on your Android device</a:t>
+            </a:r>
+            <a:endParaRPr lang="en-US" dirty="0"/>
+          </a:p>
+        </p:txBody>
+      </p:sp>
+      <p:pic>
+        <p:nvPicPr>
+          <p:cNvPr id="10" name="Picture 9"/>
+          <p:cNvPicPr>
+            <a:picLocks noChangeAspect="1"/>
+          </p:cNvPicPr>
+          <p:nvPr/>
+        </p:nvPicPr>
+        <p:blipFill>
+          <a:blip r:embed="rId2">
+            <a:extLst>
+              <a:ext uri="{28A0092B-C50C-407E-A947-70E740481C1C}">
+                <a14:useLocalDpi xmlns:a14="http://schemas.microsoft.com/office/drawing/2010/main" val="0"/>
+              </a:ext>
+            </a:extLst>
+          </a:blip>
+          <a:stretch>
+            <a:fillRect/>
+          </a:stretch>
+        </p:blipFill>
+        <p:spPr>
+          <a:xfrm>
+            <a:off x="966216" y="2232570"/>
+            <a:ext cx="6653968" cy="1269841"/>
+          </a:xfrm>
+          <a:prstGeom prst="rect">
+            <a:avLst/>
+          </a:prstGeom>
+        </p:spPr>
+      </p:pic>
     </p:spTree>
     <p:extLst>
       <p:ext uri="{BB962C8B-B14F-4D97-AF65-F5344CB8AC3E}">
@@ -8055,29 +11136,43 @@
           <a:bodyPr/>
           <a:lstStyle/>
           <a:p>
+            <a:r>
+              <a:rPr lang="en-US" dirty="0" smtClean="0"/>
+              <a:t>Video Games</a:t>
+            </a:r>
             <a:endParaRPr lang="en-US" dirty="0"/>
           </a:p>
         </p:txBody>
       </p:sp>
-      <p:sp>
-        <p:nvSpPr>
-          <p:cNvPr id="3" name="Content Placeholder 2"/>
-          <p:cNvSpPr>
-            <a:spLocks noGrp="1"/>
-          </p:cNvSpPr>
+      <p:pic>
+        <p:nvPicPr>
+          <p:cNvPr id="4" name="Content Placeholder 3"/>
+          <p:cNvPicPr>
+            <a:picLocks noGrp="1" noChangeAspect="1"/>
+          </p:cNvPicPr>
           <p:nvPr>
             <p:ph idx="1"/>
           </p:nvPr>
-        </p:nvSpPr>
-        <p:spPr/>
-        <p:txBody>
-          <a:bodyPr/>
-          <a:lstStyle/>
-          <a:p>
-            <a:endParaRPr lang="en-US" dirty="0"/>
-          </a:p>
-        </p:txBody>
-      </p:sp>
+        </p:nvPicPr>
+        <p:blipFill>
+          <a:blip r:embed="rId3" cstate="print">
+            <a:extLst>
+              <a:ext uri="{28A0092B-C50C-407E-A947-70E740481C1C}">
+                <a14:useLocalDpi xmlns:a14="http://schemas.microsoft.com/office/drawing/2010/main" val="0"/>
+              </a:ext>
+            </a:extLst>
+          </a:blip>
+          <a:stretch>
+            <a:fillRect/>
+          </a:stretch>
+        </p:blipFill>
+        <p:spPr>
+          <a:xfrm>
+            <a:off x="304800" y="1676400"/>
+            <a:ext cx="7162800" cy="4029075"/>
+          </a:xfrm>
+        </p:spPr>
+      </p:pic>
       <p:sp>
         <p:nvSpPr>
           <p:cNvPr id="6" name="Rectangle 5"/>
@@ -8270,6 +11365,10 @@
           <a:bodyPr/>
           <a:lstStyle/>
           <a:p>
+            <a:r>
+              <a:rPr lang="en-US" dirty="0" err="1" smtClean="0"/>
+              <a:t>Asynchronized</a:t>
+            </a:r>
             <a:endParaRPr lang="en-US" dirty="0"/>
           </a:p>
         </p:txBody>
@@ -8291,7 +11390,24 @@
           </a:bodyPr>
           <a:lstStyle/>
           <a:p>
-            <a:endParaRPr lang="en-US" dirty="0"/>
+            <a:r>
+              <a:rPr lang="en-US" dirty="0" smtClean="0"/>
+              <a:t>Main crux of the app</a:t>
+            </a:r>
+          </a:p>
+          <a:p>
+            <a:r>
+              <a:rPr lang="en-US" dirty="0" smtClean="0"/>
+              <a:t>Pull source code from two different sources, with the </a:t>
+            </a:r>
+            <a:r>
+              <a:rPr lang="en-US" dirty="0" err="1" smtClean="0"/>
+              <a:t>Metacritic</a:t>
+            </a:r>
+            <a:r>
+              <a:rPr lang="en-US" dirty="0" smtClean="0"/>
+              <a:t> page of the product being the main one</a:t>
+            </a:r>
           </a:p>
         </p:txBody>
       </p:sp>
@@ -8487,6 +11603,10 @@
           <a:bodyPr/>
           <a:lstStyle/>
           <a:p>
+            <a:r>
+              <a:rPr lang="en-US" dirty="0" smtClean="0"/>
+              <a:t>Reinvent the Wheel?</a:t>
+            </a:r>
             <a:endParaRPr lang="en-US" dirty="0"/>
           </a:p>
         </p:txBody>
@@ -8506,6 +11626,30 @@
           <a:bodyPr/>
           <a:lstStyle/>
           <a:p>
+            <a:r>
+              <a:rPr lang="en-US" dirty="0" smtClean="0"/>
+              <a:t>Issue with program “knowing” what a user is trying to search for</a:t>
+            </a:r>
+          </a:p>
+          <a:p>
+            <a:r>
+              <a:rPr lang="en-US" dirty="0" smtClean="0"/>
+              <a:t>E.G. user searches “Lord o </a:t>
+            </a:r>
+            <a:r>
+              <a:rPr lang="en-US" dirty="0" err="1" smtClean="0"/>
+              <a:t>teh</a:t>
+            </a:r>
+            <a:r>
+              <a:rPr lang="en-US" dirty="0" smtClean="0"/>
+              <a:t> Rings” and meant “Lord of the Rings”</a:t>
+            </a:r>
+          </a:p>
+          <a:p>
+            <a:r>
+              <a:rPr lang="en-US" dirty="0" smtClean="0"/>
+              <a:t>Do I reinvent the wheel and write my own functionality?</a:t>
+            </a:r>
             <a:endParaRPr lang="en-US" dirty="0"/>
           </a:p>
         </p:txBody>
@@ -8689,12 +11833,12 @@
       </p:grpSpPr>
       <p:sp>
         <p:nvSpPr>
-          <p:cNvPr id="4" name="Content Placeholder 3"/>
-          <p:cNvSpPr>
-            <a:spLocks noGrp="1"/>
-          </p:cNvSpPr>
-          <p:nvPr>
-            <p:ph idx="1"/>
+          <p:cNvPr id="6" name="Title 5"/>
+          <p:cNvSpPr>
+            <a:spLocks noGrp="1"/>
+          </p:cNvSpPr>
+          <p:nvPr>
+            <p:ph type="title"/>
           </p:nvPr>
         </p:nvSpPr>
         <p:spPr/>
@@ -8702,25 +11846,10 @@
           <a:bodyPr/>
           <a:lstStyle/>
           <a:p>
-            <a:endParaRPr lang="en-US" dirty="0"/>
-          </a:p>
-        </p:txBody>
-      </p:sp>
-      <p:sp>
-        <p:nvSpPr>
-          <p:cNvPr id="6" name="Title 5"/>
-          <p:cNvSpPr>
-            <a:spLocks noGrp="1"/>
-          </p:cNvSpPr>
-          <p:nvPr>
-            <p:ph type="title"/>
-          </p:nvPr>
-        </p:nvSpPr>
-        <p:spPr/>
-        <p:txBody>
-          <a:bodyPr/>
-          <a:lstStyle/>
-          <a:p>
+            <a:r>
+              <a:rPr lang="en-US" dirty="0" smtClean="0"/>
+              <a:t>Or turn to Google for help…</a:t>
+            </a:r>
             <a:endParaRPr lang="en-US" dirty="0"/>
           </a:p>
         </p:txBody>
@@ -8788,6 +11917,35 @@
           </a:p>
         </p:txBody>
       </p:sp>
+      <p:pic>
+        <p:nvPicPr>
+          <p:cNvPr id="5" name="Content Placeholder 4"/>
+          <p:cNvPicPr>
+            <a:picLocks noGrp="1" noChangeAspect="1"/>
+          </p:cNvPicPr>
+          <p:nvPr>
+            <p:ph idx="1"/>
+          </p:nvPr>
+        </p:nvPicPr>
+        <p:blipFill>
+          <a:blip r:embed="rId3" cstate="print">
+            <a:extLst>
+              <a:ext uri="{28A0092B-C50C-407E-A947-70E740481C1C}">
+                <a14:useLocalDpi xmlns:a14="http://schemas.microsoft.com/office/drawing/2010/main" val="0"/>
+              </a:ext>
+            </a:extLst>
+          </a:blip>
+          <a:stretch>
+            <a:fillRect/>
+          </a:stretch>
+        </p:blipFill>
+        <p:spPr>
+          <a:xfrm>
+            <a:off x="6916" y="1676400"/>
+            <a:ext cx="9137084" cy="4197346"/>
+          </a:xfrm>
+        </p:spPr>
+      </p:pic>
     </p:spTree>
     <p:extLst>
       <p:ext uri="{BB962C8B-B14F-4D97-AF65-F5344CB8AC3E}">
@@ -8917,6 +12075,10 @@
           <a:bodyPr/>
           <a:lstStyle/>
           <a:p>
+            <a:r>
+              <a:rPr lang="en-US" dirty="0" smtClean="0"/>
+              <a:t>Bing Interface</a:t>
+            </a:r>
             <a:endParaRPr lang="en-US" dirty="0"/>
           </a:p>
         </p:txBody>
@@ -8936,7 +12098,18 @@
           <a:bodyPr/>
           <a:lstStyle/>
           <a:p>
-            <a:endParaRPr lang="en-US" dirty="0"/>
+            <a:r>
+              <a:rPr lang="en-US" dirty="0" smtClean="0"/>
+              <a:t>Asynchronous HTTP request to Bing for “[Search term] + </a:t>
+            </a:r>
+            <a:r>
+              <a:rPr lang="en-US" dirty="0" err="1" smtClean="0"/>
+              <a:t>metacritic</a:t>
+            </a:r>
+            <a:r>
+              <a:rPr lang="en-US" dirty="0" smtClean="0"/>
+              <a:t>”</a:t>
+            </a:r>
           </a:p>
         </p:txBody>
       </p:sp>
@@ -9119,7 +12292,30 @@
       </p:grpSpPr>
       <p:sp>
         <p:nvSpPr>
-          <p:cNvPr id="4" name="Content Placeholder 3"/>
+          <p:cNvPr id="2" name="Title 1"/>
+          <p:cNvSpPr>
+            <a:spLocks noGrp="1"/>
+          </p:cNvSpPr>
+          <p:nvPr>
+            <p:ph type="title"/>
+          </p:nvPr>
+        </p:nvSpPr>
+        <p:spPr/>
+        <p:txBody>
+          <a:bodyPr/>
+          <a:lstStyle/>
+          <a:p>
+            <a:r>
+              <a:rPr lang="en-US" dirty="0" smtClean="0"/>
+              <a:t>Bing Interface</a:t>
+            </a:r>
+            <a:endParaRPr lang="en-US" dirty="0"/>
+          </a:p>
+        </p:txBody>
+      </p:sp>
+      <p:sp>
+        <p:nvSpPr>
+          <p:cNvPr id="3" name="Content Placeholder 2"/>
           <p:cNvSpPr>
             <a:spLocks noGrp="1"/>
           </p:cNvSpPr>
@@ -9129,37 +12325,34 @@
         </p:nvSpPr>
         <p:spPr/>
         <p:txBody>
-          <a:bodyPr>
-            <a:normAutofit/>
-          </a:bodyPr>
-          <a:lstStyle/>
-          <a:p>
+          <a:bodyPr/>
+          <a:lstStyle/>
+          <a:p>
+            <a:r>
+              <a:rPr lang="en-US" dirty="0" smtClean="0"/>
+              <a:t>Grab first result, if not to a </a:t>
+            </a:r>
+            <a:r>
+              <a:rPr lang="en-US" dirty="0" err="1" smtClean="0"/>
+              <a:t>metacritic</a:t>
+            </a:r>
+            <a:r>
+              <a:rPr lang="en-US" dirty="0" smtClean="0"/>
+              <a:t> page then throw back an error</a:t>
+            </a:r>
+          </a:p>
+          <a:p>
+            <a:r>
+              <a:rPr lang="en-US" dirty="0" smtClean="0"/>
+              <a:t>Works for most all product searches, otherwise user types in a more specific request</a:t>
+            </a:r>
             <a:endParaRPr lang="en-US" dirty="0"/>
           </a:p>
         </p:txBody>
       </p:sp>
       <p:sp>
         <p:nvSpPr>
-          <p:cNvPr id="6" name="Title 5"/>
-          <p:cNvSpPr>
-            <a:spLocks noGrp="1"/>
-          </p:cNvSpPr>
-          <p:nvPr>
-            <p:ph type="title"/>
-          </p:nvPr>
-        </p:nvSpPr>
-        <p:spPr/>
-        <p:txBody>
-          <a:bodyPr/>
-          <a:lstStyle/>
-          <a:p>
-            <a:endParaRPr lang="en-US" dirty="0"/>
-          </a:p>
-        </p:txBody>
-      </p:sp>
-      <p:sp>
-        <p:nvSpPr>
-          <p:cNvPr id="7" name="Rectangle 6"/>
+          <p:cNvPr id="6" name="Rectangle 5"/>
           <p:cNvSpPr/>
           <p:nvPr/>
         </p:nvSpPr>
@@ -9223,18 +12416,18 @@
     </p:spTree>
     <p:extLst>
       <p:ext uri="{BB962C8B-B14F-4D97-AF65-F5344CB8AC3E}">
-        <p14:creationId xmlns:p14="http://schemas.microsoft.com/office/powerpoint/2010/main" val="3539644366"/>
+        <p14:creationId xmlns:p14="http://schemas.microsoft.com/office/powerpoint/2010/main" val="3041644512"/>
       </p:ext>
     </p:extLst>
   </p:cSld>
   <p:clrMapOvr>
     <a:masterClrMapping/>
   </p:clrMapOvr>
-  <mc:AlternateContent xmlns:mc="http://schemas.openxmlformats.org/markup-compatibility/2006" xmlns:p14="http://schemas.microsoft.com/office/powerpoint/2010/main">
-    <mc:Choice Requires="p14">
+  <mc:AlternateContent xmlns:mc="http://schemas.openxmlformats.org/markup-compatibility/2006">
+    <mc:Choice xmlns:p14="http://schemas.microsoft.com/office/powerpoint/2010/main" Requires="p14">
       <p:transition spd="slow" p14:dur="2000" advTm="15000"/>
     </mc:Choice>
-    <mc:Fallback xmlns="">
+    <mc:Fallback>
       <p:transition spd="slow" advTm="15000"/>
     </mc:Fallback>
   </mc:AlternateContent>
@@ -9271,7 +12464,7 @@
                                       <p:cBhvr>
                                         <p:cTn id="6" dur="15000" fill="hold"/>
                                         <p:tgtEl>
-                                          <p:spTgt spid="7"/>
+                                          <p:spTgt spid="6"/>
                                         </p:tgtEl>
                                         <p:attrNameLst>
                                           <p:attrName>ppt_x</p:attrName>
@@ -9311,16 +12504,16 @@
       </p:par>
     </p:tnLst>
     <p:bldLst>
-      <p:bldP spid="7" grpId="0" animBg="1"/>
+      <p:bldP spid="6" grpId="0" animBg="1"/>
     </p:bldLst>
   </p:timing>
 </p:sld>
 </file>
 
 <file path=ppt/theme/theme1.xml><?xml version="1.0" encoding="utf-8"?>
-<a:theme xmlns:a="http://schemas.openxmlformats.org/drawingml/2006/main" name="Office Theme">
+<a:theme xmlns:a="http://schemas.openxmlformats.org/drawingml/2006/main" name="Facet">
   <a:themeElements>
-    <a:clrScheme name="Office">
+    <a:clrScheme name="Facet">
       <a:dk1>
         <a:sysClr val="windowText" lastClr="000000"/>
       </a:dk1>
@@ -9328,52 +12521,52 @@
         <a:sysClr val="window" lastClr="FFFFFF"/>
       </a:lt1>
       <a:dk2>
-        <a:srgbClr val="1F497D"/>
+        <a:srgbClr val="2C3C43"/>
       </a:dk2>
       <a:lt2>
-        <a:srgbClr val="EEECE1"/>
+        <a:srgbClr val="EBEBEB"/>
       </a:lt2>
       <a:accent1>
-        <a:srgbClr val="4F81BD"/>
+        <a:srgbClr val="90C226"/>
       </a:accent1>
       <a:accent2>
-        <a:srgbClr val="C0504D"/>
+        <a:srgbClr val="54A021"/>
       </a:accent2>
       <a:accent3>
-        <a:srgbClr val="9BBB59"/>
+        <a:srgbClr val="E6B91E"/>
       </a:accent3>
       <a:accent4>
-        <a:srgbClr val="8064A2"/>
+        <a:srgbClr val="E76618"/>
       </a:accent4>
       <a:accent5>
-        <a:srgbClr val="4BACC6"/>
+        <a:srgbClr val="C42F1A"/>
       </a:accent5>
       <a:accent6>
-        <a:srgbClr val="F79646"/>
+        <a:srgbClr val="918655"/>
       </a:accent6>
       <a:hlink>
-        <a:srgbClr val="0000FF"/>
+        <a:srgbClr val="99CA3C"/>
       </a:hlink>
       <a:folHlink>
-        <a:srgbClr val="800080"/>
+        <a:srgbClr val="B9D181"/>
       </a:folHlink>
     </a:clrScheme>
-    <a:fontScheme name="Office">
+    <a:fontScheme name="Facet">
       <a:majorFont>
-        <a:latin typeface="Calibri"/>
+        <a:latin typeface="Trebuchet MS" panose="020B0603020202020204"/>
         <a:ea typeface=""/>
         <a:cs typeface=""/>
-        <a:font script="Jpan" typeface="ＭＳ Ｐゴシック"/>
+        <a:font script="Jpan" typeface="メイリオ"/>
         <a:font script="Hang" typeface="맑은 고딕"/>
-        <a:font script="Hans" typeface="宋体"/>
-        <a:font script="Hant" typeface="新細明體"/>
-        <a:font script="Arab" typeface="Times New Roman"/>
-        <a:font script="Hebr" typeface="Times New Roman"/>
-        <a:font script="Thai" typeface="Angsana New"/>
+        <a:font script="Hans" typeface="方正姚体"/>
+        <a:font script="Hant" typeface="微軟正黑體"/>
+        <a:font script="Arab" typeface="Tahoma"/>
+        <a:font script="Hebr" typeface="Arial"/>
+        <a:font script="Thai" typeface="Cordia New"/>
         <a:font script="Ethi" typeface="Nyala"/>
         <a:font script="Beng" typeface="Vrinda"/>
         <a:font script="Gujr" typeface="Shruti"/>
-        <a:font script="Khmr" typeface="MoolBoran"/>
+        <a:font script="Khmr" typeface="DaunPenh"/>
         <a:font script="Knda" typeface="Tunga"/>
         <a:font script="Guru" typeface="Raavi"/>
         <a:font script="Cans" typeface="Euphemia"/>
@@ -9390,21 +12583,21 @@
         <a:font script="Laoo" typeface="DokChampa"/>
         <a:font script="Sinh" typeface="Iskoola Pota"/>
         <a:font script="Mong" typeface="Mongolian Baiti"/>
-        <a:font script="Viet" typeface="Times New Roman"/>
+        <a:font script="Viet" typeface="Tahoma"/>
         <a:font script="Uigh" typeface="Microsoft Uighur"/>
         <a:font script="Geor" typeface="Sylfaen"/>
       </a:majorFont>
       <a:minorFont>
-        <a:latin typeface="Calibri"/>
+        <a:latin typeface="Trebuchet MS" panose="020B0603020202020204"/>
         <a:ea typeface=""/>
         <a:cs typeface=""/>
-        <a:font script="Jpan" typeface="ＭＳ Ｐゴシック"/>
-        <a:font script="Hang" typeface="맑은 고딕"/>
-        <a:font script="Hans" typeface="宋体"/>
-        <a:font script="Hant" typeface="新細明體"/>
-        <a:font script="Arab" typeface="Arial"/>
-        <a:font script="Hebr" typeface="Arial"/>
-        <a:font script="Thai" typeface="Cordia New"/>
+        <a:font script="Jpan" typeface="メイリオ"/>
+        <a:font script="Hang" typeface="HY그래픽M"/>
+        <a:font script="Hans" typeface="华文新魏"/>
+        <a:font script="Hant" typeface="微軟正黑體"/>
+        <a:font script="Arab" typeface="Tahoma"/>
+        <a:font script="Hebr" typeface="Gisha"/>
+        <a:font script="Thai" typeface="IrisUPC"/>
         <a:font script="Ethi" typeface="Nyala"/>
         <a:font script="Beng" typeface="Vrinda"/>
         <a:font script="Gujr" typeface="Shruti"/>
@@ -9430,7 +12623,7 @@
         <a:font script="Geor" typeface="Sylfaen"/>
       </a:minorFont>
     </a:fontScheme>
-    <a:fmtScheme name="Office">
+    <a:fmtScheme name="Facet">
       <a:fillStyleLst>
         <a:solidFill>
           <a:schemeClr val="phClr"/>
@@ -9439,66 +12632,50 @@
           <a:gsLst>
             <a:gs pos="0">
               <a:schemeClr val="phClr">
-                <a:tint val="50000"/>
-                <a:satMod val="300000"/>
+                <a:tint val="65000"/>
+                <a:lumMod val="110000"/>
               </a:schemeClr>
             </a:gs>
-            <a:gs pos="35000">
+            <a:gs pos="88000">
               <a:schemeClr val="phClr">
-                <a:tint val="37000"/>
-                <a:satMod val="300000"/>
-              </a:schemeClr>
-            </a:gs>
-            <a:gs pos="100000">
-              <a:schemeClr val="phClr">
-                <a:tint val="15000"/>
-                <a:satMod val="350000"/>
+                <a:tint val="90000"/>
               </a:schemeClr>
             </a:gs>
           </a:gsLst>
-          <a:lin ang="16200000" scaled="1"/>
+          <a:lin ang="5400000" scaled="0"/>
         </a:gradFill>
         <a:gradFill rotWithShape="1">
           <a:gsLst>
             <a:gs pos="0">
               <a:schemeClr val="phClr">
-                <a:shade val="51000"/>
-                <a:satMod val="130000"/>
+                <a:tint val="96000"/>
+                <a:lumMod val="100000"/>
               </a:schemeClr>
             </a:gs>
-            <a:gs pos="80000">
-              <a:schemeClr val="phClr">
-                <a:shade val="93000"/>
-                <a:satMod val="130000"/>
-              </a:schemeClr>
-            </a:gs>
-            <a:gs pos="100000">
+            <a:gs pos="78000">
               <a:schemeClr val="phClr">
                 <a:shade val="94000"/>
-                <a:satMod val="135000"/>
+                <a:lumMod val="94000"/>
               </a:schemeClr>
             </a:gs>
           </a:gsLst>
-          <a:lin ang="16200000" scaled="0"/>
+          <a:lin ang="5400000" scaled="0"/>
         </a:gradFill>
       </a:fillStyleLst>
       <a:lnStyleLst>
-        <a:ln w="9525" cap="flat" cmpd="sng" algn="ctr">
-          <a:solidFill>
-            <a:schemeClr val="phClr">
-              <a:shade val="95000"/>
-              <a:satMod val="105000"/>
-            </a:schemeClr>
-          </a:solidFill>
-          <a:prstDash val="solid"/>
-        </a:ln>
-        <a:ln w="25400" cap="flat" cmpd="sng" algn="ctr">
+        <a:ln w="12700" cap="rnd" cmpd="sng" algn="ctr">
           <a:solidFill>
             <a:schemeClr val="phClr"/>
           </a:solidFill>
           <a:prstDash val="solid"/>
         </a:ln>
-        <a:ln w="38100" cap="flat" cmpd="sng" algn="ctr">
+        <a:ln w="19050" cap="rnd" cmpd="sng" algn="ctr">
+          <a:solidFill>
+            <a:schemeClr val="phClr"/>
+          </a:solidFill>
+          <a:prstDash val="solid"/>
+        </a:ln>
+        <a:ln w="25400" cap="rnd" cmpd="sng" algn="ctr">
           <a:solidFill>
             <a:schemeClr val="phClr"/>
           </a:solidFill>
@@ -9507,17 +12684,11 @@
       </a:lnStyleLst>
       <a:effectStyleLst>
         <a:effectStyle>
-          <a:effectLst>
-            <a:outerShdw blurRad="40000" dist="20000" dir="5400000" rotWithShape="0">
-              <a:srgbClr val="000000">
-                <a:alpha val="38000"/>
-              </a:srgbClr>
-            </a:outerShdw>
-          </a:effectLst>
+          <a:effectLst/>
         </a:effectStyle>
         <a:effectStyle>
           <a:effectLst>
-            <a:outerShdw blurRad="40000" dist="23000" dir="5400000" rotWithShape="0">
+            <a:outerShdw blurRad="38100" dist="25400" dir="5400000" rotWithShape="0">
               <a:srgbClr val="000000">
                 <a:alpha val="35000"/>
               </a:srgbClr>
@@ -9526,7 +12697,7 @@
         </a:effectStyle>
         <a:effectStyle>
           <a:effectLst>
-            <a:outerShdw blurRad="40000" dist="23000" dir="5400000" rotWithShape="0">
+            <a:outerShdw blurRad="50800" dist="38100" dir="5400000" rotWithShape="0">
               <a:srgbClr val="000000">
                 <a:alpha val="35000"/>
               </a:srgbClr>
@@ -9536,12 +12707,10 @@
             <a:camera prst="orthographicFront">
               <a:rot lat="0" lon="0" rev="0"/>
             </a:camera>
-            <a:lightRig rig="threePt" dir="t">
-              <a:rot lat="0" lon="0" rev="1200000"/>
-            </a:lightRig>
+            <a:lightRig rig="threePt" dir="tl"/>
           </a:scene3d>
-          <a:sp3d>
-            <a:bevelT w="63500" h="25400"/>
+          <a:sp3d prstMaterial="plastic">
+            <a:bevelT w="0" h="0"/>
           </a:sp3d>
         </a:effectStyle>
       </a:effectStyleLst>
@@ -9553,45 +12722,36 @@
           <a:gsLst>
             <a:gs pos="0">
               <a:schemeClr val="phClr">
-                <a:tint val="40000"/>
-                <a:satMod val="350000"/>
+                <a:tint val="90000"/>
+                <a:lumMod val="104000"/>
               </a:schemeClr>
             </a:gs>
-            <a:gs pos="40000">
+            <a:gs pos="94000">
               <a:schemeClr val="phClr">
-                <a:tint val="45000"/>
-                <a:shade val="99000"/>
-                <a:satMod val="350000"/>
-              </a:schemeClr>
-            </a:gs>
-            <a:gs pos="100000">
-              <a:schemeClr val="phClr">
-                <a:shade val="20000"/>
-                <a:satMod val="255000"/>
+                <a:shade val="96000"/>
+                <a:lumMod val="82000"/>
               </a:schemeClr>
             </a:gs>
           </a:gsLst>
-          <a:path path="circle">
-            <a:fillToRect l="50000" t="-80000" r="50000" b="180000"/>
-          </a:path>
+          <a:lin ang="5400000" scaled="0"/>
         </a:gradFill>
         <a:gradFill rotWithShape="1">
           <a:gsLst>
             <a:gs pos="0">
               <a:schemeClr val="phClr">
-                <a:tint val="80000"/>
-                <a:satMod val="300000"/>
+                <a:tint val="90000"/>
+                <a:lumMod val="110000"/>
               </a:schemeClr>
             </a:gs>
             <a:gs pos="100000">
               <a:schemeClr val="phClr">
-                <a:shade val="30000"/>
-                <a:satMod val="200000"/>
+                <a:shade val="94000"/>
+                <a:lumMod val="96000"/>
               </a:schemeClr>
             </a:gs>
           </a:gsLst>
           <a:path path="circle">
-            <a:fillToRect l="50000" t="50000" r="50000" b="50000"/>
+            <a:fillToRect l="50000" t="50000" r="100000" b="100000"/>
           </a:path>
         </a:gradFill>
       </a:bgFillStyleLst>
@@ -9599,6 +12759,11 @@
   </a:themeElements>
   <a:objectDefaults/>
   <a:extraClrSchemeLst/>
+  <a:extLst>
+    <a:ext uri="{05A4C25C-085E-4340-85A3-A5531E510DB2}">
+      <thm15:themeFamily xmlns:thm15="http://schemas.microsoft.com/office/thememl/2012/main" name="Facet" id="{C0C680CD-088A-49FC-A102-D699147F32B2}" vid="{CFBC31BA-B70F-4F30-BCAA-4F3011E16C4D}"/>
+    </a:ext>
+  </a:extLst>
 </a:theme>
 </file>
 

--- a/etc/Final Presentation.pptx
+++ b/etc/Final Presentation.pptx
@@ -7804,11 +7804,7 @@
           <a:p>
             <a:r>
               <a:rPr lang="en-US" dirty="0" err="1" smtClean="0"/>
-              <a:t>MetaCriti</a:t>
-            </a:r>
-            <a:r>
-              <a:rPr lang="en-US" dirty="0" err="1" smtClean="0"/>
-              <a:t>que</a:t>
+              <a:t>MetaCritique</a:t>
             </a:r>
             <a:endParaRPr lang="en-US" dirty="0"/>
           </a:p>
@@ -8056,11 +8052,7 @@
           <a:p>
             <a:r>
               <a:rPr lang="en-US" dirty="0" smtClean="0"/>
-              <a:t>10</a:t>
-            </a:r>
-            <a:r>
-              <a:rPr lang="en-US" dirty="0" smtClean="0"/>
-              <a:t> components to a result: Title, score, critic reviews link, etc.</a:t>
+              <a:t>10 components to a result: Title, score, critic reviews link, etc.</a:t>
             </a:r>
           </a:p>
           <a:p>
@@ -8290,11 +8282,7 @@
           <a:p>
             <a:r>
               <a:rPr lang="en-US" dirty="0" smtClean="0"/>
-              <a:t>E.G. “</a:t>
-            </a:r>
-            <a:r>
-              <a:rPr lang="en-US" dirty="0" smtClean="0"/>
-              <a:t>&lt;</a:t>
+              <a:t>E.G. “&lt;</a:t>
             </a:r>
             <a:r>
               <a:rPr lang="en-US" dirty="0"/>
@@ -8395,11 +8383,11 @@
   <p:clrMapOvr>
     <a:masterClrMapping/>
   </p:clrMapOvr>
-  <mc:AlternateContent xmlns:mc="http://schemas.openxmlformats.org/markup-compatibility/2006">
-    <mc:Choice xmlns:p14="http://schemas.microsoft.com/office/powerpoint/2010/main" Requires="p14">
+  <mc:AlternateContent xmlns:mc="http://schemas.openxmlformats.org/markup-compatibility/2006" xmlns:p14="http://schemas.microsoft.com/office/powerpoint/2010/main">
+    <mc:Choice Requires="p14">
       <p:transition spd="slow" p14:dur="2000" advTm="15000"/>
     </mc:Choice>
-    <mc:Fallback>
+    <mc:Fallback xmlns="">
       <p:transition spd="slow" advTm="15000"/>
     </mc:Fallback>
   </mc:AlternateContent>
@@ -9053,8 +9041,38 @@
             </a:r>
             <a:r>
               <a:rPr lang="en-US" dirty="0" smtClean="0"/>
-              <a:t> keyboard when a user taps outside the keyboard</a:t>
-            </a:r>
+              <a:t> keyboard when a user taps outside the </a:t>
+            </a:r>
+            <a:r>
+              <a:rPr lang="en-US" dirty="0" smtClean="0"/>
+              <a:t>keyboard</a:t>
+            </a:r>
+          </a:p>
+          <a:p>
+            <a:pPr marL="0" indent="0">
+              <a:buNone/>
+            </a:pPr>
+            <a:r>
+              <a:rPr lang="en-US" dirty="0" smtClean="0"/>
+              <a:t>Add touch listener to the main </a:t>
+            </a:r>
+            <a:r>
+              <a:rPr lang="en-US" dirty="0" err="1" smtClean="0"/>
+              <a:t>RelativeLayout</a:t>
+            </a:r>
+            <a:r>
+              <a:rPr lang="en-US" dirty="0"/>
+              <a:t>:</a:t>
+            </a:r>
+            <a:r>
+              <a:rPr lang="en-US" dirty="0" smtClean="0"/>
+              <a:t> if tapped, hide contextual keyboard currently </a:t>
+            </a:r>
+            <a:r>
+              <a:rPr lang="en-US" smtClean="0"/>
+              <a:t>being displayed</a:t>
+            </a:r>
+            <a:endParaRPr lang="en-US" dirty="0" smtClean="0"/>
           </a:p>
           <a:p>
             <a:pPr marL="0" indent="0">
@@ -9612,11 +9630,11 @@
   <p:clrMapOvr>
     <a:masterClrMapping/>
   </p:clrMapOvr>
-  <mc:AlternateContent xmlns:mc="http://schemas.openxmlformats.org/markup-compatibility/2006">
-    <mc:Choice xmlns:p14="http://schemas.microsoft.com/office/powerpoint/2010/main" Requires="p14">
+  <mc:AlternateContent xmlns:mc="http://schemas.openxmlformats.org/markup-compatibility/2006" xmlns:p14="http://schemas.microsoft.com/office/powerpoint/2010/main">
+    <mc:Choice Requires="p14">
       <p:transition spd="slow" p14:dur="2000" advTm="15000"/>
     </mc:Choice>
-    <mc:Fallback>
+    <mc:Fallback xmlns="">
       <p:transition spd="slow" advTm="15000"/>
     </mc:Fallback>
   </mc:AlternateContent>
@@ -9758,7 +9776,6 @@
               <a:rPr lang="en-US" dirty="0" smtClean="0"/>
               <a:t>For critic reviews, user reviews</a:t>
             </a:r>
-            <a:endParaRPr lang="en-US" dirty="0" smtClean="0"/>
           </a:p>
         </p:txBody>
       </p:sp>
@@ -12423,11 +12440,11 @@
   <p:clrMapOvr>
     <a:masterClrMapping/>
   </p:clrMapOvr>
-  <mc:AlternateContent xmlns:mc="http://schemas.openxmlformats.org/markup-compatibility/2006">
-    <mc:Choice xmlns:p14="http://schemas.microsoft.com/office/powerpoint/2010/main" Requires="p14">
+  <mc:AlternateContent xmlns:mc="http://schemas.openxmlformats.org/markup-compatibility/2006" xmlns:p14="http://schemas.microsoft.com/office/powerpoint/2010/main">
+    <mc:Choice Requires="p14">
       <p:transition spd="slow" p14:dur="2000" advTm="15000"/>
     </mc:Choice>
-    <mc:Fallback>
+    <mc:Fallback xmlns="">
       <p:transition spd="slow" advTm="15000"/>
     </mc:Fallback>
   </mc:AlternateContent>
